--- a/Space Based Computing.pptx
+++ b/Space Based Computing.pptx
@@ -83,7 +83,7 @@
       </p:grpSpPr>
       <p:sp>
         <p:nvSpPr>
-          <p:cNvPr id="26" name="PlaceHolder 1"/>
+          <p:cNvPr id="24" name="PlaceHolder 1"/>
           <p:cNvSpPr>
             <a:spLocks noGrp="1"/>
           </p:cNvSpPr>
@@ -93,8 +93,8 @@
         </p:nvSpPr>
         <p:spPr>
           <a:xfrm>
-            <a:off x="391680" y="587520"/>
-            <a:ext cx="6400800" cy="588240"/>
+            <a:off x="457200" y="273600"/>
+            <a:ext cx="8229240" cy="1145160"/>
           </a:xfrm>
           <a:prstGeom prst="rect">
             <a:avLst/>
@@ -103,13 +103,14 @@
         <p:txBody>
           <a:bodyPr anchor="ctr" bIns="0" lIns="0" rIns="0" tIns="0" wrap="none"/>
           <a:p>
-            <a:endParaRPr/>
-          </a:p>
-        </p:txBody>
-      </p:sp>
-      <p:sp>
-        <p:nvSpPr>
-          <p:cNvPr id="27" name="PlaceHolder 2"/>
+            <a:pPr algn="ctr"/>
+            <a:endParaRPr/>
+          </a:p>
+        </p:txBody>
+      </p:sp>
+      <p:sp>
+        <p:nvSpPr>
+          <p:cNvPr id="25" name="PlaceHolder 2"/>
           <p:cNvSpPr>
             <a:spLocks noGrp="1"/>
           </p:cNvSpPr>
@@ -119,8 +120,8 @@
         </p:nvSpPr>
         <p:spPr>
           <a:xfrm>
-            <a:off x="457200" y="1900440"/>
-            <a:ext cx="8046360" cy="2091240"/>
+            <a:off x="457200" y="1604520"/>
+            <a:ext cx="8229240" cy="1896840"/>
           </a:xfrm>
           <a:prstGeom prst="rect">
             <a:avLst/>
@@ -135,7 +136,7 @@
       </p:sp>
       <p:sp>
         <p:nvSpPr>
-          <p:cNvPr id="28" name="PlaceHolder 3"/>
+          <p:cNvPr id="26" name="PlaceHolder 3"/>
           <p:cNvSpPr>
             <a:spLocks noGrp="1"/>
           </p:cNvSpPr>
@@ -145,8 +146,8 @@
         </p:nvSpPr>
         <p:spPr>
           <a:xfrm>
-            <a:off x="457200" y="4190400"/>
-            <a:ext cx="8046360" cy="2091240"/>
+            <a:off x="457200" y="3681720"/>
+            <a:ext cx="8229240" cy="1896840"/>
           </a:xfrm>
           <a:prstGeom prst="rect">
             <a:avLst/>
@@ -183,7 +184,7 @@
       </p:grpSpPr>
       <p:sp>
         <p:nvSpPr>
-          <p:cNvPr id="29" name="PlaceHolder 1"/>
+          <p:cNvPr id="27" name="PlaceHolder 1"/>
           <p:cNvSpPr>
             <a:spLocks noGrp="1"/>
           </p:cNvSpPr>
@@ -193,8 +194,8 @@
         </p:nvSpPr>
         <p:spPr>
           <a:xfrm>
-            <a:off x="391680" y="587520"/>
-            <a:ext cx="6400800" cy="588240"/>
+            <a:off x="457200" y="273600"/>
+            <a:ext cx="8229240" cy="1145160"/>
           </a:xfrm>
           <a:prstGeom prst="rect">
             <a:avLst/>
@@ -203,13 +204,14 @@
         <p:txBody>
           <a:bodyPr anchor="ctr" bIns="0" lIns="0" rIns="0" tIns="0" wrap="none"/>
           <a:p>
-            <a:endParaRPr/>
-          </a:p>
-        </p:txBody>
-      </p:sp>
-      <p:sp>
-        <p:nvSpPr>
-          <p:cNvPr id="30" name="PlaceHolder 2"/>
+            <a:pPr algn="ctr"/>
+            <a:endParaRPr/>
+          </a:p>
+        </p:txBody>
+      </p:sp>
+      <p:sp>
+        <p:nvSpPr>
+          <p:cNvPr id="28" name="PlaceHolder 2"/>
           <p:cNvSpPr>
             <a:spLocks noGrp="1"/>
           </p:cNvSpPr>
@@ -219,8 +221,8 @@
         </p:nvSpPr>
         <p:spPr>
           <a:xfrm>
-            <a:off x="457200" y="1900440"/>
-            <a:ext cx="3926160" cy="2091240"/>
+            <a:off x="457200" y="1604520"/>
+            <a:ext cx="4015440" cy="1896840"/>
           </a:xfrm>
           <a:prstGeom prst="rect">
             <a:avLst/>
@@ -235,7 +237,7 @@
       </p:sp>
       <p:sp>
         <p:nvSpPr>
-          <p:cNvPr id="31" name="PlaceHolder 3"/>
+          <p:cNvPr id="29" name="PlaceHolder 3"/>
           <p:cNvSpPr>
             <a:spLocks noGrp="1"/>
           </p:cNvSpPr>
@@ -245,8 +247,8 @@
         </p:nvSpPr>
         <p:spPr>
           <a:xfrm>
-            <a:off x="4579920" y="1900440"/>
-            <a:ext cx="3926160" cy="2091240"/>
+            <a:off x="4673520" y="1604520"/>
+            <a:ext cx="4015440" cy="1896840"/>
           </a:xfrm>
           <a:prstGeom prst="rect">
             <a:avLst/>
@@ -261,7 +263,7 @@
       </p:sp>
       <p:sp>
         <p:nvSpPr>
-          <p:cNvPr id="32" name="PlaceHolder 4"/>
+          <p:cNvPr id="30" name="PlaceHolder 4"/>
           <p:cNvSpPr>
             <a:spLocks noGrp="1"/>
           </p:cNvSpPr>
@@ -271,8 +273,8 @@
         </p:nvSpPr>
         <p:spPr>
           <a:xfrm>
-            <a:off x="4579920" y="4190400"/>
-            <a:ext cx="3926160" cy="2091240"/>
+            <a:off x="4673520" y="3681720"/>
+            <a:ext cx="4015440" cy="1896840"/>
           </a:xfrm>
           <a:prstGeom prst="rect">
             <a:avLst/>
@@ -287,7 +289,7 @@
       </p:sp>
       <p:sp>
         <p:nvSpPr>
-          <p:cNvPr id="33" name="PlaceHolder 5"/>
+          <p:cNvPr id="31" name="PlaceHolder 5"/>
           <p:cNvSpPr>
             <a:spLocks noGrp="1"/>
           </p:cNvSpPr>
@@ -297,8 +299,8 @@
         </p:nvSpPr>
         <p:spPr>
           <a:xfrm>
-            <a:off x="457200" y="4190400"/>
-            <a:ext cx="3926160" cy="2091240"/>
+            <a:off x="457200" y="3681720"/>
+            <a:ext cx="4015440" cy="1896840"/>
           </a:xfrm>
           <a:prstGeom prst="rect">
             <a:avLst/>
@@ -335,7 +337,7 @@
       </p:grpSpPr>
       <p:sp>
         <p:nvSpPr>
-          <p:cNvPr id="34" name="PlaceHolder 1"/>
+          <p:cNvPr id="32" name="PlaceHolder 1"/>
           <p:cNvSpPr>
             <a:spLocks noGrp="1"/>
           </p:cNvSpPr>
@@ -345,8 +347,8 @@
         </p:nvSpPr>
         <p:spPr>
           <a:xfrm>
-            <a:off x="391680" y="587520"/>
-            <a:ext cx="6400800" cy="588240"/>
+            <a:off x="457200" y="273600"/>
+            <a:ext cx="8229240" cy="1145160"/>
           </a:xfrm>
           <a:prstGeom prst="rect">
             <a:avLst/>
@@ -355,13 +357,14 @@
         <p:txBody>
           <a:bodyPr anchor="ctr" bIns="0" lIns="0" rIns="0" tIns="0" wrap="none"/>
           <a:p>
-            <a:endParaRPr/>
-          </a:p>
-        </p:txBody>
-      </p:sp>
-      <p:sp>
-        <p:nvSpPr>
-          <p:cNvPr id="35" name="PlaceHolder 2"/>
+            <a:pPr algn="ctr"/>
+            <a:endParaRPr/>
+          </a:p>
+        </p:txBody>
+      </p:sp>
+      <p:sp>
+        <p:nvSpPr>
+          <p:cNvPr id="33" name="PlaceHolder 2"/>
           <p:cNvSpPr>
             <a:spLocks noGrp="1"/>
           </p:cNvSpPr>
@@ -371,8 +374,8 @@
         </p:nvSpPr>
         <p:spPr>
           <a:xfrm>
-            <a:off x="457200" y="1900440"/>
-            <a:ext cx="3926160" cy="2091240"/>
+            <a:off x="457200" y="1604520"/>
+            <a:ext cx="4015440" cy="1896840"/>
           </a:xfrm>
           <a:prstGeom prst="rect">
             <a:avLst/>
@@ -387,7 +390,7 @@
       </p:sp>
       <p:sp>
         <p:nvSpPr>
-          <p:cNvPr id="36" name="PlaceHolder 3"/>
+          <p:cNvPr id="34" name="PlaceHolder 3"/>
           <p:cNvSpPr>
             <a:spLocks noGrp="1"/>
           </p:cNvSpPr>
@@ -397,8 +400,8 @@
         </p:nvSpPr>
         <p:spPr>
           <a:xfrm>
-            <a:off x="4579920" y="1900440"/>
-            <a:ext cx="3926160" cy="2091240"/>
+            <a:off x="4673520" y="1604520"/>
+            <a:ext cx="4015440" cy="1896840"/>
           </a:xfrm>
           <a:prstGeom prst="rect">
             <a:avLst/>
@@ -457,7 +460,7 @@
       </p:grpSpPr>
       <p:sp>
         <p:nvSpPr>
-          <p:cNvPr id="42" name="PlaceHolder 1"/>
+          <p:cNvPr id="38" name="PlaceHolder 1"/>
           <p:cNvSpPr>
             <a:spLocks noGrp="1"/>
           </p:cNvSpPr>
@@ -467,8 +470,8 @@
         </p:nvSpPr>
         <p:spPr>
           <a:xfrm>
-            <a:off x="391680" y="587520"/>
-            <a:ext cx="6400800" cy="588240"/>
+            <a:off x="457200" y="273600"/>
+            <a:ext cx="8229240" cy="1145160"/>
           </a:xfrm>
           <a:prstGeom prst="rect">
             <a:avLst/>
@@ -477,13 +480,14 @@
         <p:txBody>
           <a:bodyPr anchor="ctr" bIns="0" lIns="0" rIns="0" tIns="0" wrap="none"/>
           <a:p>
-            <a:endParaRPr/>
-          </a:p>
-        </p:txBody>
-      </p:sp>
-      <p:sp>
-        <p:nvSpPr>
-          <p:cNvPr id="43" name="PlaceHolder 2"/>
+            <a:pPr algn="ctr"/>
+            <a:endParaRPr/>
+          </a:p>
+        </p:txBody>
+      </p:sp>
+      <p:sp>
+        <p:nvSpPr>
+          <p:cNvPr id="39" name="PlaceHolder 2"/>
           <p:cNvSpPr>
             <a:spLocks noGrp="1"/>
           </p:cNvSpPr>
@@ -493,8 +497,8 @@
         </p:nvSpPr>
         <p:spPr>
           <a:xfrm>
-            <a:off x="457200" y="1900440"/>
-            <a:ext cx="8046360" cy="4385160"/>
+            <a:off x="457200" y="1604520"/>
+            <a:ext cx="8229240" cy="3977640"/>
           </a:xfrm>
           <a:prstGeom prst="rect">
             <a:avLst/>
@@ -532,7 +536,7 @@
       </p:grpSpPr>
       <p:sp>
         <p:nvSpPr>
-          <p:cNvPr id="44" name="PlaceHolder 1"/>
+          <p:cNvPr id="40" name="PlaceHolder 1"/>
           <p:cNvSpPr>
             <a:spLocks noGrp="1"/>
           </p:cNvSpPr>
@@ -542,8 +546,8 @@
         </p:nvSpPr>
         <p:spPr>
           <a:xfrm>
-            <a:off x="391680" y="587520"/>
-            <a:ext cx="6400800" cy="588240"/>
+            <a:off x="457200" y="273600"/>
+            <a:ext cx="8229240" cy="1145160"/>
           </a:xfrm>
           <a:prstGeom prst="rect">
             <a:avLst/>
@@ -552,13 +556,14 @@
         <p:txBody>
           <a:bodyPr anchor="ctr" bIns="0" lIns="0" rIns="0" tIns="0" wrap="none"/>
           <a:p>
-            <a:endParaRPr/>
-          </a:p>
-        </p:txBody>
-      </p:sp>
-      <p:sp>
-        <p:nvSpPr>
-          <p:cNvPr id="45" name="PlaceHolder 2"/>
+            <a:pPr algn="ctr"/>
+            <a:endParaRPr/>
+          </a:p>
+        </p:txBody>
+      </p:sp>
+      <p:sp>
+        <p:nvSpPr>
+          <p:cNvPr id="41" name="PlaceHolder 2"/>
           <p:cNvSpPr>
             <a:spLocks noGrp="1"/>
           </p:cNvSpPr>
@@ -568,8 +573,8 @@
         </p:nvSpPr>
         <p:spPr>
           <a:xfrm>
-            <a:off x="457200" y="1900440"/>
-            <a:ext cx="8046360" cy="4384800"/>
+            <a:off x="457200" y="1604520"/>
+            <a:ext cx="8229240" cy="3977280"/>
           </a:xfrm>
           <a:prstGeom prst="rect">
             <a:avLst/>
@@ -606,7 +611,7 @@
       </p:grpSpPr>
       <p:sp>
         <p:nvSpPr>
-          <p:cNvPr id="46" name="PlaceHolder 1"/>
+          <p:cNvPr id="42" name="PlaceHolder 1"/>
           <p:cNvSpPr>
             <a:spLocks noGrp="1"/>
           </p:cNvSpPr>
@@ -616,8 +621,8 @@
         </p:nvSpPr>
         <p:spPr>
           <a:xfrm>
-            <a:off x="391680" y="587520"/>
-            <a:ext cx="6400800" cy="588240"/>
+            <a:off x="457200" y="273600"/>
+            <a:ext cx="8229240" cy="1145160"/>
           </a:xfrm>
           <a:prstGeom prst="rect">
             <a:avLst/>
@@ -626,13 +631,14 @@
         <p:txBody>
           <a:bodyPr anchor="ctr" bIns="0" lIns="0" rIns="0" tIns="0" wrap="none"/>
           <a:p>
-            <a:endParaRPr/>
-          </a:p>
-        </p:txBody>
-      </p:sp>
-      <p:sp>
-        <p:nvSpPr>
-          <p:cNvPr id="47" name="PlaceHolder 2"/>
+            <a:pPr algn="ctr"/>
+            <a:endParaRPr/>
+          </a:p>
+        </p:txBody>
+      </p:sp>
+      <p:sp>
+        <p:nvSpPr>
+          <p:cNvPr id="43" name="PlaceHolder 2"/>
           <p:cNvSpPr>
             <a:spLocks noGrp="1"/>
           </p:cNvSpPr>
@@ -642,8 +648,8 @@
         </p:nvSpPr>
         <p:spPr>
           <a:xfrm>
-            <a:off x="457200" y="1900440"/>
-            <a:ext cx="3926160" cy="4384800"/>
+            <a:off x="457200" y="1604520"/>
+            <a:ext cx="4015440" cy="3977280"/>
           </a:xfrm>
           <a:prstGeom prst="rect">
             <a:avLst/>
@@ -658,7 +664,7 @@
       </p:sp>
       <p:sp>
         <p:nvSpPr>
-          <p:cNvPr id="48" name="PlaceHolder 3"/>
+          <p:cNvPr id="44" name="PlaceHolder 3"/>
           <p:cNvSpPr>
             <a:spLocks noGrp="1"/>
           </p:cNvSpPr>
@@ -668,8 +674,8 @@
         </p:nvSpPr>
         <p:spPr>
           <a:xfrm>
-            <a:off x="4579920" y="1900440"/>
-            <a:ext cx="3926160" cy="4384800"/>
+            <a:off x="4673520" y="1604520"/>
+            <a:ext cx="4015440" cy="3977280"/>
           </a:xfrm>
           <a:prstGeom prst="rect">
             <a:avLst/>
@@ -706,7 +712,7 @@
       </p:grpSpPr>
       <p:sp>
         <p:nvSpPr>
-          <p:cNvPr id="49" name="PlaceHolder 1"/>
+          <p:cNvPr id="45" name="PlaceHolder 1"/>
           <p:cNvSpPr>
             <a:spLocks noGrp="1"/>
           </p:cNvSpPr>
@@ -716,8 +722,8 @@
         </p:nvSpPr>
         <p:spPr>
           <a:xfrm>
-            <a:off x="391680" y="587520"/>
-            <a:ext cx="6400800" cy="588240"/>
+            <a:off x="457200" y="273600"/>
+            <a:ext cx="8229240" cy="1145160"/>
           </a:xfrm>
           <a:prstGeom prst="rect">
             <a:avLst/>
@@ -726,6 +732,7 @@
         <p:txBody>
           <a:bodyPr anchor="ctr" bIns="0" lIns="0" rIns="0" tIns="0" wrap="none"/>
           <a:p>
+            <a:pPr algn="ctr"/>
             <a:endParaRPr/>
           </a:p>
         </p:txBody>
@@ -754,7 +761,7 @@
       </p:grpSpPr>
       <p:sp>
         <p:nvSpPr>
-          <p:cNvPr id="50" name="PlaceHolder 1"/>
+          <p:cNvPr id="46" name="PlaceHolder 1"/>
           <p:cNvSpPr>
             <a:spLocks noGrp="1"/>
           </p:cNvSpPr>
@@ -764,8 +771,8 @@
         </p:nvSpPr>
         <p:spPr>
           <a:xfrm>
-            <a:off x="391680" y="587520"/>
-            <a:ext cx="6400800" cy="5697720"/>
+            <a:off x="457200" y="273600"/>
+            <a:ext cx="8229240" cy="5308200"/>
           </a:xfrm>
           <a:prstGeom prst="rect">
             <a:avLst/>
@@ -803,7 +810,7 @@
       </p:grpSpPr>
       <p:sp>
         <p:nvSpPr>
-          <p:cNvPr id="51" name="PlaceHolder 1"/>
+          <p:cNvPr id="47" name="PlaceHolder 1"/>
           <p:cNvSpPr>
             <a:spLocks noGrp="1"/>
           </p:cNvSpPr>
@@ -813,8 +820,8 @@
         </p:nvSpPr>
         <p:spPr>
           <a:xfrm>
-            <a:off x="391680" y="587520"/>
-            <a:ext cx="6400800" cy="588240"/>
+            <a:off x="457200" y="273600"/>
+            <a:ext cx="8229240" cy="1145160"/>
           </a:xfrm>
           <a:prstGeom prst="rect">
             <a:avLst/>
@@ -823,13 +830,14 @@
         <p:txBody>
           <a:bodyPr anchor="ctr" bIns="0" lIns="0" rIns="0" tIns="0" wrap="none"/>
           <a:p>
-            <a:endParaRPr/>
-          </a:p>
-        </p:txBody>
-      </p:sp>
-      <p:sp>
-        <p:nvSpPr>
-          <p:cNvPr id="52" name="PlaceHolder 2"/>
+            <a:pPr algn="ctr"/>
+            <a:endParaRPr/>
+          </a:p>
+        </p:txBody>
+      </p:sp>
+      <p:sp>
+        <p:nvSpPr>
+          <p:cNvPr id="48" name="PlaceHolder 2"/>
           <p:cNvSpPr>
             <a:spLocks noGrp="1"/>
           </p:cNvSpPr>
@@ -839,8 +847,8 @@
         </p:nvSpPr>
         <p:spPr>
           <a:xfrm>
-            <a:off x="457200" y="1900440"/>
-            <a:ext cx="3926160" cy="2091240"/>
+            <a:off x="457200" y="1604520"/>
+            <a:ext cx="4015440" cy="1896840"/>
           </a:xfrm>
           <a:prstGeom prst="rect">
             <a:avLst/>
@@ -855,7 +863,7 @@
       </p:sp>
       <p:sp>
         <p:nvSpPr>
-          <p:cNvPr id="53" name="PlaceHolder 3"/>
+          <p:cNvPr id="49" name="PlaceHolder 3"/>
           <p:cNvSpPr>
             <a:spLocks noGrp="1"/>
           </p:cNvSpPr>
@@ -865,8 +873,8 @@
         </p:nvSpPr>
         <p:spPr>
           <a:xfrm>
-            <a:off x="457200" y="4190400"/>
-            <a:ext cx="3926160" cy="2091240"/>
+            <a:off x="457200" y="3681720"/>
+            <a:ext cx="4015440" cy="1896840"/>
           </a:xfrm>
           <a:prstGeom prst="rect">
             <a:avLst/>
@@ -881,7 +889,7 @@
       </p:sp>
       <p:sp>
         <p:nvSpPr>
-          <p:cNvPr id="54" name="PlaceHolder 4"/>
+          <p:cNvPr id="50" name="PlaceHolder 4"/>
           <p:cNvSpPr>
             <a:spLocks noGrp="1"/>
           </p:cNvSpPr>
@@ -891,8 +899,8 @@
         </p:nvSpPr>
         <p:spPr>
           <a:xfrm>
-            <a:off x="4579920" y="1900440"/>
-            <a:ext cx="3926160" cy="4384800"/>
+            <a:off x="4673520" y="1604520"/>
+            <a:ext cx="4015440" cy="3977280"/>
           </a:xfrm>
           <a:prstGeom prst="rect">
             <a:avLst/>
@@ -929,7 +937,7 @@
       </p:grpSpPr>
       <p:sp>
         <p:nvSpPr>
-          <p:cNvPr id="5" name="PlaceHolder 1"/>
+          <p:cNvPr id="3" name="PlaceHolder 1"/>
           <p:cNvSpPr>
             <a:spLocks noGrp="1"/>
           </p:cNvSpPr>
@@ -939,8 +947,8 @@
         </p:nvSpPr>
         <p:spPr>
           <a:xfrm>
-            <a:off x="391680" y="587520"/>
-            <a:ext cx="6400800" cy="588240"/>
+            <a:off x="457200" y="273600"/>
+            <a:ext cx="8229240" cy="1145160"/>
           </a:xfrm>
           <a:prstGeom prst="rect">
             <a:avLst/>
@@ -949,13 +957,14 @@
         <p:txBody>
           <a:bodyPr anchor="ctr" bIns="0" lIns="0" rIns="0" tIns="0" wrap="none"/>
           <a:p>
-            <a:endParaRPr/>
-          </a:p>
-        </p:txBody>
-      </p:sp>
-      <p:sp>
-        <p:nvSpPr>
-          <p:cNvPr id="6" name="PlaceHolder 2"/>
+            <a:pPr algn="ctr"/>
+            <a:endParaRPr/>
+          </a:p>
+        </p:txBody>
+      </p:sp>
+      <p:sp>
+        <p:nvSpPr>
+          <p:cNvPr id="4" name="PlaceHolder 2"/>
           <p:cNvSpPr>
             <a:spLocks noGrp="1"/>
           </p:cNvSpPr>
@@ -965,8 +974,8 @@
         </p:nvSpPr>
         <p:spPr>
           <a:xfrm>
-            <a:off x="457200" y="1900440"/>
-            <a:ext cx="8046360" cy="4385160"/>
+            <a:off x="457200" y="1604520"/>
+            <a:ext cx="8229240" cy="3977640"/>
           </a:xfrm>
           <a:prstGeom prst="rect">
             <a:avLst/>
@@ -1004,7 +1013,7 @@
       </p:grpSpPr>
       <p:sp>
         <p:nvSpPr>
-          <p:cNvPr id="55" name="PlaceHolder 1"/>
+          <p:cNvPr id="51" name="PlaceHolder 1"/>
           <p:cNvSpPr>
             <a:spLocks noGrp="1"/>
           </p:cNvSpPr>
@@ -1014,8 +1023,8 @@
         </p:nvSpPr>
         <p:spPr>
           <a:xfrm>
-            <a:off x="391680" y="587520"/>
-            <a:ext cx="6400800" cy="588240"/>
+            <a:off x="457200" y="273600"/>
+            <a:ext cx="8229240" cy="1145160"/>
           </a:xfrm>
           <a:prstGeom prst="rect">
             <a:avLst/>
@@ -1024,13 +1033,14 @@
         <p:txBody>
           <a:bodyPr anchor="ctr" bIns="0" lIns="0" rIns="0" tIns="0" wrap="none"/>
           <a:p>
-            <a:endParaRPr/>
-          </a:p>
-        </p:txBody>
-      </p:sp>
-      <p:sp>
-        <p:nvSpPr>
-          <p:cNvPr id="56" name="PlaceHolder 2"/>
+            <a:pPr algn="ctr"/>
+            <a:endParaRPr/>
+          </a:p>
+        </p:txBody>
+      </p:sp>
+      <p:sp>
+        <p:nvSpPr>
+          <p:cNvPr id="52" name="PlaceHolder 2"/>
           <p:cNvSpPr>
             <a:spLocks noGrp="1"/>
           </p:cNvSpPr>
@@ -1040,8 +1050,8 @@
         </p:nvSpPr>
         <p:spPr>
           <a:xfrm>
-            <a:off x="457200" y="1900440"/>
-            <a:ext cx="3926160" cy="4384800"/>
+            <a:off x="457200" y="1604520"/>
+            <a:ext cx="4015440" cy="3977280"/>
           </a:xfrm>
           <a:prstGeom prst="rect">
             <a:avLst/>
@@ -1056,7 +1066,7 @@
       </p:sp>
       <p:sp>
         <p:nvSpPr>
-          <p:cNvPr id="57" name="PlaceHolder 3"/>
+          <p:cNvPr id="53" name="PlaceHolder 3"/>
           <p:cNvSpPr>
             <a:spLocks noGrp="1"/>
           </p:cNvSpPr>
@@ -1066,8 +1076,8 @@
         </p:nvSpPr>
         <p:spPr>
           <a:xfrm>
-            <a:off x="4579920" y="1900440"/>
-            <a:ext cx="3926160" cy="2091240"/>
+            <a:off x="4673520" y="1604520"/>
+            <a:ext cx="4015440" cy="1896840"/>
           </a:xfrm>
           <a:prstGeom prst="rect">
             <a:avLst/>
@@ -1082,7 +1092,7 @@
       </p:sp>
       <p:sp>
         <p:nvSpPr>
-          <p:cNvPr id="58" name="PlaceHolder 4"/>
+          <p:cNvPr id="54" name="PlaceHolder 4"/>
           <p:cNvSpPr>
             <a:spLocks noGrp="1"/>
           </p:cNvSpPr>
@@ -1092,8 +1102,8 @@
         </p:nvSpPr>
         <p:spPr>
           <a:xfrm>
-            <a:off x="4579920" y="4190400"/>
-            <a:ext cx="3926160" cy="2091240"/>
+            <a:off x="4673520" y="3681720"/>
+            <a:ext cx="4015440" cy="1896840"/>
           </a:xfrm>
           <a:prstGeom prst="rect">
             <a:avLst/>
@@ -1130,7 +1140,7 @@
       </p:grpSpPr>
       <p:sp>
         <p:nvSpPr>
-          <p:cNvPr id="59" name="PlaceHolder 1"/>
+          <p:cNvPr id="55" name="PlaceHolder 1"/>
           <p:cNvSpPr>
             <a:spLocks noGrp="1"/>
           </p:cNvSpPr>
@@ -1140,8 +1150,8 @@
         </p:nvSpPr>
         <p:spPr>
           <a:xfrm>
-            <a:off x="391680" y="587520"/>
-            <a:ext cx="6400800" cy="588240"/>
+            <a:off x="457200" y="273600"/>
+            <a:ext cx="8229240" cy="1145160"/>
           </a:xfrm>
           <a:prstGeom prst="rect">
             <a:avLst/>
@@ -1150,13 +1160,14 @@
         <p:txBody>
           <a:bodyPr anchor="ctr" bIns="0" lIns="0" rIns="0" tIns="0" wrap="none"/>
           <a:p>
-            <a:endParaRPr/>
-          </a:p>
-        </p:txBody>
-      </p:sp>
-      <p:sp>
-        <p:nvSpPr>
-          <p:cNvPr id="60" name="PlaceHolder 2"/>
+            <a:pPr algn="ctr"/>
+            <a:endParaRPr/>
+          </a:p>
+        </p:txBody>
+      </p:sp>
+      <p:sp>
+        <p:nvSpPr>
+          <p:cNvPr id="56" name="PlaceHolder 2"/>
           <p:cNvSpPr>
             <a:spLocks noGrp="1"/>
           </p:cNvSpPr>
@@ -1166,8 +1177,8 @@
         </p:nvSpPr>
         <p:spPr>
           <a:xfrm>
-            <a:off x="457200" y="1900440"/>
-            <a:ext cx="3926160" cy="2091240"/>
+            <a:off x="457200" y="1604520"/>
+            <a:ext cx="4015440" cy="1896840"/>
           </a:xfrm>
           <a:prstGeom prst="rect">
             <a:avLst/>
@@ -1182,7 +1193,7 @@
       </p:sp>
       <p:sp>
         <p:nvSpPr>
-          <p:cNvPr id="61" name="PlaceHolder 3"/>
+          <p:cNvPr id="57" name="PlaceHolder 3"/>
           <p:cNvSpPr>
             <a:spLocks noGrp="1"/>
           </p:cNvSpPr>
@@ -1192,8 +1203,8 @@
         </p:nvSpPr>
         <p:spPr>
           <a:xfrm>
-            <a:off x="4579920" y="1900440"/>
-            <a:ext cx="3926160" cy="2091240"/>
+            <a:off x="4673520" y="1604520"/>
+            <a:ext cx="4015440" cy="1896840"/>
           </a:xfrm>
           <a:prstGeom prst="rect">
             <a:avLst/>
@@ -1208,7 +1219,7 @@
       </p:sp>
       <p:sp>
         <p:nvSpPr>
-          <p:cNvPr id="62" name="PlaceHolder 4"/>
+          <p:cNvPr id="58" name="PlaceHolder 4"/>
           <p:cNvSpPr>
             <a:spLocks noGrp="1"/>
           </p:cNvSpPr>
@@ -1218,8 +1229,8 @@
         </p:nvSpPr>
         <p:spPr>
           <a:xfrm>
-            <a:off x="457200" y="4190400"/>
-            <a:ext cx="8045640" cy="2091240"/>
+            <a:off x="457200" y="3681720"/>
+            <a:ext cx="8228520" cy="1896840"/>
           </a:xfrm>
           <a:prstGeom prst="rect">
             <a:avLst/>
@@ -1256,7 +1267,7 @@
       </p:grpSpPr>
       <p:sp>
         <p:nvSpPr>
-          <p:cNvPr id="63" name="PlaceHolder 1"/>
+          <p:cNvPr id="59" name="PlaceHolder 1"/>
           <p:cNvSpPr>
             <a:spLocks noGrp="1"/>
           </p:cNvSpPr>
@@ -1266,8 +1277,8 @@
         </p:nvSpPr>
         <p:spPr>
           <a:xfrm>
-            <a:off x="391680" y="587520"/>
-            <a:ext cx="6400800" cy="588240"/>
+            <a:off x="457200" y="273600"/>
+            <a:ext cx="8229240" cy="1145160"/>
           </a:xfrm>
           <a:prstGeom prst="rect">
             <a:avLst/>
@@ -1276,13 +1287,14 @@
         <p:txBody>
           <a:bodyPr anchor="ctr" bIns="0" lIns="0" rIns="0" tIns="0" wrap="none"/>
           <a:p>
-            <a:endParaRPr/>
-          </a:p>
-        </p:txBody>
-      </p:sp>
-      <p:sp>
-        <p:nvSpPr>
-          <p:cNvPr id="64" name="PlaceHolder 2"/>
+            <a:pPr algn="ctr"/>
+            <a:endParaRPr/>
+          </a:p>
+        </p:txBody>
+      </p:sp>
+      <p:sp>
+        <p:nvSpPr>
+          <p:cNvPr id="60" name="PlaceHolder 2"/>
           <p:cNvSpPr>
             <a:spLocks noGrp="1"/>
           </p:cNvSpPr>
@@ -1292,8 +1304,8 @@
         </p:nvSpPr>
         <p:spPr>
           <a:xfrm>
-            <a:off x="457200" y="1900440"/>
-            <a:ext cx="8046360" cy="2091240"/>
+            <a:off x="457200" y="1604520"/>
+            <a:ext cx="8229240" cy="1896840"/>
           </a:xfrm>
           <a:prstGeom prst="rect">
             <a:avLst/>
@@ -1308,7 +1320,7 @@
       </p:sp>
       <p:sp>
         <p:nvSpPr>
-          <p:cNvPr id="65" name="PlaceHolder 3"/>
+          <p:cNvPr id="61" name="PlaceHolder 3"/>
           <p:cNvSpPr>
             <a:spLocks noGrp="1"/>
           </p:cNvSpPr>
@@ -1318,8 +1330,8 @@
         </p:nvSpPr>
         <p:spPr>
           <a:xfrm>
-            <a:off x="457200" y="4190400"/>
-            <a:ext cx="8046360" cy="2091240"/>
+            <a:off x="457200" y="3681720"/>
+            <a:ext cx="8229240" cy="1896840"/>
           </a:xfrm>
           <a:prstGeom prst="rect">
             <a:avLst/>
@@ -1356,7 +1368,7 @@
       </p:grpSpPr>
       <p:sp>
         <p:nvSpPr>
-          <p:cNvPr id="66" name="PlaceHolder 1"/>
+          <p:cNvPr id="62" name="PlaceHolder 1"/>
           <p:cNvSpPr>
             <a:spLocks noGrp="1"/>
           </p:cNvSpPr>
@@ -1366,8 +1378,8 @@
         </p:nvSpPr>
         <p:spPr>
           <a:xfrm>
-            <a:off x="391680" y="587520"/>
-            <a:ext cx="6400800" cy="588240"/>
+            <a:off x="457200" y="273600"/>
+            <a:ext cx="8229240" cy="1145160"/>
           </a:xfrm>
           <a:prstGeom prst="rect">
             <a:avLst/>
@@ -1376,13 +1388,14 @@
         <p:txBody>
           <a:bodyPr anchor="ctr" bIns="0" lIns="0" rIns="0" tIns="0" wrap="none"/>
           <a:p>
-            <a:endParaRPr/>
-          </a:p>
-        </p:txBody>
-      </p:sp>
-      <p:sp>
-        <p:nvSpPr>
-          <p:cNvPr id="67" name="PlaceHolder 2"/>
+            <a:pPr algn="ctr"/>
+            <a:endParaRPr/>
+          </a:p>
+        </p:txBody>
+      </p:sp>
+      <p:sp>
+        <p:nvSpPr>
+          <p:cNvPr id="63" name="PlaceHolder 2"/>
           <p:cNvSpPr>
             <a:spLocks noGrp="1"/>
           </p:cNvSpPr>
@@ -1392,8 +1405,8 @@
         </p:nvSpPr>
         <p:spPr>
           <a:xfrm>
-            <a:off x="457200" y="1900440"/>
-            <a:ext cx="3926160" cy="2091240"/>
+            <a:off x="457200" y="1604520"/>
+            <a:ext cx="4015440" cy="1896840"/>
           </a:xfrm>
           <a:prstGeom prst="rect">
             <a:avLst/>
@@ -1408,7 +1421,7 @@
       </p:sp>
       <p:sp>
         <p:nvSpPr>
-          <p:cNvPr id="68" name="PlaceHolder 3"/>
+          <p:cNvPr id="64" name="PlaceHolder 3"/>
           <p:cNvSpPr>
             <a:spLocks noGrp="1"/>
           </p:cNvSpPr>
@@ -1418,8 +1431,8 @@
         </p:nvSpPr>
         <p:spPr>
           <a:xfrm>
-            <a:off x="4579920" y="1900440"/>
-            <a:ext cx="3926160" cy="2091240"/>
+            <a:off x="4673520" y="1604520"/>
+            <a:ext cx="4015440" cy="1896840"/>
           </a:xfrm>
           <a:prstGeom prst="rect">
             <a:avLst/>
@@ -1434,7 +1447,7 @@
       </p:sp>
       <p:sp>
         <p:nvSpPr>
-          <p:cNvPr id="69" name="PlaceHolder 4"/>
+          <p:cNvPr id="65" name="PlaceHolder 4"/>
           <p:cNvSpPr>
             <a:spLocks noGrp="1"/>
           </p:cNvSpPr>
@@ -1444,8 +1457,8 @@
         </p:nvSpPr>
         <p:spPr>
           <a:xfrm>
-            <a:off x="4579920" y="4190400"/>
-            <a:ext cx="3926160" cy="2091240"/>
+            <a:off x="4673520" y="3681720"/>
+            <a:ext cx="4015440" cy="1896840"/>
           </a:xfrm>
           <a:prstGeom prst="rect">
             <a:avLst/>
@@ -1460,7 +1473,7 @@
       </p:sp>
       <p:sp>
         <p:nvSpPr>
-          <p:cNvPr id="70" name="PlaceHolder 5"/>
+          <p:cNvPr id="66" name="PlaceHolder 5"/>
           <p:cNvSpPr>
             <a:spLocks noGrp="1"/>
           </p:cNvSpPr>
@@ -1470,8 +1483,8 @@
         </p:nvSpPr>
         <p:spPr>
           <a:xfrm>
-            <a:off x="457200" y="4190400"/>
-            <a:ext cx="3926160" cy="2091240"/>
+            <a:off x="457200" y="3681720"/>
+            <a:ext cx="4015440" cy="1896840"/>
           </a:xfrm>
           <a:prstGeom prst="rect">
             <a:avLst/>
@@ -1508,7 +1521,7 @@
       </p:grpSpPr>
       <p:sp>
         <p:nvSpPr>
-          <p:cNvPr id="71" name="PlaceHolder 1"/>
+          <p:cNvPr id="67" name="PlaceHolder 1"/>
           <p:cNvSpPr>
             <a:spLocks noGrp="1"/>
           </p:cNvSpPr>
@@ -1518,8 +1531,8 @@
         </p:nvSpPr>
         <p:spPr>
           <a:xfrm>
-            <a:off x="391680" y="587520"/>
-            <a:ext cx="6400800" cy="588240"/>
+            <a:off x="457200" y="273600"/>
+            <a:ext cx="8229240" cy="1145160"/>
           </a:xfrm>
           <a:prstGeom prst="rect">
             <a:avLst/>
@@ -1528,13 +1541,14 @@
         <p:txBody>
           <a:bodyPr anchor="ctr" bIns="0" lIns="0" rIns="0" tIns="0" wrap="none"/>
           <a:p>
-            <a:endParaRPr/>
-          </a:p>
-        </p:txBody>
-      </p:sp>
-      <p:sp>
-        <p:nvSpPr>
-          <p:cNvPr id="72" name="PlaceHolder 2"/>
+            <a:pPr algn="ctr"/>
+            <a:endParaRPr/>
+          </a:p>
+        </p:txBody>
+      </p:sp>
+      <p:sp>
+        <p:nvSpPr>
+          <p:cNvPr id="68" name="PlaceHolder 2"/>
           <p:cNvSpPr>
             <a:spLocks noGrp="1"/>
           </p:cNvSpPr>
@@ -1544,8 +1558,8 @@
         </p:nvSpPr>
         <p:spPr>
           <a:xfrm>
-            <a:off x="457200" y="1900440"/>
-            <a:ext cx="3926160" cy="2091240"/>
+            <a:off x="457200" y="1604520"/>
+            <a:ext cx="4015440" cy="1896840"/>
           </a:xfrm>
           <a:prstGeom prst="rect">
             <a:avLst/>
@@ -1560,7 +1574,7 @@
       </p:sp>
       <p:sp>
         <p:nvSpPr>
-          <p:cNvPr id="73" name="PlaceHolder 3"/>
+          <p:cNvPr id="69" name="PlaceHolder 3"/>
           <p:cNvSpPr>
             <a:spLocks noGrp="1"/>
           </p:cNvSpPr>
@@ -1570,8 +1584,8 @@
         </p:nvSpPr>
         <p:spPr>
           <a:xfrm>
-            <a:off x="4579920" y="1900440"/>
-            <a:ext cx="3926160" cy="2091240"/>
+            <a:off x="4673520" y="1604520"/>
+            <a:ext cx="4015440" cy="1896840"/>
           </a:xfrm>
           <a:prstGeom prst="rect">
             <a:avLst/>
@@ -1630,7 +1644,7 @@
       </p:grpSpPr>
       <p:sp>
         <p:nvSpPr>
-          <p:cNvPr id="80" name="PlaceHolder 1"/>
+          <p:cNvPr id="73" name="PlaceHolder 1"/>
           <p:cNvSpPr>
             <a:spLocks noGrp="1"/>
           </p:cNvSpPr>
@@ -1640,8 +1654,8 @@
         </p:nvSpPr>
         <p:spPr>
           <a:xfrm>
-            <a:off x="391680" y="587520"/>
-            <a:ext cx="6400800" cy="588240"/>
+            <a:off x="457200" y="273600"/>
+            <a:ext cx="8229240" cy="1145160"/>
           </a:xfrm>
           <a:prstGeom prst="rect">
             <a:avLst/>
@@ -1650,13 +1664,14 @@
         <p:txBody>
           <a:bodyPr anchor="ctr" bIns="0" lIns="0" rIns="0" tIns="0" wrap="none"/>
           <a:p>
-            <a:endParaRPr/>
-          </a:p>
-        </p:txBody>
-      </p:sp>
-      <p:sp>
-        <p:nvSpPr>
-          <p:cNvPr id="81" name="PlaceHolder 2"/>
+            <a:pPr algn="ctr"/>
+            <a:endParaRPr/>
+          </a:p>
+        </p:txBody>
+      </p:sp>
+      <p:sp>
+        <p:nvSpPr>
+          <p:cNvPr id="74" name="PlaceHolder 2"/>
           <p:cNvSpPr>
             <a:spLocks noGrp="1"/>
           </p:cNvSpPr>
@@ -1666,8 +1681,8 @@
         </p:nvSpPr>
         <p:spPr>
           <a:xfrm>
-            <a:off x="457200" y="1900440"/>
-            <a:ext cx="8046360" cy="4385160"/>
+            <a:off x="457200" y="1604520"/>
+            <a:ext cx="8229240" cy="3977640"/>
           </a:xfrm>
           <a:prstGeom prst="rect">
             <a:avLst/>
@@ -1705,7 +1720,7 @@
       </p:grpSpPr>
       <p:sp>
         <p:nvSpPr>
-          <p:cNvPr id="82" name="PlaceHolder 1"/>
+          <p:cNvPr id="75" name="PlaceHolder 1"/>
           <p:cNvSpPr>
             <a:spLocks noGrp="1"/>
           </p:cNvSpPr>
@@ -1715,8 +1730,8 @@
         </p:nvSpPr>
         <p:spPr>
           <a:xfrm>
-            <a:off x="391680" y="587520"/>
-            <a:ext cx="6400800" cy="588240"/>
+            <a:off x="457200" y="273600"/>
+            <a:ext cx="8229240" cy="1145160"/>
           </a:xfrm>
           <a:prstGeom prst="rect">
             <a:avLst/>
@@ -1725,13 +1740,14 @@
         <p:txBody>
           <a:bodyPr anchor="ctr" bIns="0" lIns="0" rIns="0" tIns="0" wrap="none"/>
           <a:p>
-            <a:endParaRPr/>
-          </a:p>
-        </p:txBody>
-      </p:sp>
-      <p:sp>
-        <p:nvSpPr>
-          <p:cNvPr id="83" name="PlaceHolder 2"/>
+            <a:pPr algn="ctr"/>
+            <a:endParaRPr/>
+          </a:p>
+        </p:txBody>
+      </p:sp>
+      <p:sp>
+        <p:nvSpPr>
+          <p:cNvPr id="76" name="PlaceHolder 2"/>
           <p:cNvSpPr>
             <a:spLocks noGrp="1"/>
           </p:cNvSpPr>
@@ -1741,8 +1757,8 @@
         </p:nvSpPr>
         <p:spPr>
           <a:xfrm>
-            <a:off x="457200" y="1900440"/>
-            <a:ext cx="8046360" cy="4384800"/>
+            <a:off x="457200" y="1604520"/>
+            <a:ext cx="8229240" cy="3977280"/>
           </a:xfrm>
           <a:prstGeom prst="rect">
             <a:avLst/>
@@ -1779,7 +1795,7 @@
       </p:grpSpPr>
       <p:sp>
         <p:nvSpPr>
-          <p:cNvPr id="84" name="PlaceHolder 1"/>
+          <p:cNvPr id="77" name="PlaceHolder 1"/>
           <p:cNvSpPr>
             <a:spLocks noGrp="1"/>
           </p:cNvSpPr>
@@ -1789,8 +1805,8 @@
         </p:nvSpPr>
         <p:spPr>
           <a:xfrm>
-            <a:off x="391680" y="587520"/>
-            <a:ext cx="6400800" cy="588240"/>
+            <a:off x="457200" y="273600"/>
+            <a:ext cx="8229240" cy="1145160"/>
           </a:xfrm>
           <a:prstGeom prst="rect">
             <a:avLst/>
@@ -1799,13 +1815,14 @@
         <p:txBody>
           <a:bodyPr anchor="ctr" bIns="0" lIns="0" rIns="0" tIns="0" wrap="none"/>
           <a:p>
-            <a:endParaRPr/>
-          </a:p>
-        </p:txBody>
-      </p:sp>
-      <p:sp>
-        <p:nvSpPr>
-          <p:cNvPr id="85" name="PlaceHolder 2"/>
+            <a:pPr algn="ctr"/>
+            <a:endParaRPr/>
+          </a:p>
+        </p:txBody>
+      </p:sp>
+      <p:sp>
+        <p:nvSpPr>
+          <p:cNvPr id="78" name="PlaceHolder 2"/>
           <p:cNvSpPr>
             <a:spLocks noGrp="1"/>
           </p:cNvSpPr>
@@ -1815,8 +1832,8 @@
         </p:nvSpPr>
         <p:spPr>
           <a:xfrm>
-            <a:off x="457200" y="1900440"/>
-            <a:ext cx="3926160" cy="4384800"/>
+            <a:off x="457200" y="1604520"/>
+            <a:ext cx="4015440" cy="3977280"/>
           </a:xfrm>
           <a:prstGeom prst="rect">
             <a:avLst/>
@@ -1831,7 +1848,7 @@
       </p:sp>
       <p:sp>
         <p:nvSpPr>
-          <p:cNvPr id="86" name="PlaceHolder 3"/>
+          <p:cNvPr id="79" name="PlaceHolder 3"/>
           <p:cNvSpPr>
             <a:spLocks noGrp="1"/>
           </p:cNvSpPr>
@@ -1841,8 +1858,8 @@
         </p:nvSpPr>
         <p:spPr>
           <a:xfrm>
-            <a:off x="4579920" y="1900440"/>
-            <a:ext cx="3926160" cy="4384800"/>
+            <a:off x="4673520" y="1604520"/>
+            <a:ext cx="4015440" cy="3977280"/>
           </a:xfrm>
           <a:prstGeom prst="rect">
             <a:avLst/>
@@ -1879,7 +1896,7 @@
       </p:grpSpPr>
       <p:sp>
         <p:nvSpPr>
-          <p:cNvPr id="87" name="PlaceHolder 1"/>
+          <p:cNvPr id="80" name="PlaceHolder 1"/>
           <p:cNvSpPr>
             <a:spLocks noGrp="1"/>
           </p:cNvSpPr>
@@ -1889,8 +1906,8 @@
         </p:nvSpPr>
         <p:spPr>
           <a:xfrm>
-            <a:off x="391680" y="587520"/>
-            <a:ext cx="6400800" cy="588240"/>
+            <a:off x="457200" y="273600"/>
+            <a:ext cx="8229240" cy="1145160"/>
           </a:xfrm>
           <a:prstGeom prst="rect">
             <a:avLst/>
@@ -1899,6 +1916,7 @@
         <p:txBody>
           <a:bodyPr anchor="ctr" bIns="0" lIns="0" rIns="0" tIns="0" wrap="none"/>
           <a:p>
+            <a:pPr algn="ctr"/>
             <a:endParaRPr/>
           </a:p>
         </p:txBody>
@@ -1927,7 +1945,7 @@
       </p:grpSpPr>
       <p:sp>
         <p:nvSpPr>
-          <p:cNvPr id="7" name="PlaceHolder 1"/>
+          <p:cNvPr id="5" name="PlaceHolder 1"/>
           <p:cNvSpPr>
             <a:spLocks noGrp="1"/>
           </p:cNvSpPr>
@@ -1937,8 +1955,8 @@
         </p:nvSpPr>
         <p:spPr>
           <a:xfrm>
-            <a:off x="391680" y="587520"/>
-            <a:ext cx="6400800" cy="588240"/>
+            <a:off x="457200" y="273600"/>
+            <a:ext cx="8229240" cy="1145160"/>
           </a:xfrm>
           <a:prstGeom prst="rect">
             <a:avLst/>
@@ -1947,13 +1965,14 @@
         <p:txBody>
           <a:bodyPr anchor="ctr" bIns="0" lIns="0" rIns="0" tIns="0" wrap="none"/>
           <a:p>
-            <a:endParaRPr/>
-          </a:p>
-        </p:txBody>
-      </p:sp>
-      <p:sp>
-        <p:nvSpPr>
-          <p:cNvPr id="8" name="PlaceHolder 2"/>
+            <a:pPr algn="ctr"/>
+            <a:endParaRPr/>
+          </a:p>
+        </p:txBody>
+      </p:sp>
+      <p:sp>
+        <p:nvSpPr>
+          <p:cNvPr id="6" name="PlaceHolder 2"/>
           <p:cNvSpPr>
             <a:spLocks noGrp="1"/>
           </p:cNvSpPr>
@@ -1963,8 +1982,8 @@
         </p:nvSpPr>
         <p:spPr>
           <a:xfrm>
-            <a:off x="457200" y="1900440"/>
-            <a:ext cx="8046360" cy="4384800"/>
+            <a:off x="457200" y="1604520"/>
+            <a:ext cx="8229240" cy="3977280"/>
           </a:xfrm>
           <a:prstGeom prst="rect">
             <a:avLst/>
@@ -2001,7 +2020,7 @@
       </p:grpSpPr>
       <p:sp>
         <p:nvSpPr>
-          <p:cNvPr id="88" name="PlaceHolder 1"/>
+          <p:cNvPr id="81" name="PlaceHolder 1"/>
           <p:cNvSpPr>
             <a:spLocks noGrp="1"/>
           </p:cNvSpPr>
@@ -2011,8 +2030,8 @@
         </p:nvSpPr>
         <p:spPr>
           <a:xfrm>
-            <a:off x="391680" y="587520"/>
-            <a:ext cx="6400800" cy="5697720"/>
+            <a:off x="457200" y="273600"/>
+            <a:ext cx="8229240" cy="5308200"/>
           </a:xfrm>
           <a:prstGeom prst="rect">
             <a:avLst/>
@@ -2050,7 +2069,7 @@
       </p:grpSpPr>
       <p:sp>
         <p:nvSpPr>
-          <p:cNvPr id="89" name="PlaceHolder 1"/>
+          <p:cNvPr id="82" name="PlaceHolder 1"/>
           <p:cNvSpPr>
             <a:spLocks noGrp="1"/>
           </p:cNvSpPr>
@@ -2060,8 +2079,8 @@
         </p:nvSpPr>
         <p:spPr>
           <a:xfrm>
-            <a:off x="391680" y="587520"/>
-            <a:ext cx="6400800" cy="588240"/>
+            <a:off x="457200" y="273600"/>
+            <a:ext cx="8229240" cy="1145160"/>
           </a:xfrm>
           <a:prstGeom prst="rect">
             <a:avLst/>
@@ -2070,13 +2089,14 @@
         <p:txBody>
           <a:bodyPr anchor="ctr" bIns="0" lIns="0" rIns="0" tIns="0" wrap="none"/>
           <a:p>
-            <a:endParaRPr/>
-          </a:p>
-        </p:txBody>
-      </p:sp>
-      <p:sp>
-        <p:nvSpPr>
-          <p:cNvPr id="90" name="PlaceHolder 2"/>
+            <a:pPr algn="ctr"/>
+            <a:endParaRPr/>
+          </a:p>
+        </p:txBody>
+      </p:sp>
+      <p:sp>
+        <p:nvSpPr>
+          <p:cNvPr id="83" name="PlaceHolder 2"/>
           <p:cNvSpPr>
             <a:spLocks noGrp="1"/>
           </p:cNvSpPr>
@@ -2086,8 +2106,8 @@
         </p:nvSpPr>
         <p:spPr>
           <a:xfrm>
-            <a:off x="457200" y="1900440"/>
-            <a:ext cx="3926160" cy="2091240"/>
+            <a:off x="457200" y="1604520"/>
+            <a:ext cx="4015440" cy="1896840"/>
           </a:xfrm>
           <a:prstGeom prst="rect">
             <a:avLst/>
@@ -2102,7 +2122,7 @@
       </p:sp>
       <p:sp>
         <p:nvSpPr>
-          <p:cNvPr id="91" name="PlaceHolder 3"/>
+          <p:cNvPr id="84" name="PlaceHolder 3"/>
           <p:cNvSpPr>
             <a:spLocks noGrp="1"/>
           </p:cNvSpPr>
@@ -2112,8 +2132,8 @@
         </p:nvSpPr>
         <p:spPr>
           <a:xfrm>
-            <a:off x="457200" y="4190400"/>
-            <a:ext cx="3926160" cy="2091240"/>
+            <a:off x="457200" y="3681720"/>
+            <a:ext cx="4015440" cy="1896840"/>
           </a:xfrm>
           <a:prstGeom prst="rect">
             <a:avLst/>
@@ -2128,7 +2148,7 @@
       </p:sp>
       <p:sp>
         <p:nvSpPr>
-          <p:cNvPr id="92" name="PlaceHolder 4"/>
+          <p:cNvPr id="85" name="PlaceHolder 4"/>
           <p:cNvSpPr>
             <a:spLocks noGrp="1"/>
           </p:cNvSpPr>
@@ -2138,8 +2158,8 @@
         </p:nvSpPr>
         <p:spPr>
           <a:xfrm>
-            <a:off x="4579920" y="1900440"/>
-            <a:ext cx="3926160" cy="4384800"/>
+            <a:off x="4673520" y="1604520"/>
+            <a:ext cx="4015440" cy="3977280"/>
           </a:xfrm>
           <a:prstGeom prst="rect">
             <a:avLst/>
@@ -2176,7 +2196,7 @@
       </p:grpSpPr>
       <p:sp>
         <p:nvSpPr>
-          <p:cNvPr id="93" name="PlaceHolder 1"/>
+          <p:cNvPr id="86" name="PlaceHolder 1"/>
           <p:cNvSpPr>
             <a:spLocks noGrp="1"/>
           </p:cNvSpPr>
@@ -2186,8 +2206,8 @@
         </p:nvSpPr>
         <p:spPr>
           <a:xfrm>
-            <a:off x="391680" y="587520"/>
-            <a:ext cx="6400800" cy="588240"/>
+            <a:off x="457200" y="273600"/>
+            <a:ext cx="8229240" cy="1145160"/>
           </a:xfrm>
           <a:prstGeom prst="rect">
             <a:avLst/>
@@ -2196,13 +2216,14 @@
         <p:txBody>
           <a:bodyPr anchor="ctr" bIns="0" lIns="0" rIns="0" tIns="0" wrap="none"/>
           <a:p>
-            <a:endParaRPr/>
-          </a:p>
-        </p:txBody>
-      </p:sp>
-      <p:sp>
-        <p:nvSpPr>
-          <p:cNvPr id="94" name="PlaceHolder 2"/>
+            <a:pPr algn="ctr"/>
+            <a:endParaRPr/>
+          </a:p>
+        </p:txBody>
+      </p:sp>
+      <p:sp>
+        <p:nvSpPr>
+          <p:cNvPr id="87" name="PlaceHolder 2"/>
           <p:cNvSpPr>
             <a:spLocks noGrp="1"/>
           </p:cNvSpPr>
@@ -2212,8 +2233,8 @@
         </p:nvSpPr>
         <p:spPr>
           <a:xfrm>
-            <a:off x="457200" y="1900440"/>
-            <a:ext cx="3926160" cy="4384800"/>
+            <a:off x="457200" y="1604520"/>
+            <a:ext cx="4015440" cy="3977280"/>
           </a:xfrm>
           <a:prstGeom prst="rect">
             <a:avLst/>
@@ -2228,7 +2249,7 @@
       </p:sp>
       <p:sp>
         <p:nvSpPr>
-          <p:cNvPr id="95" name="PlaceHolder 3"/>
+          <p:cNvPr id="88" name="PlaceHolder 3"/>
           <p:cNvSpPr>
             <a:spLocks noGrp="1"/>
           </p:cNvSpPr>
@@ -2238,8 +2259,8 @@
         </p:nvSpPr>
         <p:spPr>
           <a:xfrm>
-            <a:off x="4579920" y="1900440"/>
-            <a:ext cx="3926160" cy="2091240"/>
+            <a:off x="4673520" y="1604520"/>
+            <a:ext cx="4015440" cy="1896840"/>
           </a:xfrm>
           <a:prstGeom prst="rect">
             <a:avLst/>
@@ -2254,7 +2275,7 @@
       </p:sp>
       <p:sp>
         <p:nvSpPr>
-          <p:cNvPr id="96" name="PlaceHolder 4"/>
+          <p:cNvPr id="89" name="PlaceHolder 4"/>
           <p:cNvSpPr>
             <a:spLocks noGrp="1"/>
           </p:cNvSpPr>
@@ -2264,8 +2285,8 @@
         </p:nvSpPr>
         <p:spPr>
           <a:xfrm>
-            <a:off x="4579920" y="4190400"/>
-            <a:ext cx="3926160" cy="2091240"/>
+            <a:off x="4673520" y="3681720"/>
+            <a:ext cx="4015440" cy="1896840"/>
           </a:xfrm>
           <a:prstGeom prst="rect">
             <a:avLst/>
@@ -2302,7 +2323,7 @@
       </p:grpSpPr>
       <p:sp>
         <p:nvSpPr>
-          <p:cNvPr id="97" name="PlaceHolder 1"/>
+          <p:cNvPr id="90" name="PlaceHolder 1"/>
           <p:cNvSpPr>
             <a:spLocks noGrp="1"/>
           </p:cNvSpPr>
@@ -2312,8 +2333,8 @@
         </p:nvSpPr>
         <p:spPr>
           <a:xfrm>
-            <a:off x="391680" y="587520"/>
-            <a:ext cx="6400800" cy="588240"/>
+            <a:off x="457200" y="273600"/>
+            <a:ext cx="8229240" cy="1145160"/>
           </a:xfrm>
           <a:prstGeom prst="rect">
             <a:avLst/>
@@ -2322,13 +2343,14 @@
         <p:txBody>
           <a:bodyPr anchor="ctr" bIns="0" lIns="0" rIns="0" tIns="0" wrap="none"/>
           <a:p>
-            <a:endParaRPr/>
-          </a:p>
-        </p:txBody>
-      </p:sp>
-      <p:sp>
-        <p:nvSpPr>
-          <p:cNvPr id="98" name="PlaceHolder 2"/>
+            <a:pPr algn="ctr"/>
+            <a:endParaRPr/>
+          </a:p>
+        </p:txBody>
+      </p:sp>
+      <p:sp>
+        <p:nvSpPr>
+          <p:cNvPr id="91" name="PlaceHolder 2"/>
           <p:cNvSpPr>
             <a:spLocks noGrp="1"/>
           </p:cNvSpPr>
@@ -2338,8 +2360,8 @@
         </p:nvSpPr>
         <p:spPr>
           <a:xfrm>
-            <a:off x="457200" y="1900440"/>
-            <a:ext cx="3926160" cy="2091240"/>
+            <a:off x="457200" y="1604520"/>
+            <a:ext cx="4015440" cy="1896840"/>
           </a:xfrm>
           <a:prstGeom prst="rect">
             <a:avLst/>
@@ -2354,7 +2376,7 @@
       </p:sp>
       <p:sp>
         <p:nvSpPr>
-          <p:cNvPr id="99" name="PlaceHolder 3"/>
+          <p:cNvPr id="92" name="PlaceHolder 3"/>
           <p:cNvSpPr>
             <a:spLocks noGrp="1"/>
           </p:cNvSpPr>
@@ -2364,8 +2386,8 @@
         </p:nvSpPr>
         <p:spPr>
           <a:xfrm>
-            <a:off x="4579920" y="1900440"/>
-            <a:ext cx="3926160" cy="2091240"/>
+            <a:off x="4673520" y="1604520"/>
+            <a:ext cx="4015440" cy="1896840"/>
           </a:xfrm>
           <a:prstGeom prst="rect">
             <a:avLst/>
@@ -2380,7 +2402,7 @@
       </p:sp>
       <p:sp>
         <p:nvSpPr>
-          <p:cNvPr id="100" name="PlaceHolder 4"/>
+          <p:cNvPr id="93" name="PlaceHolder 4"/>
           <p:cNvSpPr>
             <a:spLocks noGrp="1"/>
           </p:cNvSpPr>
@@ -2390,8 +2412,8 @@
         </p:nvSpPr>
         <p:spPr>
           <a:xfrm>
-            <a:off x="457200" y="4190400"/>
-            <a:ext cx="8045640" cy="2091240"/>
+            <a:off x="457200" y="3681720"/>
+            <a:ext cx="8228520" cy="1896840"/>
           </a:xfrm>
           <a:prstGeom prst="rect">
             <a:avLst/>
@@ -2428,7 +2450,7 @@
       </p:grpSpPr>
       <p:sp>
         <p:nvSpPr>
-          <p:cNvPr id="101" name="PlaceHolder 1"/>
+          <p:cNvPr id="94" name="PlaceHolder 1"/>
           <p:cNvSpPr>
             <a:spLocks noGrp="1"/>
           </p:cNvSpPr>
@@ -2438,8 +2460,8 @@
         </p:nvSpPr>
         <p:spPr>
           <a:xfrm>
-            <a:off x="391680" y="587520"/>
-            <a:ext cx="6400800" cy="588240"/>
+            <a:off x="457200" y="273600"/>
+            <a:ext cx="8229240" cy="1145160"/>
           </a:xfrm>
           <a:prstGeom prst="rect">
             <a:avLst/>
@@ -2448,13 +2470,14 @@
         <p:txBody>
           <a:bodyPr anchor="ctr" bIns="0" lIns="0" rIns="0" tIns="0" wrap="none"/>
           <a:p>
-            <a:endParaRPr/>
-          </a:p>
-        </p:txBody>
-      </p:sp>
-      <p:sp>
-        <p:nvSpPr>
-          <p:cNvPr id="102" name="PlaceHolder 2"/>
+            <a:pPr algn="ctr"/>
+            <a:endParaRPr/>
+          </a:p>
+        </p:txBody>
+      </p:sp>
+      <p:sp>
+        <p:nvSpPr>
+          <p:cNvPr id="95" name="PlaceHolder 2"/>
           <p:cNvSpPr>
             <a:spLocks noGrp="1"/>
           </p:cNvSpPr>
@@ -2464,8 +2487,8 @@
         </p:nvSpPr>
         <p:spPr>
           <a:xfrm>
-            <a:off x="457200" y="1900440"/>
-            <a:ext cx="8046360" cy="2091240"/>
+            <a:off x="457200" y="1604520"/>
+            <a:ext cx="8229240" cy="1896840"/>
           </a:xfrm>
           <a:prstGeom prst="rect">
             <a:avLst/>
@@ -2480,7 +2503,7 @@
       </p:sp>
       <p:sp>
         <p:nvSpPr>
-          <p:cNvPr id="103" name="PlaceHolder 3"/>
+          <p:cNvPr id="96" name="PlaceHolder 3"/>
           <p:cNvSpPr>
             <a:spLocks noGrp="1"/>
           </p:cNvSpPr>
@@ -2490,8 +2513,8 @@
         </p:nvSpPr>
         <p:spPr>
           <a:xfrm>
-            <a:off x="457200" y="4190400"/>
-            <a:ext cx="8046360" cy="2091240"/>
+            <a:off x="457200" y="3681720"/>
+            <a:ext cx="8229240" cy="1896840"/>
           </a:xfrm>
           <a:prstGeom prst="rect">
             <a:avLst/>
@@ -2528,7 +2551,7 @@
       </p:grpSpPr>
       <p:sp>
         <p:nvSpPr>
-          <p:cNvPr id="104" name="PlaceHolder 1"/>
+          <p:cNvPr id="97" name="PlaceHolder 1"/>
           <p:cNvSpPr>
             <a:spLocks noGrp="1"/>
           </p:cNvSpPr>
@@ -2538,8 +2561,8 @@
         </p:nvSpPr>
         <p:spPr>
           <a:xfrm>
-            <a:off x="391680" y="587520"/>
-            <a:ext cx="6400800" cy="588240"/>
+            <a:off x="457200" y="273600"/>
+            <a:ext cx="8229240" cy="1145160"/>
           </a:xfrm>
           <a:prstGeom prst="rect">
             <a:avLst/>
@@ -2548,13 +2571,14 @@
         <p:txBody>
           <a:bodyPr anchor="ctr" bIns="0" lIns="0" rIns="0" tIns="0" wrap="none"/>
           <a:p>
-            <a:endParaRPr/>
-          </a:p>
-        </p:txBody>
-      </p:sp>
-      <p:sp>
-        <p:nvSpPr>
-          <p:cNvPr id="105" name="PlaceHolder 2"/>
+            <a:pPr algn="ctr"/>
+            <a:endParaRPr/>
+          </a:p>
+        </p:txBody>
+      </p:sp>
+      <p:sp>
+        <p:nvSpPr>
+          <p:cNvPr id="98" name="PlaceHolder 2"/>
           <p:cNvSpPr>
             <a:spLocks noGrp="1"/>
           </p:cNvSpPr>
@@ -2564,8 +2588,8 @@
         </p:nvSpPr>
         <p:spPr>
           <a:xfrm>
-            <a:off x="457200" y="1900440"/>
-            <a:ext cx="3926160" cy="2091240"/>
+            <a:off x="457200" y="1604520"/>
+            <a:ext cx="4015440" cy="1896840"/>
           </a:xfrm>
           <a:prstGeom prst="rect">
             <a:avLst/>
@@ -2580,7 +2604,7 @@
       </p:sp>
       <p:sp>
         <p:nvSpPr>
-          <p:cNvPr id="106" name="PlaceHolder 3"/>
+          <p:cNvPr id="99" name="PlaceHolder 3"/>
           <p:cNvSpPr>
             <a:spLocks noGrp="1"/>
           </p:cNvSpPr>
@@ -2590,8 +2614,8 @@
         </p:nvSpPr>
         <p:spPr>
           <a:xfrm>
-            <a:off x="4579920" y="1900440"/>
-            <a:ext cx="3926160" cy="2091240"/>
+            <a:off x="4673520" y="1604520"/>
+            <a:ext cx="4015440" cy="1896840"/>
           </a:xfrm>
           <a:prstGeom prst="rect">
             <a:avLst/>
@@ -2606,7 +2630,7 @@
       </p:sp>
       <p:sp>
         <p:nvSpPr>
-          <p:cNvPr id="107" name="PlaceHolder 4"/>
+          <p:cNvPr id="100" name="PlaceHolder 4"/>
           <p:cNvSpPr>
             <a:spLocks noGrp="1"/>
           </p:cNvSpPr>
@@ -2616,8 +2640,8 @@
         </p:nvSpPr>
         <p:spPr>
           <a:xfrm>
-            <a:off x="4579920" y="4190400"/>
-            <a:ext cx="3926160" cy="2091240"/>
+            <a:off x="4673520" y="3681720"/>
+            <a:ext cx="4015440" cy="1896840"/>
           </a:xfrm>
           <a:prstGeom prst="rect">
             <a:avLst/>
@@ -2632,7 +2656,7 @@
       </p:sp>
       <p:sp>
         <p:nvSpPr>
-          <p:cNvPr id="108" name="PlaceHolder 5"/>
+          <p:cNvPr id="101" name="PlaceHolder 5"/>
           <p:cNvSpPr>
             <a:spLocks noGrp="1"/>
           </p:cNvSpPr>
@@ -2642,8 +2666,8 @@
         </p:nvSpPr>
         <p:spPr>
           <a:xfrm>
-            <a:off x="457200" y="4190400"/>
-            <a:ext cx="3926160" cy="2091240"/>
+            <a:off x="457200" y="3681720"/>
+            <a:ext cx="4015440" cy="1896840"/>
           </a:xfrm>
           <a:prstGeom prst="rect">
             <a:avLst/>
@@ -2680,7 +2704,7 @@
       </p:grpSpPr>
       <p:sp>
         <p:nvSpPr>
-          <p:cNvPr id="109" name="PlaceHolder 1"/>
+          <p:cNvPr id="102" name="PlaceHolder 1"/>
           <p:cNvSpPr>
             <a:spLocks noGrp="1"/>
           </p:cNvSpPr>
@@ -2690,8 +2714,8 @@
         </p:nvSpPr>
         <p:spPr>
           <a:xfrm>
-            <a:off x="391680" y="587520"/>
-            <a:ext cx="6400800" cy="588240"/>
+            <a:off x="457200" y="273600"/>
+            <a:ext cx="8229240" cy="1145160"/>
           </a:xfrm>
           <a:prstGeom prst="rect">
             <a:avLst/>
@@ -2700,13 +2724,14 @@
         <p:txBody>
           <a:bodyPr anchor="ctr" bIns="0" lIns="0" rIns="0" tIns="0" wrap="none"/>
           <a:p>
-            <a:endParaRPr/>
-          </a:p>
-        </p:txBody>
-      </p:sp>
-      <p:sp>
-        <p:nvSpPr>
-          <p:cNvPr id="110" name="PlaceHolder 2"/>
+            <a:pPr algn="ctr"/>
+            <a:endParaRPr/>
+          </a:p>
+        </p:txBody>
+      </p:sp>
+      <p:sp>
+        <p:nvSpPr>
+          <p:cNvPr id="103" name="PlaceHolder 2"/>
           <p:cNvSpPr>
             <a:spLocks noGrp="1"/>
           </p:cNvSpPr>
@@ -2716,8 +2741,8 @@
         </p:nvSpPr>
         <p:spPr>
           <a:xfrm>
-            <a:off x="457200" y="1900440"/>
-            <a:ext cx="3926160" cy="2091240"/>
+            <a:off x="457200" y="1604520"/>
+            <a:ext cx="4015440" cy="1896840"/>
           </a:xfrm>
           <a:prstGeom prst="rect">
             <a:avLst/>
@@ -2732,7 +2757,7 @@
       </p:sp>
       <p:sp>
         <p:nvSpPr>
-          <p:cNvPr id="111" name="PlaceHolder 3"/>
+          <p:cNvPr id="104" name="PlaceHolder 3"/>
           <p:cNvSpPr>
             <a:spLocks noGrp="1"/>
           </p:cNvSpPr>
@@ -2742,8 +2767,8 @@
         </p:nvSpPr>
         <p:spPr>
           <a:xfrm>
-            <a:off x="4579920" y="1900440"/>
-            <a:ext cx="3926160" cy="2091240"/>
+            <a:off x="4673520" y="1604520"/>
+            <a:ext cx="4015440" cy="1896840"/>
           </a:xfrm>
           <a:prstGeom prst="rect">
             <a:avLst/>
@@ -2780,7 +2805,7 @@
       </p:grpSpPr>
       <p:sp>
         <p:nvSpPr>
-          <p:cNvPr id="9" name="PlaceHolder 1"/>
+          <p:cNvPr id="7" name="PlaceHolder 1"/>
           <p:cNvSpPr>
             <a:spLocks noGrp="1"/>
           </p:cNvSpPr>
@@ -2790,8 +2815,8 @@
         </p:nvSpPr>
         <p:spPr>
           <a:xfrm>
-            <a:off x="391680" y="587520"/>
-            <a:ext cx="6400800" cy="588240"/>
+            <a:off x="457200" y="273600"/>
+            <a:ext cx="8229240" cy="1145160"/>
           </a:xfrm>
           <a:prstGeom prst="rect">
             <a:avLst/>
@@ -2800,13 +2825,14 @@
         <p:txBody>
           <a:bodyPr anchor="ctr" bIns="0" lIns="0" rIns="0" tIns="0" wrap="none"/>
           <a:p>
-            <a:endParaRPr/>
-          </a:p>
-        </p:txBody>
-      </p:sp>
-      <p:sp>
-        <p:nvSpPr>
-          <p:cNvPr id="10" name="PlaceHolder 2"/>
+            <a:pPr algn="ctr"/>
+            <a:endParaRPr/>
+          </a:p>
+        </p:txBody>
+      </p:sp>
+      <p:sp>
+        <p:nvSpPr>
+          <p:cNvPr id="8" name="PlaceHolder 2"/>
           <p:cNvSpPr>
             <a:spLocks noGrp="1"/>
           </p:cNvSpPr>
@@ -2816,8 +2842,8 @@
         </p:nvSpPr>
         <p:spPr>
           <a:xfrm>
-            <a:off x="457200" y="1900440"/>
-            <a:ext cx="3926160" cy="4384800"/>
+            <a:off x="457200" y="1604520"/>
+            <a:ext cx="4015440" cy="3977280"/>
           </a:xfrm>
           <a:prstGeom prst="rect">
             <a:avLst/>
@@ -2832,7 +2858,7 @@
       </p:sp>
       <p:sp>
         <p:nvSpPr>
-          <p:cNvPr id="11" name="PlaceHolder 3"/>
+          <p:cNvPr id="9" name="PlaceHolder 3"/>
           <p:cNvSpPr>
             <a:spLocks noGrp="1"/>
           </p:cNvSpPr>
@@ -2842,8 +2868,8 @@
         </p:nvSpPr>
         <p:spPr>
           <a:xfrm>
-            <a:off x="4579920" y="1900440"/>
-            <a:ext cx="3926160" cy="4384800"/>
+            <a:off x="4673520" y="1604520"/>
+            <a:ext cx="4015440" cy="3977280"/>
           </a:xfrm>
           <a:prstGeom prst="rect">
             <a:avLst/>
@@ -2880,7 +2906,7 @@
       </p:grpSpPr>
       <p:sp>
         <p:nvSpPr>
-          <p:cNvPr id="12" name="PlaceHolder 1"/>
+          <p:cNvPr id="10" name="PlaceHolder 1"/>
           <p:cNvSpPr>
             <a:spLocks noGrp="1"/>
           </p:cNvSpPr>
@@ -2890,8 +2916,8 @@
         </p:nvSpPr>
         <p:spPr>
           <a:xfrm>
-            <a:off x="391680" y="587520"/>
-            <a:ext cx="6400800" cy="588240"/>
+            <a:off x="457200" y="273600"/>
+            <a:ext cx="8229240" cy="1145160"/>
           </a:xfrm>
           <a:prstGeom prst="rect">
             <a:avLst/>
@@ -2900,6 +2926,7 @@
         <p:txBody>
           <a:bodyPr anchor="ctr" bIns="0" lIns="0" rIns="0" tIns="0" wrap="none"/>
           <a:p>
+            <a:pPr algn="ctr"/>
             <a:endParaRPr/>
           </a:p>
         </p:txBody>
@@ -2928,7 +2955,7 @@
       </p:grpSpPr>
       <p:sp>
         <p:nvSpPr>
-          <p:cNvPr id="13" name="PlaceHolder 1"/>
+          <p:cNvPr id="11" name="PlaceHolder 1"/>
           <p:cNvSpPr>
             <a:spLocks noGrp="1"/>
           </p:cNvSpPr>
@@ -2938,8 +2965,8 @@
         </p:nvSpPr>
         <p:spPr>
           <a:xfrm>
-            <a:off x="391680" y="587520"/>
-            <a:ext cx="6400800" cy="5697720"/>
+            <a:off x="457200" y="273600"/>
+            <a:ext cx="8229240" cy="5308200"/>
           </a:xfrm>
           <a:prstGeom prst="rect">
             <a:avLst/>
@@ -2977,7 +3004,7 @@
       </p:grpSpPr>
       <p:sp>
         <p:nvSpPr>
-          <p:cNvPr id="14" name="PlaceHolder 1"/>
+          <p:cNvPr id="12" name="PlaceHolder 1"/>
           <p:cNvSpPr>
             <a:spLocks noGrp="1"/>
           </p:cNvSpPr>
@@ -2987,8 +3014,8 @@
         </p:nvSpPr>
         <p:spPr>
           <a:xfrm>
-            <a:off x="391680" y="587520"/>
-            <a:ext cx="6400800" cy="588240"/>
+            <a:off x="457200" y="273600"/>
+            <a:ext cx="8229240" cy="1145160"/>
           </a:xfrm>
           <a:prstGeom prst="rect">
             <a:avLst/>
@@ -2997,13 +3024,14 @@
         <p:txBody>
           <a:bodyPr anchor="ctr" bIns="0" lIns="0" rIns="0" tIns="0" wrap="none"/>
           <a:p>
-            <a:endParaRPr/>
-          </a:p>
-        </p:txBody>
-      </p:sp>
-      <p:sp>
-        <p:nvSpPr>
-          <p:cNvPr id="15" name="PlaceHolder 2"/>
+            <a:pPr algn="ctr"/>
+            <a:endParaRPr/>
+          </a:p>
+        </p:txBody>
+      </p:sp>
+      <p:sp>
+        <p:nvSpPr>
+          <p:cNvPr id="13" name="PlaceHolder 2"/>
           <p:cNvSpPr>
             <a:spLocks noGrp="1"/>
           </p:cNvSpPr>
@@ -3013,8 +3041,8 @@
         </p:nvSpPr>
         <p:spPr>
           <a:xfrm>
-            <a:off x="457200" y="1900440"/>
-            <a:ext cx="3926160" cy="2091240"/>
+            <a:off x="457200" y="1604520"/>
+            <a:ext cx="4015440" cy="1896840"/>
           </a:xfrm>
           <a:prstGeom prst="rect">
             <a:avLst/>
@@ -3029,7 +3057,7 @@
       </p:sp>
       <p:sp>
         <p:nvSpPr>
-          <p:cNvPr id="16" name="PlaceHolder 3"/>
+          <p:cNvPr id="14" name="PlaceHolder 3"/>
           <p:cNvSpPr>
             <a:spLocks noGrp="1"/>
           </p:cNvSpPr>
@@ -3039,8 +3067,8 @@
         </p:nvSpPr>
         <p:spPr>
           <a:xfrm>
-            <a:off x="457200" y="4190400"/>
-            <a:ext cx="3926160" cy="2091240"/>
+            <a:off x="457200" y="3681720"/>
+            <a:ext cx="4015440" cy="1896840"/>
           </a:xfrm>
           <a:prstGeom prst="rect">
             <a:avLst/>
@@ -3055,7 +3083,7 @@
       </p:sp>
       <p:sp>
         <p:nvSpPr>
-          <p:cNvPr id="17" name="PlaceHolder 4"/>
+          <p:cNvPr id="15" name="PlaceHolder 4"/>
           <p:cNvSpPr>
             <a:spLocks noGrp="1"/>
           </p:cNvSpPr>
@@ -3065,8 +3093,8 @@
         </p:nvSpPr>
         <p:spPr>
           <a:xfrm>
-            <a:off x="4579920" y="1900440"/>
-            <a:ext cx="3926160" cy="4384800"/>
+            <a:off x="4673520" y="1604520"/>
+            <a:ext cx="4015440" cy="3977280"/>
           </a:xfrm>
           <a:prstGeom prst="rect">
             <a:avLst/>
@@ -3103,7 +3131,7 @@
       </p:grpSpPr>
       <p:sp>
         <p:nvSpPr>
-          <p:cNvPr id="18" name="PlaceHolder 1"/>
+          <p:cNvPr id="16" name="PlaceHolder 1"/>
           <p:cNvSpPr>
             <a:spLocks noGrp="1"/>
           </p:cNvSpPr>
@@ -3113,8 +3141,8 @@
         </p:nvSpPr>
         <p:spPr>
           <a:xfrm>
-            <a:off x="391680" y="587520"/>
-            <a:ext cx="6400800" cy="588240"/>
+            <a:off x="457200" y="273600"/>
+            <a:ext cx="8229240" cy="1145160"/>
           </a:xfrm>
           <a:prstGeom prst="rect">
             <a:avLst/>
@@ -3123,13 +3151,14 @@
         <p:txBody>
           <a:bodyPr anchor="ctr" bIns="0" lIns="0" rIns="0" tIns="0" wrap="none"/>
           <a:p>
-            <a:endParaRPr/>
-          </a:p>
-        </p:txBody>
-      </p:sp>
-      <p:sp>
-        <p:nvSpPr>
-          <p:cNvPr id="19" name="PlaceHolder 2"/>
+            <a:pPr algn="ctr"/>
+            <a:endParaRPr/>
+          </a:p>
+        </p:txBody>
+      </p:sp>
+      <p:sp>
+        <p:nvSpPr>
+          <p:cNvPr id="17" name="PlaceHolder 2"/>
           <p:cNvSpPr>
             <a:spLocks noGrp="1"/>
           </p:cNvSpPr>
@@ -3139,8 +3168,8 @@
         </p:nvSpPr>
         <p:spPr>
           <a:xfrm>
-            <a:off x="457200" y="1900440"/>
-            <a:ext cx="3926160" cy="4384800"/>
+            <a:off x="457200" y="1604520"/>
+            <a:ext cx="4015440" cy="3977280"/>
           </a:xfrm>
           <a:prstGeom prst="rect">
             <a:avLst/>
@@ -3155,7 +3184,7 @@
       </p:sp>
       <p:sp>
         <p:nvSpPr>
-          <p:cNvPr id="20" name="PlaceHolder 3"/>
+          <p:cNvPr id="18" name="PlaceHolder 3"/>
           <p:cNvSpPr>
             <a:spLocks noGrp="1"/>
           </p:cNvSpPr>
@@ -3165,8 +3194,8 @@
         </p:nvSpPr>
         <p:spPr>
           <a:xfrm>
-            <a:off x="4579920" y="1900440"/>
-            <a:ext cx="3926160" cy="2091240"/>
+            <a:off x="4673520" y="1604520"/>
+            <a:ext cx="4015440" cy="1896840"/>
           </a:xfrm>
           <a:prstGeom prst="rect">
             <a:avLst/>
@@ -3181,7 +3210,7 @@
       </p:sp>
       <p:sp>
         <p:nvSpPr>
-          <p:cNvPr id="21" name="PlaceHolder 4"/>
+          <p:cNvPr id="19" name="PlaceHolder 4"/>
           <p:cNvSpPr>
             <a:spLocks noGrp="1"/>
           </p:cNvSpPr>
@@ -3191,8 +3220,8 @@
         </p:nvSpPr>
         <p:spPr>
           <a:xfrm>
-            <a:off x="4579920" y="4190400"/>
-            <a:ext cx="3926160" cy="2091240"/>
+            <a:off x="4673520" y="3681720"/>
+            <a:ext cx="4015440" cy="1896840"/>
           </a:xfrm>
           <a:prstGeom prst="rect">
             <a:avLst/>
@@ -3229,7 +3258,7 @@
       </p:grpSpPr>
       <p:sp>
         <p:nvSpPr>
-          <p:cNvPr id="22" name="PlaceHolder 1"/>
+          <p:cNvPr id="20" name="PlaceHolder 1"/>
           <p:cNvSpPr>
             <a:spLocks noGrp="1"/>
           </p:cNvSpPr>
@@ -3239,8 +3268,8 @@
         </p:nvSpPr>
         <p:spPr>
           <a:xfrm>
-            <a:off x="391680" y="587520"/>
-            <a:ext cx="6400800" cy="588240"/>
+            <a:off x="457200" y="273600"/>
+            <a:ext cx="8229240" cy="1145160"/>
           </a:xfrm>
           <a:prstGeom prst="rect">
             <a:avLst/>
@@ -3249,13 +3278,14 @@
         <p:txBody>
           <a:bodyPr anchor="ctr" bIns="0" lIns="0" rIns="0" tIns="0" wrap="none"/>
           <a:p>
-            <a:endParaRPr/>
-          </a:p>
-        </p:txBody>
-      </p:sp>
-      <p:sp>
-        <p:nvSpPr>
-          <p:cNvPr id="23" name="PlaceHolder 2"/>
+            <a:pPr algn="ctr"/>
+            <a:endParaRPr/>
+          </a:p>
+        </p:txBody>
+      </p:sp>
+      <p:sp>
+        <p:nvSpPr>
+          <p:cNvPr id="21" name="PlaceHolder 2"/>
           <p:cNvSpPr>
             <a:spLocks noGrp="1"/>
           </p:cNvSpPr>
@@ -3265,8 +3295,8 @@
         </p:nvSpPr>
         <p:spPr>
           <a:xfrm>
-            <a:off x="457200" y="1900440"/>
-            <a:ext cx="3926160" cy="2091240"/>
+            <a:off x="457200" y="1604520"/>
+            <a:ext cx="4015440" cy="1896840"/>
           </a:xfrm>
           <a:prstGeom prst="rect">
             <a:avLst/>
@@ -3281,7 +3311,7 @@
       </p:sp>
       <p:sp>
         <p:nvSpPr>
-          <p:cNvPr id="24" name="PlaceHolder 3"/>
+          <p:cNvPr id="22" name="PlaceHolder 3"/>
           <p:cNvSpPr>
             <a:spLocks noGrp="1"/>
           </p:cNvSpPr>
@@ -3291,8 +3321,8 @@
         </p:nvSpPr>
         <p:spPr>
           <a:xfrm>
-            <a:off x="4579920" y="1900440"/>
-            <a:ext cx="3926160" cy="2091240"/>
+            <a:off x="4673520" y="1604520"/>
+            <a:ext cx="4015440" cy="1896840"/>
           </a:xfrm>
           <a:prstGeom prst="rect">
             <a:avLst/>
@@ -3307,7 +3337,7 @@
       </p:sp>
       <p:sp>
         <p:nvSpPr>
-          <p:cNvPr id="25" name="PlaceHolder 4"/>
+          <p:cNvPr id="23" name="PlaceHolder 4"/>
           <p:cNvSpPr>
             <a:spLocks noGrp="1"/>
           </p:cNvSpPr>
@@ -3317,8 +3347,8 @@
         </p:nvSpPr>
         <p:spPr>
           <a:xfrm>
-            <a:off x="457200" y="4190400"/>
-            <a:ext cx="8045640" cy="2091240"/>
+            <a:off x="457200" y="3681720"/>
+            <a:ext cx="8228520" cy="1896840"/>
           </a:xfrm>
           <a:prstGeom prst="rect">
             <a:avLst/>
@@ -3339,13 +3369,6 @@
 <file path=ppt/slideMasters/slideMaster1.xml><?xml version="1.0" encoding="utf-8"?>
 <p:sldMaster xmlns:a="http://schemas.openxmlformats.org/drawingml/2006/main" xmlns:p="http://schemas.openxmlformats.org/presentationml/2006/main" xmlns:r="http://schemas.openxmlformats.org/officeDocument/2006/relationships">
   <p:cSld>
-    <p:bg>
-      <p:bgPr>
-        <a:solidFill>
-          <a:srgbClr val="ffffff"/>
-        </a:solidFill>
-      </p:bgPr>
-    </p:bg>
     <p:spTree>
       <p:nvGrpSpPr>
         <p:cNvPr id="1" name=""/>
@@ -3360,9 +3383,31 @@
           <a:chExt cx="0" cy="0"/>
         </a:xfrm>
       </p:grpSpPr>
-      <p:sp>
-        <p:nvSpPr>
-          <p:cNvPr id="0" name="PlaceHolder 1"/>
+      <p:pic>
+        <p:nvPicPr>
+          <p:cNvPr descr="" id="0" name=""/>
+          <p:cNvPicPr/>
+          <p:nvPr/>
+        </p:nvPicPr>
+        <p:blipFill>
+          <a:blip r:embed="rId2"/>
+          <a:stretch>
+            <a:fillRect/>
+          </a:stretch>
+        </p:blipFill>
+        <p:spPr>
+          <a:xfrm>
+            <a:off x="0" y="0"/>
+            <a:ext cx="9143280" cy="6857280"/>
+          </a:xfrm>
+          <a:prstGeom prst="rect">
+            <a:avLst/>
+          </a:prstGeom>
+        </p:spPr>
+      </p:pic>
+      <p:sp>
+        <p:nvSpPr>
+          <p:cNvPr id="1" name="PlaceHolder 1"/>
           <p:cNvSpPr>
             <a:spLocks noGrp="1"/>
           </p:cNvSpPr>
@@ -3372,157 +3417,27 @@
         </p:nvSpPr>
         <p:spPr>
           <a:xfrm>
-            <a:off x="685800" y="2130480"/>
-            <a:ext cx="7772040" cy="1469520"/>
-          </a:xfrm>
-          <a:prstGeom prst="rect">
-            <a:avLst/>
-          </a:prstGeom>
-        </p:spPr>
-        <p:txBody>
-          <a:bodyPr anchor="ctr"/>
-          <a:p>
-            <a:pPr algn="ctr">
-              <a:lnSpc>
-                <a:spcPct val="100000"/>
-              </a:lnSpc>
-            </a:pPr>
-            <a:r>
-              <a:rPr lang="de-DE" sz="4400">
-                <a:solidFill>
-                  <a:srgbClr val="000000"/>
-                </a:solidFill>
-                <a:latin typeface="Calibri"/>
-              </a:rPr>
-              <a:t>Klicken Sie, um das Format des Titeltextes zu bearbeitenTitelmasterformat durch Klicken bearbeiten</a:t>
-            </a:r>
-            <a:endParaRPr/>
-          </a:p>
-        </p:txBody>
-      </p:sp>
-      <p:sp>
-        <p:nvSpPr>
-          <p:cNvPr id="1" name="PlaceHolder 2"/>
-          <p:cNvSpPr>
-            <a:spLocks noGrp="1"/>
-          </p:cNvSpPr>
-          <p:nvPr>
-            <p:ph type="dt"/>
-          </p:nvPr>
-        </p:nvSpPr>
-        <p:spPr>
-          <a:xfrm>
-            <a:off x="457200" y="6356520"/>
-            <a:ext cx="2133360" cy="364680"/>
-          </a:xfrm>
-          <a:prstGeom prst="rect">
-            <a:avLst/>
-          </a:prstGeom>
-        </p:spPr>
-        <p:txBody>
-          <a:bodyPr anchor="ctr"/>
-          <a:p>
-            <a:pPr>
-              <a:lnSpc>
-                <a:spcPct val="100000"/>
-              </a:lnSpc>
-            </a:pPr>
-            <a:r>
-              <a:rPr lang="de-AT" sz="1200">
-                <a:solidFill>
-                  <a:srgbClr val="8b8b8b"/>
-                </a:solidFill>
-                <a:latin typeface="Calibri"/>
-              </a:rPr>
-              <a:t>20.12.2013</a:t>
-            </a:r>
-            <a:endParaRPr/>
-          </a:p>
-        </p:txBody>
-      </p:sp>
-      <p:sp>
-        <p:nvSpPr>
-          <p:cNvPr id="2" name="PlaceHolder 3"/>
-          <p:cNvSpPr>
-            <a:spLocks noGrp="1"/>
-          </p:cNvSpPr>
-          <p:nvPr>
-            <p:ph type="ftr"/>
-          </p:nvPr>
-        </p:nvSpPr>
-        <p:spPr>
-          <a:xfrm>
-            <a:off x="3124080" y="6356520"/>
-            <a:ext cx="2895120" cy="364680"/>
-          </a:xfrm>
-          <a:prstGeom prst="rect">
-            <a:avLst/>
-          </a:prstGeom>
-        </p:spPr>
-        <p:txBody>
-          <a:bodyPr anchor="ctr"/>
-          <a:p>
-            <a:pPr algn="ctr">
-              <a:lnSpc>
-                <a:spcPct val="100000"/>
-              </a:lnSpc>
-            </a:pPr>
-            <a:r>
-              <a:rPr lang="de-AT" sz="1200">
-                <a:solidFill>
-                  <a:srgbClr val="8b8b8b"/>
-                </a:solidFill>
-                <a:latin typeface="Calibri"/>
-              </a:rPr>
-              <a:t>Space Based Computing</a:t>
-            </a:r>
-            <a:endParaRPr/>
-          </a:p>
-        </p:txBody>
-      </p:sp>
-      <p:sp>
-        <p:nvSpPr>
-          <p:cNvPr id="3" name="PlaceHolder 4"/>
-          <p:cNvSpPr>
-            <a:spLocks noGrp="1"/>
-          </p:cNvSpPr>
-          <p:nvPr>
-            <p:ph type="sldNum"/>
-          </p:nvPr>
-        </p:nvSpPr>
-        <p:spPr>
-          <a:xfrm>
-            <a:off x="6553080" y="6356520"/>
-            <a:ext cx="2133360" cy="364680"/>
-          </a:xfrm>
-          <a:prstGeom prst="rect">
-            <a:avLst/>
-          </a:prstGeom>
-        </p:spPr>
-        <p:txBody>
-          <a:bodyPr anchor="ctr"/>
-          <a:p>
-            <a:pPr algn="r">
-              <a:lnSpc>
-                <a:spcPct val="100000"/>
-              </a:lnSpc>
-            </a:pPr>
-            <a:fld id="{B75C1269-934A-4E50-8685-8365DDEAF635}" type="slidenum">
-              <a:rPr lang="de-AT" sz="1200">
-                <a:solidFill>
-                  <a:srgbClr val="8b8b8b"/>
-                </a:solidFill>
-                <a:latin typeface="Calibri"/>
-              </a:rPr>
-              <a:t>&lt;Nummer&gt;</a:t>
-            </a:fld>
-            <a:endParaRPr/>
-          </a:p>
-        </p:txBody>
-      </p:sp>
-      <p:sp>
-        <p:nvSpPr>
-          <p:cNvPr id="4" name="PlaceHolder 5"/>
+            <a:off x="391680" y="587520"/>
+            <a:ext cx="6400440" cy="587880"/>
+          </a:xfrm>
+          <a:prstGeom prst="rect">
+            <a:avLst/>
+          </a:prstGeom>
+        </p:spPr>
+        <p:txBody>
+          <a:bodyPr anchor="ctr" bIns="0" lIns="0" rIns="0" tIns="0" wrap="none"/>
+          <a:p>
+            <a:r>
+              <a:rPr lang="de-AT"/>
+              <a:t>Klicken Sie, um das Format des Titeltextes zu bearbeiten</a:t>
+            </a:r>
+            <a:endParaRPr/>
+          </a:p>
+        </p:txBody>
+      </p:sp>
+      <p:sp>
+        <p:nvSpPr>
+          <p:cNvPr id="2" name="PlaceHolder 2"/>
           <p:cNvSpPr>
             <a:spLocks noGrp="1"/>
           </p:cNvSpPr>
@@ -3533,7 +3448,7 @@
         <p:spPr>
           <a:xfrm>
             <a:off x="457200" y="1604520"/>
-            <a:ext cx="8229240" cy="3977640"/>
+            <a:ext cx="8229240" cy="3977280"/>
           </a:xfrm>
           <a:prstGeom prst="rect">
             <a:avLst/>
@@ -3548,7 +3463,7 @@
               <a:buChar char=""/>
             </a:pPr>
             <a:r>
-              <a:rPr lang="de-DE"/>
+              <a:rPr lang="de-AT"/>
               <a:t>Klicken Sie, um die Formate des Gliederungstextes zu bearbeiten</a:t>
             </a:r>
             <a:endParaRPr/>
@@ -3560,7 +3475,7 @@
               <a:buChar char=""/>
             </a:pPr>
             <a:r>
-              <a:rPr lang="de-DE"/>
+              <a:rPr lang="de-AT"/>
               <a:t>Zweite Gliederungsebene</a:t>
             </a:r>
             <a:endParaRPr/>
@@ -3572,7 +3487,7 @@
               <a:buChar char=""/>
             </a:pPr>
             <a:r>
-              <a:rPr lang="de-DE"/>
+              <a:rPr lang="de-AT"/>
               <a:t>Dritte Gliederungsebene</a:t>
             </a:r>
             <a:endParaRPr/>
@@ -3584,7 +3499,7 @@
               <a:buChar char=""/>
             </a:pPr>
             <a:r>
-              <a:rPr lang="de-DE"/>
+              <a:rPr lang="de-AT"/>
               <a:t>Vierte Gliederungsebene</a:t>
             </a:r>
             <a:endParaRPr/>
@@ -3596,7 +3511,7 @@
               <a:buChar char=""/>
             </a:pPr>
             <a:r>
-              <a:rPr lang="de-DE"/>
+              <a:rPr lang="de-AT"/>
               <a:t>Fünfte Gliederungsebene</a:t>
             </a:r>
             <a:endParaRPr/>
@@ -3608,7 +3523,7 @@
               <a:buChar char=""/>
             </a:pPr>
             <a:r>
-              <a:rPr lang="de-DE"/>
+              <a:rPr lang="de-AT"/>
               <a:t>Sechste Gliederungsebene</a:t>
             </a:r>
             <a:endParaRPr/>
@@ -3620,7 +3535,7 @@
               <a:buChar char=""/>
             </a:pPr>
             <a:r>
-              <a:rPr lang="de-DE"/>
+              <a:rPr lang="de-AT"/>
               <a:t>Siebente Gliederungsebene</a:t>
             </a:r>
             <a:endParaRPr/>
@@ -3631,18 +3546,18 @@
   </p:cSld>
   <p:clrMap accent1="accent1" accent2="accent2" accent3="accent3" accent4="accent4" accent5="accent5" accent6="accent6" bg1="lt1" bg2="lt2" folHlink="folHlink" hlink="hlink" tx1="dk1" tx2="dk2"/>
   <p:sldLayoutIdLst>
-    <p:sldLayoutId id="2147483649" r:id="rId2"/>
-    <p:sldLayoutId id="2147483650" r:id="rId3"/>
-    <p:sldLayoutId id="2147483651" r:id="rId4"/>
-    <p:sldLayoutId id="2147483652" r:id="rId5"/>
-    <p:sldLayoutId id="2147483653" r:id="rId6"/>
-    <p:sldLayoutId id="2147483654" r:id="rId7"/>
-    <p:sldLayoutId id="2147483655" r:id="rId8"/>
-    <p:sldLayoutId id="2147483656" r:id="rId9"/>
-    <p:sldLayoutId id="2147483657" r:id="rId10"/>
-    <p:sldLayoutId id="2147483658" r:id="rId11"/>
-    <p:sldLayoutId id="2147483659" r:id="rId12"/>
-    <p:sldLayoutId id="2147483660" r:id="rId13"/>
+    <p:sldLayoutId id="2147483649" r:id="rId3"/>
+    <p:sldLayoutId id="2147483650" r:id="rId4"/>
+    <p:sldLayoutId id="2147483651" r:id="rId5"/>
+    <p:sldLayoutId id="2147483652" r:id="rId6"/>
+    <p:sldLayoutId id="2147483653" r:id="rId7"/>
+    <p:sldLayoutId id="2147483654" r:id="rId8"/>
+    <p:sldLayoutId id="2147483655" r:id="rId9"/>
+    <p:sldLayoutId id="2147483656" r:id="rId10"/>
+    <p:sldLayoutId id="2147483657" r:id="rId11"/>
+    <p:sldLayoutId id="2147483658" r:id="rId12"/>
+    <p:sldLayoutId id="2147483659" r:id="rId13"/>
+    <p:sldLayoutId id="2147483660" r:id="rId14"/>
   </p:sldLayoutIdLst>
 </p:sldMaster>
 </file>
@@ -3650,13 +3565,6 @@
 <file path=ppt/slideMasters/slideMaster2.xml><?xml version="1.0" encoding="utf-8"?>
 <p:sldMaster xmlns:a="http://schemas.openxmlformats.org/drawingml/2006/main" xmlns:p="http://schemas.openxmlformats.org/presentationml/2006/main" xmlns:r="http://schemas.openxmlformats.org/officeDocument/2006/relationships">
   <p:cSld>
-    <p:bg>
-      <p:bgPr>
-        <a:solidFill>
-          <a:srgbClr val="ffffff"/>
-        </a:solidFill>
-      </p:bgPr>
-    </p:bg>
     <p:spTree>
       <p:nvGrpSpPr>
         <p:cNvPr id="1" name=""/>
@@ -3671,9 +3579,31 @@
           <a:chExt cx="0" cy="0"/>
         </a:xfrm>
       </p:grpSpPr>
-      <p:sp>
-        <p:nvSpPr>
-          <p:cNvPr id="37" name="PlaceHolder 1"/>
+      <p:pic>
+        <p:nvPicPr>
+          <p:cNvPr descr="" id="35" name=""/>
+          <p:cNvPicPr/>
+          <p:nvPr/>
+        </p:nvPicPr>
+        <p:blipFill>
+          <a:blip r:embed="rId2"/>
+          <a:stretch>
+            <a:fillRect/>
+          </a:stretch>
+        </p:blipFill>
+        <p:spPr>
+          <a:xfrm>
+            <a:off x="0" y="0"/>
+            <a:ext cx="9143280" cy="6857280"/>
+          </a:xfrm>
+          <a:prstGeom prst="rect">
+            <a:avLst/>
+          </a:prstGeom>
+        </p:spPr>
+      </p:pic>
+      <p:sp>
+        <p:nvSpPr>
+          <p:cNvPr id="36" name="PlaceHolder 1"/>
           <p:cNvSpPr>
             <a:spLocks noGrp="1"/>
           </p:cNvSpPr>
@@ -3683,37 +3613,28 @@
         </p:nvSpPr>
         <p:spPr>
           <a:xfrm>
-            <a:off x="457200" y="274680"/>
-            <a:ext cx="8229240" cy="1142640"/>
-          </a:xfrm>
-          <a:prstGeom prst="rect">
-            <a:avLst/>
-          </a:prstGeom>
-        </p:spPr>
-        <p:txBody>
-          <a:bodyPr anchor="ctr"/>
-          <a:p>
-            <a:pPr algn="ctr">
-              <a:lnSpc>
-                <a:spcPct val="100000"/>
-              </a:lnSpc>
-            </a:pPr>
-            <a:r>
-              <a:rPr lang="de-DE" sz="4400">
-                <a:solidFill>
-                  <a:srgbClr val="000000"/>
-                </a:solidFill>
-                <a:latin typeface="Calibri"/>
-              </a:rPr>
-              <a:t>Klicken Sie, um das Format des Titeltextes zu bearbeitenTitelmasterformat durch Klicken bearbeiten</a:t>
-            </a:r>
-            <a:endParaRPr/>
-          </a:p>
-        </p:txBody>
-      </p:sp>
-      <p:sp>
-        <p:nvSpPr>
-          <p:cNvPr id="38" name="PlaceHolder 2"/>
+            <a:off x="457200" y="273600"/>
+            <a:ext cx="8229240" cy="1144800"/>
+          </a:xfrm>
+          <a:prstGeom prst="rect">
+            <a:avLst/>
+          </a:prstGeom>
+        </p:spPr>
+        <p:txBody>
+          <a:bodyPr anchor="ctr" bIns="0" lIns="0" rIns="0" tIns="0" wrap="none"/>
+          <a:p>
+            <a:pPr algn="ctr"/>
+            <a:r>
+              <a:rPr lang="de-AT"/>
+              <a:t>Klicken Sie, um das Format des Titeltextes zu bearbeiten</a:t>
+            </a:r>
+            <a:endParaRPr/>
+          </a:p>
+        </p:txBody>
+      </p:sp>
+      <p:sp>
+        <p:nvSpPr>
+          <p:cNvPr id="37" name="PlaceHolder 2"/>
           <p:cNvSpPr>
             <a:spLocks noGrp="1"/>
           </p:cNvSpPr>
@@ -3723,15 +3644,15 @@
         </p:nvSpPr>
         <p:spPr>
           <a:xfrm>
-            <a:off x="457200" y="1600200"/>
-            <a:ext cx="8229240" cy="4525560"/>
-          </a:xfrm>
-          <a:prstGeom prst="rect">
-            <a:avLst/>
-          </a:prstGeom>
-        </p:spPr>
-        <p:txBody>
-          <a:bodyPr/>
+            <a:off x="457200" y="1604520"/>
+            <a:ext cx="8229240" cy="3977280"/>
+          </a:xfrm>
+          <a:prstGeom prst="rect">
+            <a:avLst/>
+          </a:prstGeom>
+        </p:spPr>
+        <p:txBody>
+          <a:bodyPr bIns="0" lIns="0" rIns="0" tIns="0" wrap="none"/>
           <a:p>
             <a:pPr>
               <a:buSzPct val="25000"/>
@@ -3739,12 +3660,7 @@
               <a:buChar char=""/>
             </a:pPr>
             <a:r>
-              <a:rPr lang="de-DE" sz="3200">
-                <a:solidFill>
-                  <a:srgbClr val="000000"/>
-                </a:solidFill>
-                <a:latin typeface="Calibri"/>
-              </a:rPr>
+              <a:rPr lang="de-AT"/>
               <a:t>Klicken Sie, um die Formate des Gliederungstextes zu bearbeiten</a:t>
             </a:r>
             <a:endParaRPr/>
@@ -3756,12 +3672,7 @@
               <a:buChar char=""/>
             </a:pPr>
             <a:r>
-              <a:rPr lang="de-DE" sz="3200">
-                <a:solidFill>
-                  <a:srgbClr val="000000"/>
-                </a:solidFill>
-                <a:latin typeface="Calibri"/>
-              </a:rPr>
+              <a:rPr lang="de-AT"/>
               <a:t>Zweite Gliederungsebene</a:t>
             </a:r>
             <a:endParaRPr/>
@@ -3773,12 +3684,7 @@
               <a:buChar char=""/>
             </a:pPr>
             <a:r>
-              <a:rPr lang="de-DE" sz="3200">
-                <a:solidFill>
-                  <a:srgbClr val="000000"/>
-                </a:solidFill>
-                <a:latin typeface="Calibri"/>
-              </a:rPr>
+              <a:rPr lang="de-AT"/>
               <a:t>Dritte Gliederungsebene</a:t>
             </a:r>
             <a:endParaRPr/>
@@ -3790,12 +3696,7 @@
               <a:buChar char=""/>
             </a:pPr>
             <a:r>
-              <a:rPr lang="de-DE" sz="3200">
-                <a:solidFill>
-                  <a:srgbClr val="000000"/>
-                </a:solidFill>
-                <a:latin typeface="Calibri"/>
-              </a:rPr>
+              <a:rPr lang="de-AT"/>
               <a:t>Vierte Gliederungsebene</a:t>
             </a:r>
             <a:endParaRPr/>
@@ -3807,12 +3708,7 @@
               <a:buChar char=""/>
             </a:pPr>
             <a:r>
-              <a:rPr lang="de-DE" sz="3200">
-                <a:solidFill>
-                  <a:srgbClr val="000000"/>
-                </a:solidFill>
-                <a:latin typeface="Calibri"/>
-              </a:rPr>
+              <a:rPr lang="de-AT"/>
               <a:t>Fünfte Gliederungsebene</a:t>
             </a:r>
             <a:endParaRPr/>
@@ -3824,233 +3720,21 @@
               <a:buChar char=""/>
             </a:pPr>
             <a:r>
-              <a:rPr lang="de-DE" sz="3200">
-                <a:solidFill>
-                  <a:srgbClr val="000000"/>
-                </a:solidFill>
-                <a:latin typeface="Calibri"/>
-              </a:rPr>
+              <a:rPr lang="de-AT"/>
               <a:t>Sechste Gliederungsebene</a:t>
             </a:r>
             <a:endParaRPr/>
           </a:p>
           <a:p>
-            <a:pPr>
-              <a:lnSpc>
-                <a:spcPct val="100000"/>
-              </a:lnSpc>
-              <a:buFont typeface="Arial"/>
-              <a:buChar char="•"/>
-            </a:pPr>
-            <a:r>
-              <a:rPr lang="de-DE" sz="3200">
-                <a:solidFill>
-                  <a:srgbClr val="000000"/>
-                </a:solidFill>
-                <a:latin typeface="Calibri"/>
-              </a:rPr>
-              <a:t>Siebente GliederungsebeneTextmasterformat bearbeiten</a:t>
-            </a:r>
-            <a:endParaRPr/>
-          </a:p>
-          <a:p>
-            <a:pPr lvl="1">
-              <a:lnSpc>
-                <a:spcPct val="100000"/>
-              </a:lnSpc>
-              <a:buSzPct val="25000"/>
-              <a:buFont typeface="StarSymbol"/>
-              <a:buChar char=""/>
-            </a:pPr>
-            <a:r>
-              <a:rPr lang="de-DE" sz="2800">
-                <a:solidFill>
-                  <a:srgbClr val="000000"/>
-                </a:solidFill>
-                <a:latin typeface="Calibri"/>
-              </a:rPr>
-              <a:t>Zweite Ebene</a:t>
-            </a:r>
-            <a:endParaRPr/>
-          </a:p>
-          <a:p>
-            <a:pPr lvl="2">
-              <a:lnSpc>
-                <a:spcPct val="100000"/>
-              </a:lnSpc>
+            <a:pPr lvl="6">
               <a:buSzPct val="25000"/>
               <a:buFont typeface="StarSymbol"/>
               <a:buChar char=""/>
             </a:pPr>
             <a:r>
-              <a:rPr lang="de-DE" sz="2400">
-                <a:solidFill>
-                  <a:srgbClr val="000000"/>
-                </a:solidFill>
-                <a:latin typeface="Calibri"/>
-              </a:rPr>
-              <a:t>Dritte Ebene</a:t>
-            </a:r>
-            <a:endParaRPr/>
-          </a:p>
-          <a:p>
-            <a:pPr lvl="3">
-              <a:lnSpc>
-                <a:spcPct val="100000"/>
-              </a:lnSpc>
-              <a:buSzPct val="25000"/>
-              <a:buFont typeface="StarSymbol"/>
-              <a:buChar char=""/>
-            </a:pPr>
-            <a:r>
-              <a:rPr lang="de-DE" sz="2000">
-                <a:solidFill>
-                  <a:srgbClr val="000000"/>
-                </a:solidFill>
-                <a:latin typeface="Calibri"/>
-              </a:rPr>
-              <a:t>Vierte Ebene</a:t>
-            </a:r>
-            <a:endParaRPr/>
-          </a:p>
-          <a:p>
-            <a:pPr lvl="4">
-              <a:lnSpc>
-                <a:spcPct val="100000"/>
-              </a:lnSpc>
-              <a:buSzPct val="25000"/>
-              <a:buFont typeface="StarSymbol"/>
-              <a:buChar char=""/>
-            </a:pPr>
-            <a:r>
-              <a:rPr lang="de-DE" sz="2000">
-                <a:solidFill>
-                  <a:srgbClr val="000000"/>
-                </a:solidFill>
-                <a:latin typeface="Calibri"/>
-              </a:rPr>
-              <a:t>Fünfte Ebene</a:t>
-            </a:r>
-            <a:endParaRPr/>
-          </a:p>
-        </p:txBody>
-      </p:sp>
-      <p:sp>
-        <p:nvSpPr>
-          <p:cNvPr id="39" name="PlaceHolder 3"/>
-          <p:cNvSpPr>
-            <a:spLocks noGrp="1"/>
-          </p:cNvSpPr>
-          <p:nvPr>
-            <p:ph type="dt"/>
-          </p:nvPr>
-        </p:nvSpPr>
-        <p:spPr>
-          <a:xfrm>
-            <a:off x="457200" y="6356520"/>
-            <a:ext cx="2133360" cy="364680"/>
-          </a:xfrm>
-          <a:prstGeom prst="rect">
-            <a:avLst/>
-          </a:prstGeom>
-        </p:spPr>
-        <p:txBody>
-          <a:bodyPr anchor="ctr"/>
-          <a:p>
-            <a:pPr>
-              <a:lnSpc>
-                <a:spcPct val="100000"/>
-              </a:lnSpc>
-            </a:pPr>
-            <a:r>
-              <a:rPr lang="de-AT" sz="1200">
-                <a:solidFill>
-                  <a:srgbClr val="8b8b8b"/>
-                </a:solidFill>
-                <a:latin typeface="Calibri"/>
-              </a:rPr>
-              <a:t>20.12.2013</a:t>
-            </a:r>
-            <a:endParaRPr/>
-          </a:p>
-        </p:txBody>
-      </p:sp>
-      <p:sp>
-        <p:nvSpPr>
-          <p:cNvPr id="40" name="PlaceHolder 4"/>
-          <p:cNvSpPr>
-            <a:spLocks noGrp="1"/>
-          </p:cNvSpPr>
-          <p:nvPr>
-            <p:ph type="ftr"/>
-          </p:nvPr>
-        </p:nvSpPr>
-        <p:spPr>
-          <a:xfrm>
-            <a:off x="3124080" y="6356520"/>
-            <a:ext cx="2895120" cy="364680"/>
-          </a:xfrm>
-          <a:prstGeom prst="rect">
-            <a:avLst/>
-          </a:prstGeom>
-        </p:spPr>
-        <p:txBody>
-          <a:bodyPr anchor="ctr"/>
-          <a:p>
-            <a:pPr algn="ctr">
-              <a:lnSpc>
-                <a:spcPct val="100000"/>
-              </a:lnSpc>
-            </a:pPr>
-            <a:r>
-              <a:rPr lang="de-AT" sz="1200">
-                <a:solidFill>
-                  <a:srgbClr val="8b8b8b"/>
-                </a:solidFill>
-                <a:latin typeface="Calibri"/>
-              </a:rPr>
-              <a:t>Space Based Computing</a:t>
-            </a:r>
-            <a:endParaRPr/>
-          </a:p>
-        </p:txBody>
-      </p:sp>
-      <p:sp>
-        <p:nvSpPr>
-          <p:cNvPr id="41" name="PlaceHolder 5"/>
-          <p:cNvSpPr>
-            <a:spLocks noGrp="1"/>
-          </p:cNvSpPr>
-          <p:nvPr>
-            <p:ph type="sldNum"/>
-          </p:nvPr>
-        </p:nvSpPr>
-        <p:spPr>
-          <a:xfrm>
-            <a:off x="6553080" y="6356520"/>
-            <a:ext cx="2133360" cy="364680"/>
-          </a:xfrm>
-          <a:prstGeom prst="rect">
-            <a:avLst/>
-          </a:prstGeom>
-        </p:spPr>
-        <p:txBody>
-          <a:bodyPr anchor="ctr"/>
-          <a:p>
-            <a:pPr algn="r">
-              <a:lnSpc>
-                <a:spcPct val="100000"/>
-              </a:lnSpc>
-            </a:pPr>
-            <a:fld id="{9530566D-83BB-4B68-B4BA-0FB4FB159CE1}" type="slidenum">
-              <a:rPr lang="de-AT" sz="1200">
-                <a:solidFill>
-                  <a:srgbClr val="8b8b8b"/>
-                </a:solidFill>
-                <a:latin typeface="Calibri"/>
-              </a:rPr>
-              <a:t>&lt;Nummer&gt;</a:t>
-            </a:fld>
+              <a:rPr lang="de-AT"/>
+              <a:t>Siebente Gliederungsebene</a:t>
+            </a:r>
             <a:endParaRPr/>
           </a:p>
         </p:txBody>
@@ -4059,18 +3743,18 @@
   </p:cSld>
   <p:clrMap accent1="accent1" accent2="accent2" accent3="accent3" accent4="accent4" accent5="accent5" accent6="accent6" bg1="lt1" bg2="lt2" folHlink="folHlink" hlink="hlink" tx1="dk1" tx2="dk2"/>
   <p:sldLayoutIdLst>
-    <p:sldLayoutId id="2147483662" r:id="rId2"/>
-    <p:sldLayoutId id="2147483663" r:id="rId3"/>
-    <p:sldLayoutId id="2147483664" r:id="rId4"/>
-    <p:sldLayoutId id="2147483665" r:id="rId5"/>
-    <p:sldLayoutId id="2147483666" r:id="rId6"/>
-    <p:sldLayoutId id="2147483667" r:id="rId7"/>
-    <p:sldLayoutId id="2147483668" r:id="rId8"/>
-    <p:sldLayoutId id="2147483669" r:id="rId9"/>
-    <p:sldLayoutId id="2147483670" r:id="rId10"/>
-    <p:sldLayoutId id="2147483671" r:id="rId11"/>
-    <p:sldLayoutId id="2147483672" r:id="rId12"/>
-    <p:sldLayoutId id="2147483673" r:id="rId13"/>
+    <p:sldLayoutId id="2147483662" r:id="rId3"/>
+    <p:sldLayoutId id="2147483663" r:id="rId4"/>
+    <p:sldLayoutId id="2147483664" r:id="rId5"/>
+    <p:sldLayoutId id="2147483665" r:id="rId6"/>
+    <p:sldLayoutId id="2147483666" r:id="rId7"/>
+    <p:sldLayoutId id="2147483667" r:id="rId8"/>
+    <p:sldLayoutId id="2147483668" r:id="rId9"/>
+    <p:sldLayoutId id="2147483669" r:id="rId10"/>
+    <p:sldLayoutId id="2147483670" r:id="rId11"/>
+    <p:sldLayoutId id="2147483671" r:id="rId12"/>
+    <p:sldLayoutId id="2147483672" r:id="rId13"/>
+    <p:sldLayoutId id="2147483673" r:id="rId14"/>
   </p:sldLayoutIdLst>
 </p:sldMaster>
 </file>
@@ -4094,7 +3778,7 @@
       </p:grpSpPr>
       <p:pic>
         <p:nvPicPr>
-          <p:cNvPr descr="" id="74" name=""/>
+          <p:cNvPr descr="" id="70" name=""/>
           <p:cNvPicPr/>
           <p:nvPr/>
         </p:nvPicPr>
@@ -4107,7 +3791,7 @@
         <p:spPr>
           <a:xfrm>
             <a:off x="0" y="0"/>
-            <a:ext cx="9143640" cy="6857640"/>
+            <a:ext cx="9143280" cy="6857280"/>
           </a:xfrm>
           <a:prstGeom prst="rect">
             <a:avLst/>
@@ -4116,7 +3800,7 @@
       </p:pic>
       <p:sp>
         <p:nvSpPr>
-          <p:cNvPr id="75" name="PlaceHolder 1"/>
+          <p:cNvPr id="71" name="PlaceHolder 1"/>
           <p:cNvSpPr>
             <a:spLocks noGrp="1"/>
           </p:cNvSpPr>
@@ -4127,7 +3811,7 @@
         <p:spPr>
           <a:xfrm>
             <a:off x="391680" y="587520"/>
-            <a:ext cx="6400800" cy="587880"/>
+            <a:ext cx="6400440" cy="587880"/>
           </a:xfrm>
           <a:prstGeom prst="rect">
             <a:avLst/>
@@ -4138,15 +3822,15 @@
           <a:p>
             <a:r>
               <a:rPr lang="de-AT"/>
-              <a:t>CLIQUE PARA EDITAR O FORMATO DO TEXTO DO TÍTULO</a:t>
-            </a:r>
-            <a:endParaRPr/>
-          </a:p>
-        </p:txBody>
-      </p:sp>
-      <p:sp>
-        <p:nvSpPr>
-          <p:cNvPr id="76" name="PlaceHolder 2"/>
+              <a:t>Klicken Sie, um das Format des Titeltextes zu bearbeiten</a:t>
+            </a:r>
+            <a:endParaRPr/>
+          </a:p>
+        </p:txBody>
+      </p:sp>
+      <p:sp>
+        <p:nvSpPr>
+          <p:cNvPr id="72" name="PlaceHolder 2"/>
           <p:cNvSpPr>
             <a:spLocks noGrp="1"/>
           </p:cNvSpPr>
@@ -4157,7 +3841,7 @@
         <p:spPr>
           <a:xfrm>
             <a:off x="457200" y="1900440"/>
-            <a:ext cx="8046360" cy="4384800"/>
+            <a:ext cx="8046000" cy="4384440"/>
           </a:xfrm>
           <a:prstGeom prst="rect">
             <a:avLst/>
@@ -4173,7 +3857,7 @@
             </a:pPr>
             <a:r>
               <a:rPr lang="de-AT"/>
-              <a:t>Clique para editar o formato do texto da estrutura de tópicos</a:t>
+              <a:t>Klicken Sie, um die Formate des Gliederungstextes zu bearbeiten</a:t>
             </a:r>
             <a:endParaRPr/>
           </a:p>
@@ -4185,7 +3869,7 @@
             </a:pPr>
             <a:r>
               <a:rPr lang="de-AT"/>
-              <a:t>2.º Nível da estrutura de tópicos</a:t>
+              <a:t>Zweite Gliederungsebene</a:t>
             </a:r>
             <a:endParaRPr/>
           </a:p>
@@ -4197,7 +3881,7 @@
             </a:pPr>
             <a:r>
               <a:rPr lang="de-AT"/>
-              <a:t>3.º Nível da estrutura de tópicos</a:t>
+              <a:t>Dritte Gliederungsebene</a:t>
             </a:r>
             <a:endParaRPr/>
           </a:p>
@@ -4209,7 +3893,7 @@
             </a:pPr>
             <a:r>
               <a:rPr lang="de-AT"/>
-              <a:t>4.º Nível da estrutura de tópicos</a:t>
+              <a:t>Vierte Gliederungsebene</a:t>
             </a:r>
             <a:endParaRPr/>
           </a:p>
@@ -4221,7 +3905,7 @@
             </a:pPr>
             <a:r>
               <a:rPr lang="de-AT"/>
-              <a:t>5.º Nível da estrutura de tópicos</a:t>
+              <a:t>Fünfte Gliederungsebene</a:t>
             </a:r>
             <a:endParaRPr/>
           </a:p>
@@ -4233,7 +3917,7 @@
             </a:pPr>
             <a:r>
               <a:rPr lang="de-AT"/>
-              <a:t>6.º Nível da estrutura de tópicos</a:t>
+              <a:t>Sechste Gliederungsebene</a:t>
             </a:r>
             <a:endParaRPr/>
           </a:p>
@@ -4245,100 +3929,8 @@
             </a:pPr>
             <a:r>
               <a:rPr lang="de-AT"/>
-              <a:t>7.º Nível da estrutura de tópicos</a:t>
-            </a:r>
-            <a:endParaRPr/>
-          </a:p>
-        </p:txBody>
-      </p:sp>
-      <p:sp>
-        <p:nvSpPr>
-          <p:cNvPr id="77" name="PlaceHolder 3"/>
-          <p:cNvSpPr>
-            <a:spLocks noGrp="1"/>
-          </p:cNvSpPr>
-          <p:nvPr>
-            <p:ph type="dt"/>
-          </p:nvPr>
-        </p:nvSpPr>
-        <p:spPr>
-          <a:xfrm>
-            <a:off x="457200" y="5943600"/>
-            <a:ext cx="2130120" cy="473040"/>
-          </a:xfrm>
-          <a:prstGeom prst="rect">
-            <a:avLst/>
-          </a:prstGeom>
-        </p:spPr>
-        <p:txBody>
-          <a:bodyPr bIns="0" lIns="0" rIns="0" tIns="0" wrap="none"/>
-          <a:p>
-            <a:r>
-              <a:rPr lang="de-AT" sz="1400"/>
-              <a:t>&lt;Datum/Uhrzeit&gt;</a:t>
-            </a:r>
-            <a:endParaRPr/>
-          </a:p>
-        </p:txBody>
-      </p:sp>
-      <p:sp>
-        <p:nvSpPr>
-          <p:cNvPr id="78" name="PlaceHolder 4"/>
-          <p:cNvSpPr>
-            <a:spLocks noGrp="1"/>
-          </p:cNvSpPr>
-          <p:nvPr>
-            <p:ph type="ftr"/>
-          </p:nvPr>
-        </p:nvSpPr>
-        <p:spPr>
-          <a:xfrm>
-            <a:off x="3126960" y="5943600"/>
-            <a:ext cx="2898360" cy="473040"/>
-          </a:xfrm>
-          <a:prstGeom prst="rect">
-            <a:avLst/>
-          </a:prstGeom>
-        </p:spPr>
-        <p:txBody>
-          <a:bodyPr bIns="0" lIns="0" rIns="0" tIns="0" wrap="none"/>
-          <a:p>
-            <a:pPr algn="ctr"/>
-            <a:r>
-              <a:rPr lang="de-AT" sz="1400"/>
-              <a:t>&lt;Fußzeile&gt;</a:t>
-            </a:r>
-            <a:endParaRPr/>
-          </a:p>
-        </p:txBody>
-      </p:sp>
-      <p:sp>
-        <p:nvSpPr>
-          <p:cNvPr id="79" name="PlaceHolder 5"/>
-          <p:cNvSpPr>
-            <a:spLocks noGrp="1"/>
-          </p:cNvSpPr>
-          <p:nvPr>
-            <p:ph type="sldNum"/>
-          </p:nvPr>
-        </p:nvSpPr>
-        <p:spPr>
-          <a:xfrm>
-            <a:off x="6555960" y="5927760"/>
-            <a:ext cx="2130120" cy="473040"/>
-          </a:xfrm>
-          <a:prstGeom prst="rect">
-            <a:avLst/>
-          </a:prstGeom>
-        </p:spPr>
-        <p:txBody>
-          <a:bodyPr bIns="0" lIns="0" rIns="0" tIns="0" wrap="none"/>
-          <a:p>
-            <a:pPr algn="r"/>
-            <a:fld id="{E35F10AB-A1B1-488F-B432-EA6DCA0DB6EE}" type="slidenum">
-              <a:rPr lang="de-AT" sz="1400"/>
-              <a:t>&lt;Nummer&gt;</a:t>
-            </a:fld>
+              <a:t>Siebente Gliederungsebene</a:t>
+            </a:r>
             <a:endParaRPr/>
           </a:p>
         </p:txBody>
@@ -4382,21 +3974,21 @@
       </p:grpSpPr>
       <p:sp>
         <p:nvSpPr>
-          <p:cNvPr id="112" name="TextShape 1"/>
-          <p:cNvSpPr txBox="1"/>
+          <p:cNvPr id="105" name="CustomShape 1"/>
+          <p:cNvSpPr/>
           <p:nvPr/>
         </p:nvSpPr>
         <p:spPr>
           <a:xfrm>
             <a:off x="685800" y="2130480"/>
-            <a:ext cx="7772040" cy="1469520"/>
-          </a:xfrm>
-          <a:prstGeom prst="rect">
-            <a:avLst/>
-          </a:prstGeom>
-        </p:spPr>
-        <p:txBody>
-          <a:bodyPr anchor="ctr"/>
+            <a:ext cx="7771680" cy="1469160"/>
+          </a:xfrm>
+          <a:prstGeom prst="rect">
+            <a:avLst/>
+          </a:prstGeom>
+        </p:spPr>
+        <p:txBody>
+          <a:bodyPr anchor="ctr" bIns="45000" lIns="90000" rIns="90000" tIns="45000"/>
           <a:p>
             <a:pPr algn="ctr">
               <a:lnSpc>
@@ -4418,21 +4010,21 @@
       </p:sp>
       <p:sp>
         <p:nvSpPr>
-          <p:cNvPr id="113" name="TextShape 2"/>
-          <p:cNvSpPr txBox="1"/>
+          <p:cNvPr id="106" name="CustomShape 2"/>
+          <p:cNvSpPr/>
           <p:nvPr/>
         </p:nvSpPr>
         <p:spPr>
           <a:xfrm>
             <a:off x="1371600" y="3886200"/>
-            <a:ext cx="6400440" cy="1752120"/>
-          </a:xfrm>
-          <a:prstGeom prst="rect">
-            <a:avLst/>
-          </a:prstGeom>
-        </p:spPr>
-        <p:txBody>
-          <a:bodyPr/>
+            <a:ext cx="6400080" cy="1751760"/>
+          </a:xfrm>
+          <a:prstGeom prst="rect">
+            <a:avLst/>
+          </a:prstGeom>
+        </p:spPr>
+        <p:txBody>
+          <a:bodyPr bIns="45000" lIns="90000" rIns="90000" tIns="45000"/>
           <a:p>
             <a:pPr algn="ctr">
               <a:lnSpc>
@@ -4471,21 +4063,21 @@
       </p:sp>
       <p:sp>
         <p:nvSpPr>
-          <p:cNvPr id="114" name="TextShape 3"/>
-          <p:cNvSpPr txBox="1"/>
+          <p:cNvPr id="107" name="CustomShape 3"/>
+          <p:cNvSpPr/>
           <p:nvPr/>
         </p:nvSpPr>
         <p:spPr>
           <a:xfrm>
             <a:off x="457200" y="6356520"/>
-            <a:ext cx="2133360" cy="364680"/>
-          </a:xfrm>
-          <a:prstGeom prst="rect">
-            <a:avLst/>
-          </a:prstGeom>
-        </p:spPr>
-        <p:txBody>
-          <a:bodyPr anchor="ctr"/>
+            <a:ext cx="2133000" cy="364320"/>
+          </a:xfrm>
+          <a:prstGeom prst="rect">
+            <a:avLst/>
+          </a:prstGeom>
+        </p:spPr>
+        <p:txBody>
+          <a:bodyPr anchor="ctr" bIns="45000" lIns="90000" rIns="90000" tIns="45000"/>
           <a:p>
             <a:pPr>
               <a:lnSpc>
@@ -4507,21 +4099,21 @@
       </p:sp>
       <p:sp>
         <p:nvSpPr>
-          <p:cNvPr id="115" name="TextShape 4"/>
-          <p:cNvSpPr txBox="1"/>
+          <p:cNvPr id="108" name="CustomShape 4"/>
+          <p:cNvSpPr/>
           <p:nvPr/>
         </p:nvSpPr>
         <p:spPr>
           <a:xfrm>
             <a:off x="3124080" y="6356520"/>
-            <a:ext cx="2895120" cy="364680"/>
-          </a:xfrm>
-          <a:prstGeom prst="rect">
-            <a:avLst/>
-          </a:prstGeom>
-        </p:spPr>
-        <p:txBody>
-          <a:bodyPr anchor="ctr"/>
+            <a:ext cx="2894760" cy="364320"/>
+          </a:xfrm>
+          <a:prstGeom prst="rect">
+            <a:avLst/>
+          </a:prstGeom>
+        </p:spPr>
+        <p:txBody>
+          <a:bodyPr anchor="ctr" bIns="45000" lIns="90000" rIns="90000" tIns="45000"/>
           <a:p>
             <a:pPr algn="ctr">
               <a:lnSpc>
@@ -4543,28 +4135,28 @@
       </p:sp>
       <p:sp>
         <p:nvSpPr>
-          <p:cNvPr id="116" name="TextShape 5"/>
-          <p:cNvSpPr txBox="1"/>
+          <p:cNvPr id="109" name="CustomShape 5"/>
+          <p:cNvSpPr/>
           <p:nvPr/>
         </p:nvSpPr>
         <p:spPr>
           <a:xfrm>
             <a:off x="6553080" y="6356520"/>
-            <a:ext cx="2133360" cy="364680"/>
-          </a:xfrm>
-          <a:prstGeom prst="rect">
-            <a:avLst/>
-          </a:prstGeom>
-        </p:spPr>
-        <p:txBody>
-          <a:bodyPr anchor="ctr"/>
+            <a:ext cx="2133000" cy="364320"/>
+          </a:xfrm>
+          <a:prstGeom prst="rect">
+            <a:avLst/>
+          </a:prstGeom>
+        </p:spPr>
+        <p:txBody>
+          <a:bodyPr anchor="ctr" bIns="45000" lIns="90000" rIns="90000" tIns="45000"/>
           <a:p>
             <a:pPr algn="r">
               <a:lnSpc>
                 <a:spcPct val="100000"/>
               </a:lnSpc>
             </a:pPr>
-            <a:fld id="{F367979F-9184-432B-B113-FA39085631CF}" type="slidenum">
+            <a:fld id="{A190E46A-A8FA-4B70-A58C-E3FD47161E69}" type="slidenum">
               <a:rPr lang="de-AT" sz="1200">
                 <a:solidFill>
                   <a:srgbClr val="8b8b8b"/>
@@ -4601,21 +4193,21 @@
       </p:grpSpPr>
       <p:sp>
         <p:nvSpPr>
-          <p:cNvPr id="148" name="TextShape 1"/>
-          <p:cNvSpPr txBox="1"/>
+          <p:cNvPr id="141" name="CustomShape 1"/>
+          <p:cNvSpPr/>
           <p:nvPr/>
         </p:nvSpPr>
         <p:spPr>
           <a:xfrm>
             <a:off x="457200" y="274680"/>
-            <a:ext cx="8229240" cy="1142640"/>
-          </a:xfrm>
-          <a:prstGeom prst="rect">
-            <a:avLst/>
-          </a:prstGeom>
-        </p:spPr>
-        <p:txBody>
-          <a:bodyPr anchor="ctr"/>
+            <a:ext cx="8228880" cy="1142280"/>
+          </a:xfrm>
+          <a:prstGeom prst="rect">
+            <a:avLst/>
+          </a:prstGeom>
+        </p:spPr>
+        <p:txBody>
+          <a:bodyPr anchor="ctr" bIns="45000" lIns="90000" rIns="90000" tIns="45000"/>
           <a:p>
             <a:pPr algn="ctr">
               <a:lnSpc>
@@ -4637,21 +4229,21 @@
       </p:sp>
       <p:sp>
         <p:nvSpPr>
-          <p:cNvPr id="149" name="TextShape 2"/>
-          <p:cNvSpPr txBox="1"/>
+          <p:cNvPr id="142" name="CustomShape 2"/>
+          <p:cNvSpPr/>
           <p:nvPr/>
         </p:nvSpPr>
         <p:spPr>
           <a:xfrm>
             <a:off x="457200" y="1600200"/>
-            <a:ext cx="8229240" cy="4525560"/>
-          </a:xfrm>
-          <a:prstGeom prst="rect">
-            <a:avLst/>
-          </a:prstGeom>
-        </p:spPr>
-        <p:txBody>
-          <a:bodyPr/>
+            <a:ext cx="8228880" cy="4525200"/>
+          </a:xfrm>
+          <a:prstGeom prst="rect">
+            <a:avLst/>
+          </a:prstGeom>
+        </p:spPr>
+        <p:txBody>
+          <a:bodyPr bIns="45000" lIns="90000" rIns="90000" tIns="45000"/>
           <a:p>
             <a:pPr>
               <a:lnSpc>
@@ -4732,21 +4324,21 @@
       </p:sp>
       <p:sp>
         <p:nvSpPr>
-          <p:cNvPr id="150" name="TextShape 3"/>
-          <p:cNvSpPr txBox="1"/>
+          <p:cNvPr id="143" name="CustomShape 3"/>
+          <p:cNvSpPr/>
           <p:nvPr/>
         </p:nvSpPr>
         <p:spPr>
           <a:xfrm>
             <a:off x="457200" y="6356520"/>
-            <a:ext cx="2133360" cy="364680"/>
-          </a:xfrm>
-          <a:prstGeom prst="rect">
-            <a:avLst/>
-          </a:prstGeom>
-        </p:spPr>
-        <p:txBody>
-          <a:bodyPr anchor="ctr"/>
+            <a:ext cx="2133000" cy="364320"/>
+          </a:xfrm>
+          <a:prstGeom prst="rect">
+            <a:avLst/>
+          </a:prstGeom>
+        </p:spPr>
+        <p:txBody>
+          <a:bodyPr anchor="ctr" bIns="45000" lIns="90000" rIns="90000" tIns="45000"/>
           <a:p>
             <a:pPr>
               <a:lnSpc>
@@ -4768,21 +4360,21 @@
       </p:sp>
       <p:sp>
         <p:nvSpPr>
-          <p:cNvPr id="151" name="TextShape 4"/>
-          <p:cNvSpPr txBox="1"/>
+          <p:cNvPr id="144" name="CustomShape 4"/>
+          <p:cNvSpPr/>
           <p:nvPr/>
         </p:nvSpPr>
         <p:spPr>
           <a:xfrm>
             <a:off x="3124080" y="6356520"/>
-            <a:ext cx="2895120" cy="364680"/>
-          </a:xfrm>
-          <a:prstGeom prst="rect">
-            <a:avLst/>
-          </a:prstGeom>
-        </p:spPr>
-        <p:txBody>
-          <a:bodyPr anchor="ctr"/>
+            <a:ext cx="2894760" cy="364320"/>
+          </a:xfrm>
+          <a:prstGeom prst="rect">
+            <a:avLst/>
+          </a:prstGeom>
+        </p:spPr>
+        <p:txBody>
+          <a:bodyPr anchor="ctr" bIns="45000" lIns="90000" rIns="90000" tIns="45000"/>
           <a:p>
             <a:pPr algn="ctr">
               <a:lnSpc>
@@ -4804,28 +4396,28 @@
       </p:sp>
       <p:sp>
         <p:nvSpPr>
-          <p:cNvPr id="152" name="TextShape 5"/>
-          <p:cNvSpPr txBox="1"/>
+          <p:cNvPr id="145" name="CustomShape 5"/>
+          <p:cNvSpPr/>
           <p:nvPr/>
         </p:nvSpPr>
         <p:spPr>
           <a:xfrm>
             <a:off x="6553080" y="6356520"/>
-            <a:ext cx="2133360" cy="364680"/>
-          </a:xfrm>
-          <a:prstGeom prst="rect">
-            <a:avLst/>
-          </a:prstGeom>
-        </p:spPr>
-        <p:txBody>
-          <a:bodyPr anchor="ctr"/>
+            <a:ext cx="2133000" cy="364320"/>
+          </a:xfrm>
+          <a:prstGeom prst="rect">
+            <a:avLst/>
+          </a:prstGeom>
+        </p:spPr>
+        <p:txBody>
+          <a:bodyPr anchor="ctr" bIns="45000" lIns="90000" rIns="90000" tIns="45000"/>
           <a:p>
             <a:pPr algn="r">
               <a:lnSpc>
                 <a:spcPct val="100000"/>
               </a:lnSpc>
             </a:pPr>
-            <a:fld id="{F60C224A-EB1F-4630-AC38-71BD5A80194A}" type="slidenum">
+            <a:fld id="{8FC32DDD-6C48-42F9-B31E-BEBD25727DD5}" type="slidenum">
               <a:rPr lang="de-AT" sz="1200">
                 <a:solidFill>
                   <a:srgbClr val="8b8b8b"/>
@@ -4862,21 +4454,21 @@
       </p:grpSpPr>
       <p:sp>
         <p:nvSpPr>
-          <p:cNvPr id="153" name="TextShape 1"/>
-          <p:cNvSpPr txBox="1"/>
+          <p:cNvPr id="146" name="CustomShape 1"/>
+          <p:cNvSpPr/>
           <p:nvPr/>
         </p:nvSpPr>
         <p:spPr>
           <a:xfrm>
             <a:off x="457200" y="274680"/>
-            <a:ext cx="8229240" cy="1142640"/>
-          </a:xfrm>
-          <a:prstGeom prst="rect">
-            <a:avLst/>
-          </a:prstGeom>
-        </p:spPr>
-        <p:txBody>
-          <a:bodyPr anchor="ctr"/>
+            <a:ext cx="8228880" cy="1142280"/>
+          </a:xfrm>
+          <a:prstGeom prst="rect">
+            <a:avLst/>
+          </a:prstGeom>
+        </p:spPr>
+        <p:txBody>
+          <a:bodyPr anchor="ctr" bIns="45000" lIns="90000" rIns="90000" tIns="45000"/>
           <a:p>
             <a:pPr>
               <a:lnSpc>
@@ -4898,21 +4490,21 @@
       </p:sp>
       <p:sp>
         <p:nvSpPr>
-          <p:cNvPr id="154" name="TextShape 2"/>
-          <p:cNvSpPr txBox="1"/>
+          <p:cNvPr id="147" name="CustomShape 2"/>
+          <p:cNvSpPr/>
           <p:nvPr/>
         </p:nvSpPr>
         <p:spPr>
           <a:xfrm>
             <a:off x="457200" y="1600200"/>
-            <a:ext cx="8229240" cy="4525560"/>
-          </a:xfrm>
-          <a:prstGeom prst="rect">
-            <a:avLst/>
-          </a:prstGeom>
-        </p:spPr>
-        <p:txBody>
-          <a:bodyPr/>
+            <a:ext cx="8228880" cy="4525200"/>
+          </a:xfrm>
+          <a:prstGeom prst="rect">
+            <a:avLst/>
+          </a:prstGeom>
+        </p:spPr>
+        <p:txBody>
+          <a:bodyPr bIns="45000" lIns="90000" rIns="90000" tIns="45000"/>
           <a:p>
             <a:pPr>
               <a:lnSpc>
@@ -4990,21 +4582,21 @@
       </p:sp>
       <p:sp>
         <p:nvSpPr>
-          <p:cNvPr id="155" name="TextShape 3"/>
-          <p:cNvSpPr txBox="1"/>
+          <p:cNvPr id="148" name="CustomShape 3"/>
+          <p:cNvSpPr/>
           <p:nvPr/>
         </p:nvSpPr>
         <p:spPr>
           <a:xfrm>
             <a:off x="457200" y="6356520"/>
-            <a:ext cx="2133360" cy="364680"/>
-          </a:xfrm>
-          <a:prstGeom prst="rect">
-            <a:avLst/>
-          </a:prstGeom>
-        </p:spPr>
-        <p:txBody>
-          <a:bodyPr anchor="ctr"/>
+            <a:ext cx="2133000" cy="364320"/>
+          </a:xfrm>
+          <a:prstGeom prst="rect">
+            <a:avLst/>
+          </a:prstGeom>
+        </p:spPr>
+        <p:txBody>
+          <a:bodyPr anchor="ctr" bIns="45000" lIns="90000" rIns="90000" tIns="45000"/>
           <a:p>
             <a:pPr>
               <a:lnSpc>
@@ -5026,21 +4618,21 @@
       </p:sp>
       <p:sp>
         <p:nvSpPr>
-          <p:cNvPr id="156" name="TextShape 4"/>
-          <p:cNvSpPr txBox="1"/>
+          <p:cNvPr id="149" name="CustomShape 4"/>
+          <p:cNvSpPr/>
           <p:nvPr/>
         </p:nvSpPr>
         <p:spPr>
           <a:xfrm>
             <a:off x="3124080" y="6356520"/>
-            <a:ext cx="2895120" cy="364680"/>
-          </a:xfrm>
-          <a:prstGeom prst="rect">
-            <a:avLst/>
-          </a:prstGeom>
-        </p:spPr>
-        <p:txBody>
-          <a:bodyPr anchor="ctr"/>
+            <a:ext cx="2894760" cy="364320"/>
+          </a:xfrm>
+          <a:prstGeom prst="rect">
+            <a:avLst/>
+          </a:prstGeom>
+        </p:spPr>
+        <p:txBody>
+          <a:bodyPr anchor="ctr" bIns="45000" lIns="90000" rIns="90000" tIns="45000"/>
           <a:p>
             <a:pPr algn="ctr">
               <a:lnSpc>
@@ -5062,28 +4654,28 @@
       </p:sp>
       <p:sp>
         <p:nvSpPr>
-          <p:cNvPr id="157" name="TextShape 5"/>
-          <p:cNvSpPr txBox="1"/>
+          <p:cNvPr id="150" name="CustomShape 5"/>
+          <p:cNvSpPr/>
           <p:nvPr/>
         </p:nvSpPr>
         <p:spPr>
           <a:xfrm>
             <a:off x="6553080" y="6356520"/>
-            <a:ext cx="2133360" cy="364680"/>
-          </a:xfrm>
-          <a:prstGeom prst="rect">
-            <a:avLst/>
-          </a:prstGeom>
-        </p:spPr>
-        <p:txBody>
-          <a:bodyPr anchor="ctr"/>
+            <a:ext cx="2133000" cy="364320"/>
+          </a:xfrm>
+          <a:prstGeom prst="rect">
+            <a:avLst/>
+          </a:prstGeom>
+        </p:spPr>
+        <p:txBody>
+          <a:bodyPr anchor="ctr" bIns="45000" lIns="90000" rIns="90000" tIns="45000"/>
           <a:p>
             <a:pPr algn="r">
               <a:lnSpc>
                 <a:spcPct val="100000"/>
               </a:lnSpc>
             </a:pPr>
-            <a:fld id="{3DC6DF1B-B9E7-4B31-9FE8-F5965E2C64C7}" type="slidenum">
+            <a:fld id="{A340980A-9300-49D1-8BC7-731E398080FC}" type="slidenum">
               <a:rPr lang="de-AT" sz="1200">
                 <a:solidFill>
                   <a:srgbClr val="8b8b8b"/>
@@ -5120,21 +4712,21 @@
       </p:grpSpPr>
       <p:sp>
         <p:nvSpPr>
-          <p:cNvPr id="158" name="TextShape 1"/>
-          <p:cNvSpPr txBox="1"/>
+          <p:cNvPr id="151" name="CustomShape 1"/>
+          <p:cNvSpPr/>
           <p:nvPr/>
         </p:nvSpPr>
         <p:spPr>
           <a:xfrm>
             <a:off x="457200" y="274680"/>
-            <a:ext cx="8229240" cy="1142640"/>
-          </a:xfrm>
-          <a:prstGeom prst="rect">
-            <a:avLst/>
-          </a:prstGeom>
-        </p:spPr>
-        <p:txBody>
-          <a:bodyPr anchor="ctr"/>
+            <a:ext cx="8228880" cy="1142280"/>
+          </a:xfrm>
+          <a:prstGeom prst="rect">
+            <a:avLst/>
+          </a:prstGeom>
+        </p:spPr>
+        <p:txBody>
+          <a:bodyPr anchor="ctr" bIns="45000" lIns="90000" rIns="90000" tIns="45000"/>
           <a:p>
             <a:pPr>
               <a:lnSpc>
@@ -5156,21 +4748,21 @@
       </p:sp>
       <p:sp>
         <p:nvSpPr>
-          <p:cNvPr id="159" name="TextShape 2"/>
-          <p:cNvSpPr txBox="1"/>
+          <p:cNvPr id="152" name="CustomShape 2"/>
+          <p:cNvSpPr/>
           <p:nvPr/>
         </p:nvSpPr>
         <p:spPr>
           <a:xfrm>
             <a:off x="457200" y="1600200"/>
-            <a:ext cx="8229240" cy="4525560"/>
-          </a:xfrm>
-          <a:prstGeom prst="rect">
-            <a:avLst/>
-          </a:prstGeom>
-        </p:spPr>
-        <p:txBody>
-          <a:bodyPr/>
+            <a:ext cx="8228880" cy="4525200"/>
+          </a:xfrm>
+          <a:prstGeom prst="rect">
+            <a:avLst/>
+          </a:prstGeom>
+        </p:spPr>
+        <p:txBody>
+          <a:bodyPr bIns="45000" lIns="90000" rIns="90000" tIns="45000"/>
           <a:p>
             <a:pPr>
               <a:lnSpc>
@@ -5256,21 +4848,21 @@
       </p:sp>
       <p:sp>
         <p:nvSpPr>
-          <p:cNvPr id="160" name="TextShape 3"/>
-          <p:cNvSpPr txBox="1"/>
+          <p:cNvPr id="153" name="CustomShape 3"/>
+          <p:cNvSpPr/>
           <p:nvPr/>
         </p:nvSpPr>
         <p:spPr>
           <a:xfrm>
             <a:off x="457200" y="6356520"/>
-            <a:ext cx="2133360" cy="364680"/>
-          </a:xfrm>
-          <a:prstGeom prst="rect">
-            <a:avLst/>
-          </a:prstGeom>
-        </p:spPr>
-        <p:txBody>
-          <a:bodyPr anchor="ctr"/>
+            <a:ext cx="2133000" cy="364320"/>
+          </a:xfrm>
+          <a:prstGeom prst="rect">
+            <a:avLst/>
+          </a:prstGeom>
+        </p:spPr>
+        <p:txBody>
+          <a:bodyPr anchor="ctr" bIns="45000" lIns="90000" rIns="90000" tIns="45000"/>
           <a:p>
             <a:pPr>
               <a:lnSpc>
@@ -5292,21 +4884,21 @@
       </p:sp>
       <p:sp>
         <p:nvSpPr>
-          <p:cNvPr id="161" name="TextShape 4"/>
-          <p:cNvSpPr txBox="1"/>
+          <p:cNvPr id="154" name="CustomShape 4"/>
+          <p:cNvSpPr/>
           <p:nvPr/>
         </p:nvSpPr>
         <p:spPr>
           <a:xfrm>
             <a:off x="3124080" y="6356520"/>
-            <a:ext cx="2895120" cy="364680"/>
-          </a:xfrm>
-          <a:prstGeom prst="rect">
-            <a:avLst/>
-          </a:prstGeom>
-        </p:spPr>
-        <p:txBody>
-          <a:bodyPr anchor="ctr"/>
+            <a:ext cx="2894760" cy="364320"/>
+          </a:xfrm>
+          <a:prstGeom prst="rect">
+            <a:avLst/>
+          </a:prstGeom>
+        </p:spPr>
+        <p:txBody>
+          <a:bodyPr anchor="ctr" bIns="45000" lIns="90000" rIns="90000" tIns="45000"/>
           <a:p>
             <a:pPr algn="ctr">
               <a:lnSpc>
@@ -5328,28 +4920,28 @@
       </p:sp>
       <p:sp>
         <p:nvSpPr>
-          <p:cNvPr id="162" name="TextShape 5"/>
-          <p:cNvSpPr txBox="1"/>
+          <p:cNvPr id="155" name="CustomShape 5"/>
+          <p:cNvSpPr/>
           <p:nvPr/>
         </p:nvSpPr>
         <p:spPr>
           <a:xfrm>
             <a:off x="6553080" y="6356520"/>
-            <a:ext cx="2133360" cy="364680"/>
-          </a:xfrm>
-          <a:prstGeom prst="rect">
-            <a:avLst/>
-          </a:prstGeom>
-        </p:spPr>
-        <p:txBody>
-          <a:bodyPr anchor="ctr"/>
+            <a:ext cx="2133000" cy="364320"/>
+          </a:xfrm>
+          <a:prstGeom prst="rect">
+            <a:avLst/>
+          </a:prstGeom>
+        </p:spPr>
+        <p:txBody>
+          <a:bodyPr anchor="ctr" bIns="45000" lIns="90000" rIns="90000" tIns="45000"/>
           <a:p>
             <a:pPr algn="r">
               <a:lnSpc>
                 <a:spcPct val="100000"/>
               </a:lnSpc>
             </a:pPr>
-            <a:fld id="{4E0187E1-95B1-4F1B-8B0E-B02650D4707E}" type="slidenum">
+            <a:fld id="{56C8F980-B960-4B5B-8D93-6F21D41726FA}" type="slidenum">
               <a:rPr lang="de-AT" sz="1200">
                 <a:solidFill>
                   <a:srgbClr val="8b8b8b"/>
@@ -5386,21 +4978,21 @@
       </p:grpSpPr>
       <p:sp>
         <p:nvSpPr>
-          <p:cNvPr id="163" name="TextShape 1"/>
-          <p:cNvSpPr txBox="1"/>
+          <p:cNvPr id="156" name="CustomShape 1"/>
+          <p:cNvSpPr/>
           <p:nvPr/>
         </p:nvSpPr>
         <p:spPr>
           <a:xfrm>
             <a:off x="457200" y="274680"/>
-            <a:ext cx="8229240" cy="1142640"/>
-          </a:xfrm>
-          <a:prstGeom prst="rect">
-            <a:avLst/>
-          </a:prstGeom>
-        </p:spPr>
-        <p:txBody>
-          <a:bodyPr anchor="ctr"/>
+            <a:ext cx="8228880" cy="1142280"/>
+          </a:xfrm>
+          <a:prstGeom prst="rect">
+            <a:avLst/>
+          </a:prstGeom>
+        </p:spPr>
+        <p:txBody>
+          <a:bodyPr anchor="ctr" bIns="45000" lIns="90000" rIns="90000" tIns="45000"/>
           <a:p>
             <a:pPr>
               <a:lnSpc>
@@ -5422,43 +5014,37 @@
       </p:sp>
       <p:sp>
         <p:nvSpPr>
-          <p:cNvPr id="164" name="TextShape 2"/>
-          <p:cNvSpPr txBox="1"/>
+          <p:cNvPr id="157" name="CustomShape 2"/>
+          <p:cNvSpPr/>
           <p:nvPr/>
         </p:nvSpPr>
         <p:spPr>
           <a:xfrm>
             <a:off x="457200" y="1600200"/>
-            <a:ext cx="8229240" cy="4525560"/>
-          </a:xfrm>
-          <a:prstGeom prst="rect">
-            <a:avLst/>
-          </a:prstGeom>
-        </p:spPr>
-        <p:txBody>
-          <a:bodyPr/>
-          <a:p>
-            <a:endParaRPr/>
-          </a:p>
-        </p:txBody>
-      </p:sp>
-      <p:sp>
-        <p:nvSpPr>
-          <p:cNvPr id="165" name="TextShape 3"/>
-          <p:cNvSpPr txBox="1"/>
+            <a:ext cx="8228880" cy="4525200"/>
+          </a:xfrm>
+          <a:prstGeom prst="rect">
+            <a:avLst/>
+          </a:prstGeom>
+        </p:spPr>
+      </p:sp>
+      <p:sp>
+        <p:nvSpPr>
+          <p:cNvPr id="158" name="CustomShape 3"/>
+          <p:cNvSpPr/>
           <p:nvPr/>
         </p:nvSpPr>
         <p:spPr>
           <a:xfrm>
             <a:off x="457200" y="6356520"/>
-            <a:ext cx="2133360" cy="364680"/>
-          </a:xfrm>
-          <a:prstGeom prst="rect">
-            <a:avLst/>
-          </a:prstGeom>
-        </p:spPr>
-        <p:txBody>
-          <a:bodyPr anchor="ctr"/>
+            <a:ext cx="2133000" cy="364320"/>
+          </a:xfrm>
+          <a:prstGeom prst="rect">
+            <a:avLst/>
+          </a:prstGeom>
+        </p:spPr>
+        <p:txBody>
+          <a:bodyPr anchor="ctr" bIns="45000" lIns="90000" rIns="90000" tIns="45000"/>
           <a:p>
             <a:pPr>
               <a:lnSpc>
@@ -5480,21 +5066,21 @@
       </p:sp>
       <p:sp>
         <p:nvSpPr>
-          <p:cNvPr id="166" name="TextShape 4"/>
-          <p:cNvSpPr txBox="1"/>
+          <p:cNvPr id="159" name="CustomShape 4"/>
+          <p:cNvSpPr/>
           <p:nvPr/>
         </p:nvSpPr>
         <p:spPr>
           <a:xfrm>
             <a:off x="3124080" y="6356520"/>
-            <a:ext cx="2895120" cy="364680"/>
-          </a:xfrm>
-          <a:prstGeom prst="rect">
-            <a:avLst/>
-          </a:prstGeom>
-        </p:spPr>
-        <p:txBody>
-          <a:bodyPr anchor="ctr"/>
+            <a:ext cx="2894760" cy="364320"/>
+          </a:xfrm>
+          <a:prstGeom prst="rect">
+            <a:avLst/>
+          </a:prstGeom>
+        </p:spPr>
+        <p:txBody>
+          <a:bodyPr anchor="ctr" bIns="45000" lIns="90000" rIns="90000" tIns="45000"/>
           <a:p>
             <a:pPr algn="ctr">
               <a:lnSpc>
@@ -5516,28 +5102,28 @@
       </p:sp>
       <p:sp>
         <p:nvSpPr>
-          <p:cNvPr id="167" name="TextShape 5"/>
-          <p:cNvSpPr txBox="1"/>
+          <p:cNvPr id="160" name="CustomShape 5"/>
+          <p:cNvSpPr/>
           <p:nvPr/>
         </p:nvSpPr>
         <p:spPr>
           <a:xfrm>
             <a:off x="6553080" y="6356520"/>
-            <a:ext cx="2133360" cy="364680"/>
-          </a:xfrm>
-          <a:prstGeom prst="rect">
-            <a:avLst/>
-          </a:prstGeom>
-        </p:spPr>
-        <p:txBody>
-          <a:bodyPr anchor="ctr"/>
+            <a:ext cx="2133000" cy="364320"/>
+          </a:xfrm>
+          <a:prstGeom prst="rect">
+            <a:avLst/>
+          </a:prstGeom>
+        </p:spPr>
+        <p:txBody>
+          <a:bodyPr anchor="ctr" bIns="45000" lIns="90000" rIns="90000" tIns="45000"/>
           <a:p>
             <a:pPr algn="r">
               <a:lnSpc>
                 <a:spcPct val="100000"/>
               </a:lnSpc>
             </a:pPr>
-            <a:fld id="{7E0FA00C-FE25-4964-A584-8ED5A7887BD4}" type="slidenum">
+            <a:fld id="{ADE701FD-5B97-4E7B-8D28-C9831E06546D}" type="slidenum">
               <a:rPr lang="de-AT" sz="1200">
                 <a:solidFill>
                   <a:srgbClr val="8b8b8b"/>
@@ -5574,21 +5160,21 @@
       </p:grpSpPr>
       <p:sp>
         <p:nvSpPr>
-          <p:cNvPr id="168" name="TextShape 1"/>
-          <p:cNvSpPr txBox="1"/>
+          <p:cNvPr id="161" name="CustomShape 1"/>
+          <p:cNvSpPr/>
           <p:nvPr/>
         </p:nvSpPr>
         <p:spPr>
           <a:xfrm>
             <a:off x="457200" y="274680"/>
-            <a:ext cx="8229240" cy="1142640"/>
-          </a:xfrm>
-          <a:prstGeom prst="rect">
-            <a:avLst/>
-          </a:prstGeom>
-        </p:spPr>
-        <p:txBody>
-          <a:bodyPr anchor="ctr"/>
+            <a:ext cx="8228880" cy="1142280"/>
+          </a:xfrm>
+          <a:prstGeom prst="rect">
+            <a:avLst/>
+          </a:prstGeom>
+        </p:spPr>
+        <p:txBody>
+          <a:bodyPr anchor="ctr" bIns="45000" lIns="90000" rIns="90000" tIns="45000"/>
           <a:p>
             <a:pPr>
               <a:lnSpc>
@@ -5610,21 +5196,21 @@
       </p:sp>
       <p:sp>
         <p:nvSpPr>
-          <p:cNvPr id="169" name="TextShape 2"/>
-          <p:cNvSpPr txBox="1"/>
+          <p:cNvPr id="162" name="CustomShape 2"/>
+          <p:cNvSpPr/>
           <p:nvPr/>
         </p:nvSpPr>
         <p:spPr>
           <a:xfrm>
             <a:off x="457200" y="1600200"/>
-            <a:ext cx="8229240" cy="4525560"/>
-          </a:xfrm>
-          <a:prstGeom prst="rect">
-            <a:avLst/>
-          </a:prstGeom>
-        </p:spPr>
-        <p:txBody>
-          <a:bodyPr/>
+            <a:ext cx="8228880" cy="4525200"/>
+          </a:xfrm>
+          <a:prstGeom prst="rect">
+            <a:avLst/>
+          </a:prstGeom>
+        </p:spPr>
+        <p:txBody>
+          <a:bodyPr bIns="45000" lIns="90000" rIns="90000" tIns="45000"/>
           <a:p>
             <a:pPr>
               <a:lnSpc>
@@ -5705,21 +5291,21 @@
       </p:sp>
       <p:sp>
         <p:nvSpPr>
-          <p:cNvPr id="170" name="TextShape 3"/>
-          <p:cNvSpPr txBox="1"/>
+          <p:cNvPr id="163" name="CustomShape 3"/>
+          <p:cNvSpPr/>
           <p:nvPr/>
         </p:nvSpPr>
         <p:spPr>
           <a:xfrm>
             <a:off x="457200" y="6356520"/>
-            <a:ext cx="2133360" cy="364680"/>
-          </a:xfrm>
-          <a:prstGeom prst="rect">
-            <a:avLst/>
-          </a:prstGeom>
-        </p:spPr>
-        <p:txBody>
-          <a:bodyPr anchor="ctr"/>
+            <a:ext cx="2133000" cy="364320"/>
+          </a:xfrm>
+          <a:prstGeom prst="rect">
+            <a:avLst/>
+          </a:prstGeom>
+        </p:spPr>
+        <p:txBody>
+          <a:bodyPr anchor="ctr" bIns="45000" lIns="90000" rIns="90000" tIns="45000"/>
           <a:p>
             <a:pPr>
               <a:lnSpc>
@@ -5741,21 +5327,21 @@
       </p:sp>
       <p:sp>
         <p:nvSpPr>
-          <p:cNvPr id="171" name="TextShape 4"/>
-          <p:cNvSpPr txBox="1"/>
+          <p:cNvPr id="164" name="CustomShape 4"/>
+          <p:cNvSpPr/>
           <p:nvPr/>
         </p:nvSpPr>
         <p:spPr>
           <a:xfrm>
             <a:off x="3124080" y="6356520"/>
-            <a:ext cx="2895120" cy="364680"/>
-          </a:xfrm>
-          <a:prstGeom prst="rect">
-            <a:avLst/>
-          </a:prstGeom>
-        </p:spPr>
-        <p:txBody>
-          <a:bodyPr anchor="ctr"/>
+            <a:ext cx="2894760" cy="364320"/>
+          </a:xfrm>
+          <a:prstGeom prst="rect">
+            <a:avLst/>
+          </a:prstGeom>
+        </p:spPr>
+        <p:txBody>
+          <a:bodyPr anchor="ctr" bIns="45000" lIns="90000" rIns="90000" tIns="45000"/>
           <a:p>
             <a:pPr algn="ctr">
               <a:lnSpc>
@@ -5777,28 +5363,28 @@
       </p:sp>
       <p:sp>
         <p:nvSpPr>
-          <p:cNvPr id="172" name="TextShape 5"/>
-          <p:cNvSpPr txBox="1"/>
+          <p:cNvPr id="165" name="CustomShape 5"/>
+          <p:cNvSpPr/>
           <p:nvPr/>
         </p:nvSpPr>
         <p:spPr>
           <a:xfrm>
             <a:off x="6553080" y="6356520"/>
-            <a:ext cx="2133360" cy="364680"/>
-          </a:xfrm>
-          <a:prstGeom prst="rect">
-            <a:avLst/>
-          </a:prstGeom>
-        </p:spPr>
-        <p:txBody>
-          <a:bodyPr anchor="ctr"/>
+            <a:ext cx="2133000" cy="364320"/>
+          </a:xfrm>
+          <a:prstGeom prst="rect">
+            <a:avLst/>
+          </a:prstGeom>
+        </p:spPr>
+        <p:txBody>
+          <a:bodyPr anchor="ctr" bIns="45000" lIns="90000" rIns="90000" tIns="45000"/>
           <a:p>
             <a:pPr algn="r">
               <a:lnSpc>
                 <a:spcPct val="100000"/>
               </a:lnSpc>
             </a:pPr>
-            <a:fld id="{ACD80452-C620-45F3-9F12-1AFD4294821B}" type="slidenum">
+            <a:fld id="{943710E0-690E-4541-BE4D-6BAFE5F69584}" type="slidenum">
               <a:rPr lang="de-AT" sz="1200">
                 <a:solidFill>
                   <a:srgbClr val="8b8b8b"/>
@@ -5835,21 +5421,21 @@
       </p:grpSpPr>
       <p:sp>
         <p:nvSpPr>
-          <p:cNvPr id="173" name="TextShape 1"/>
-          <p:cNvSpPr txBox="1"/>
+          <p:cNvPr id="166" name="CustomShape 1"/>
+          <p:cNvSpPr/>
           <p:nvPr/>
         </p:nvSpPr>
         <p:spPr>
           <a:xfrm>
             <a:off x="457200" y="274680"/>
-            <a:ext cx="8229240" cy="1142640"/>
-          </a:xfrm>
-          <a:prstGeom prst="rect">
-            <a:avLst/>
-          </a:prstGeom>
-        </p:spPr>
-        <p:txBody>
-          <a:bodyPr anchor="ctr"/>
+            <a:ext cx="8228880" cy="1142280"/>
+          </a:xfrm>
+          <a:prstGeom prst="rect">
+            <a:avLst/>
+          </a:prstGeom>
+        </p:spPr>
+        <p:txBody>
+          <a:bodyPr anchor="ctr" bIns="45000" lIns="90000" rIns="90000" tIns="45000"/>
           <a:p>
             <a:pPr>
               <a:lnSpc>
@@ -5871,23 +5457,63 @@
       </p:sp>
       <p:sp>
         <p:nvSpPr>
-          <p:cNvPr id="174" name="TextShape 2"/>
-          <p:cNvSpPr txBox="1"/>
+          <p:cNvPr id="167" name="CustomShape 2"/>
+          <p:cNvSpPr/>
           <p:nvPr/>
         </p:nvSpPr>
         <p:spPr>
           <a:xfrm>
             <a:off x="457200" y="1600200"/>
-            <a:ext cx="8229240" cy="4525560"/>
-          </a:xfrm>
-          <a:prstGeom prst="rect">
-            <a:avLst/>
-          </a:prstGeom>
-        </p:spPr>
-        <p:txBody>
-          <a:bodyPr/>
-          <a:p>
-            <a:pPr>
+            <a:ext cx="8228880" cy="4525200"/>
+          </a:xfrm>
+          <a:prstGeom prst="rect">
+            <a:avLst/>
+          </a:prstGeom>
+        </p:spPr>
+        <p:txBody>
+          <a:bodyPr bIns="45000" lIns="90000" rIns="90000" tIns="45000"/>
+          <a:p>
+            <a:pPr>
+              <a:lnSpc>
+                <a:spcPct val="100000"/>
+              </a:lnSpc>
+              <a:buSzPct val="25000"/>
+              <a:buFont typeface="StarSymbol"/>
+              <a:buChar char="l"/>
+            </a:pPr>
+            <a:r>
+              <a:rPr lang="de-AT" sz="3600">
+                <a:solidFill>
+                  <a:srgbClr val="000000"/>
+                </a:solidFill>
+                <a:latin typeface="Calibri"/>
+              </a:rPr>
+              <a:t>Verteilung</a:t>
+            </a:r>
+            <a:endParaRPr/>
+          </a:p>
+          <a:p>
+            <a:pPr>
+              <a:lnSpc>
+                <a:spcPct val="100000"/>
+              </a:lnSpc>
+              <a:buSzPct val="25000"/>
+              <a:buFont typeface="StarSymbol"/>
+              <a:buChar char="l"/>
+            </a:pPr>
+            <a:r>
+              <a:rPr lang="de-AT" sz="3600">
+                <a:solidFill>
+                  <a:srgbClr val="000000"/>
+                </a:solidFill>
+                <a:latin typeface="Calibri"/>
+              </a:rPr>
+              <a:t>Erweiterbarkeit</a:t>
+            </a:r>
+            <a:endParaRPr/>
+          </a:p>
+          <a:p>
+            <a:pPr lvl="1">
               <a:lnSpc>
                 <a:spcPct val="100000"/>
               </a:lnSpc>
@@ -5896,13 +5522,13 @@
               <a:buChar char=""/>
             </a:pPr>
             <a:r>
-              <a:rPr lang="de-AT" sz="3600">
+              <a:rPr lang="de-AT" sz="3200">
                 <a:solidFill>
                   <a:srgbClr val="000000"/>
                 </a:solidFill>
                 <a:latin typeface="Calibri"/>
               </a:rPr>
-              <a:t>Verteilung</a:t>
+              <a:t>Selbstverwaltend</a:t>
             </a:r>
             <a:endParaRPr/>
           </a:p>
@@ -5913,7 +5539,7 @@
               </a:lnSpc>
               <a:buSzPct val="25000"/>
               <a:buFont typeface="StarSymbol"/>
-              <a:buChar char=""/>
+              <a:buChar char="l"/>
             </a:pPr>
             <a:r>
               <a:rPr lang="de-AT" sz="3600">
@@ -5922,46 +5548,6 @@
                 </a:solidFill>
                 <a:latin typeface="Calibri"/>
               </a:rPr>
-              <a:t>Erweiterbarkeit</a:t>
-            </a:r>
-            <a:endParaRPr/>
-          </a:p>
-          <a:p>
-            <a:pPr lvl="1">
-              <a:lnSpc>
-                <a:spcPct val="100000"/>
-              </a:lnSpc>
-              <a:buSzPct val="25000"/>
-              <a:buFont typeface="StarSymbol"/>
-              <a:buChar char=""/>
-            </a:pPr>
-            <a:r>
-              <a:rPr lang="de-AT" sz="3200">
-                <a:solidFill>
-                  <a:srgbClr val="000000"/>
-                </a:solidFill>
-                <a:latin typeface="Calibri"/>
-              </a:rPr>
-              <a:t>Selbstverwaltend</a:t>
-            </a:r>
-            <a:endParaRPr/>
-          </a:p>
-          <a:p>
-            <a:pPr>
-              <a:lnSpc>
-                <a:spcPct val="100000"/>
-              </a:lnSpc>
-              <a:buSzPct val="25000"/>
-              <a:buFont typeface="StarSymbol"/>
-              <a:buChar char=""/>
-            </a:pPr>
-            <a:r>
-              <a:rPr lang="de-AT" sz="3600">
-                <a:solidFill>
-                  <a:srgbClr val="000000"/>
-                </a:solidFill>
-                <a:latin typeface="Calibri"/>
-              </a:rPr>
               <a:t>Ausfallsicherheit</a:t>
             </a:r>
             <a:endParaRPr/>
@@ -5970,21 +5556,21 @@
       </p:sp>
       <p:sp>
         <p:nvSpPr>
-          <p:cNvPr id="175" name="TextShape 3"/>
-          <p:cNvSpPr txBox="1"/>
+          <p:cNvPr id="168" name="CustomShape 3"/>
+          <p:cNvSpPr/>
           <p:nvPr/>
         </p:nvSpPr>
         <p:spPr>
           <a:xfrm>
             <a:off x="457200" y="6356520"/>
-            <a:ext cx="2133360" cy="364680"/>
-          </a:xfrm>
-          <a:prstGeom prst="rect">
-            <a:avLst/>
-          </a:prstGeom>
-        </p:spPr>
-        <p:txBody>
-          <a:bodyPr anchor="ctr"/>
+            <a:ext cx="2133000" cy="364320"/>
+          </a:xfrm>
+          <a:prstGeom prst="rect">
+            <a:avLst/>
+          </a:prstGeom>
+        </p:spPr>
+        <p:txBody>
+          <a:bodyPr anchor="ctr" bIns="45000" lIns="90000" rIns="90000" tIns="45000"/>
           <a:p>
             <a:pPr>
               <a:lnSpc>
@@ -6006,21 +5592,21 @@
       </p:sp>
       <p:sp>
         <p:nvSpPr>
-          <p:cNvPr id="176" name="TextShape 4"/>
-          <p:cNvSpPr txBox="1"/>
+          <p:cNvPr id="169" name="CustomShape 4"/>
+          <p:cNvSpPr/>
           <p:nvPr/>
         </p:nvSpPr>
         <p:spPr>
           <a:xfrm>
             <a:off x="3124080" y="6356520"/>
-            <a:ext cx="2895120" cy="364680"/>
-          </a:xfrm>
-          <a:prstGeom prst="rect">
-            <a:avLst/>
-          </a:prstGeom>
-        </p:spPr>
-        <p:txBody>
-          <a:bodyPr anchor="ctr"/>
+            <a:ext cx="2894760" cy="364320"/>
+          </a:xfrm>
+          <a:prstGeom prst="rect">
+            <a:avLst/>
+          </a:prstGeom>
+        </p:spPr>
+        <p:txBody>
+          <a:bodyPr anchor="ctr" bIns="45000" lIns="90000" rIns="90000" tIns="45000"/>
           <a:p>
             <a:pPr algn="ctr">
               <a:lnSpc>
@@ -6042,28 +5628,28 @@
       </p:sp>
       <p:sp>
         <p:nvSpPr>
-          <p:cNvPr id="177" name="TextShape 5"/>
-          <p:cNvSpPr txBox="1"/>
+          <p:cNvPr id="170" name="CustomShape 5"/>
+          <p:cNvSpPr/>
           <p:nvPr/>
         </p:nvSpPr>
         <p:spPr>
           <a:xfrm>
             <a:off x="6553080" y="6356520"/>
-            <a:ext cx="2133360" cy="364680"/>
-          </a:xfrm>
-          <a:prstGeom prst="rect">
-            <a:avLst/>
-          </a:prstGeom>
-        </p:spPr>
-        <p:txBody>
-          <a:bodyPr anchor="ctr"/>
+            <a:ext cx="2133000" cy="364320"/>
+          </a:xfrm>
+          <a:prstGeom prst="rect">
+            <a:avLst/>
+          </a:prstGeom>
+        </p:spPr>
+        <p:txBody>
+          <a:bodyPr anchor="ctr" bIns="45000" lIns="90000" rIns="90000" tIns="45000"/>
           <a:p>
             <a:pPr algn="r">
               <a:lnSpc>
                 <a:spcPct val="100000"/>
               </a:lnSpc>
             </a:pPr>
-            <a:fld id="{11634884-10C7-46BD-A0E5-4B01C02B8481}" type="slidenum">
+            <a:fld id="{9D1901E9-88C9-483C-A151-33A30AD11F4F}" type="slidenum">
               <a:rPr lang="de-AT" sz="1200">
                 <a:solidFill>
                   <a:srgbClr val="8b8b8b"/>
@@ -6100,21 +5686,21 @@
       </p:grpSpPr>
       <p:sp>
         <p:nvSpPr>
-          <p:cNvPr id="178" name="TextShape 1"/>
-          <p:cNvSpPr txBox="1"/>
+          <p:cNvPr id="171" name="CustomShape 1"/>
+          <p:cNvSpPr/>
           <p:nvPr/>
         </p:nvSpPr>
         <p:spPr>
           <a:xfrm>
             <a:off x="457200" y="274680"/>
-            <a:ext cx="8229240" cy="1142640"/>
-          </a:xfrm>
-          <a:prstGeom prst="rect">
-            <a:avLst/>
-          </a:prstGeom>
-        </p:spPr>
-        <p:txBody>
-          <a:bodyPr anchor="ctr"/>
+            <a:ext cx="8228880" cy="1142280"/>
+          </a:xfrm>
+          <a:prstGeom prst="rect">
+            <a:avLst/>
+          </a:prstGeom>
+        </p:spPr>
+        <p:txBody>
+          <a:bodyPr anchor="ctr" bIns="45000" lIns="90000" rIns="90000" tIns="45000"/>
           <a:p>
             <a:pPr>
               <a:lnSpc>
@@ -6136,23 +5722,91 @@
       </p:sp>
       <p:sp>
         <p:nvSpPr>
-          <p:cNvPr id="179" name="TextShape 2"/>
-          <p:cNvSpPr txBox="1"/>
+          <p:cNvPr id="172" name="CustomShape 2"/>
+          <p:cNvSpPr/>
           <p:nvPr/>
         </p:nvSpPr>
         <p:spPr>
           <a:xfrm>
             <a:off x="457200" y="1600200"/>
-            <a:ext cx="8229240" cy="4525560"/>
-          </a:xfrm>
-          <a:prstGeom prst="rect">
-            <a:avLst/>
-          </a:prstGeom>
-        </p:spPr>
-        <p:txBody>
-          <a:bodyPr/>
-          <a:p>
-            <a:pPr>
+            <a:ext cx="8228880" cy="4525200"/>
+          </a:xfrm>
+          <a:prstGeom prst="rect">
+            <a:avLst/>
+          </a:prstGeom>
+        </p:spPr>
+        <p:txBody>
+          <a:bodyPr bIns="45000" lIns="90000" rIns="90000" tIns="45000"/>
+          <a:p>
+            <a:pPr>
+              <a:lnSpc>
+                <a:spcPct val="100000"/>
+              </a:lnSpc>
+              <a:buSzPct val="25000"/>
+              <a:buFont typeface="StarSymbol"/>
+              <a:buChar char="l"/>
+            </a:pPr>
+            <a:r>
+              <a:rPr lang="de-AT" sz="3600">
+                <a:solidFill>
+                  <a:srgbClr val="000000"/>
+                </a:solidFill>
+                <a:latin typeface="Calibri"/>
+              </a:rPr>
+              <a:t>Wie kommunizieren die Peers?</a:t>
+            </a:r>
+            <a:endParaRPr/>
+          </a:p>
+          <a:p>
+            <a:pPr>
+              <a:lnSpc>
+                <a:spcPct val="100000"/>
+              </a:lnSpc>
+            </a:pPr>
+            <a:endParaRPr/>
+          </a:p>
+          <a:p>
+            <a:pPr>
+              <a:lnSpc>
+                <a:spcPct val="100000"/>
+              </a:lnSpc>
+              <a:buSzPct val="25000"/>
+              <a:buFont typeface="StarSymbol"/>
+              <a:buChar char="l"/>
+            </a:pPr>
+            <a:r>
+              <a:rPr lang="de-AT" sz="3600">
+                <a:solidFill>
+                  <a:srgbClr val="000000"/>
+                </a:solidFill>
+                <a:latin typeface="Calibri"/>
+              </a:rPr>
+              <a:t>Unstrukturiert</a:t>
+            </a:r>
+            <a:endParaRPr/>
+          </a:p>
+          <a:p>
+            <a:pPr>
+              <a:lnSpc>
+                <a:spcPct val="100000"/>
+              </a:lnSpc>
+              <a:buSzPct val="25000"/>
+              <a:buFont typeface="StarSymbol"/>
+              <a:buChar char="l"/>
+            </a:pPr>
+            <a:r>
+              <a:rPr lang="de-AT" sz="3600">
+                <a:solidFill>
+                  <a:srgbClr val="000000"/>
+                </a:solidFill>
+                <a:latin typeface="Calibri"/>
+              </a:rPr>
+              <a:t>Strukturiert</a:t>
+            </a:r>
+            <a:endParaRPr/>
+          </a:p>
+          <a:p>
+            <a:pPr lvl="1">
               <a:lnSpc>
                 <a:spcPct val="100000"/>
               </a:lnSpc>
@@ -6167,77 +5821,6 @@
                 </a:solidFill>
                 <a:latin typeface="Calibri"/>
               </a:rPr>
-              <a:t>Wie kommunizieren die Peers?</a:t>
-            </a:r>
-            <a:endParaRPr/>
-          </a:p>
-          <a:p>
-            <a:pPr>
-              <a:lnSpc>
-                <a:spcPct val="100000"/>
-              </a:lnSpc>
-              <a:buSzPct val="25000"/>
-              <a:buFont typeface="StarSymbol"/>
-              <a:buChar char=""/>
-            </a:pPr>
-            <a:endParaRPr/>
-          </a:p>
-          <a:p>
-            <a:pPr>
-              <a:lnSpc>
-                <a:spcPct val="100000"/>
-              </a:lnSpc>
-              <a:buSzPct val="25000"/>
-              <a:buFont typeface="StarSymbol"/>
-              <a:buChar char=""/>
-            </a:pPr>
-            <a:r>
-              <a:rPr lang="de-AT" sz="3600">
-                <a:solidFill>
-                  <a:srgbClr val="000000"/>
-                </a:solidFill>
-                <a:latin typeface="Calibri"/>
-              </a:rPr>
-              <a:t>Unstrukturiert</a:t>
-            </a:r>
-            <a:endParaRPr/>
-          </a:p>
-          <a:p>
-            <a:pPr>
-              <a:lnSpc>
-                <a:spcPct val="100000"/>
-              </a:lnSpc>
-              <a:buSzPct val="25000"/>
-              <a:buFont typeface="StarSymbol"/>
-              <a:buChar char=""/>
-            </a:pPr>
-            <a:r>
-              <a:rPr lang="de-AT" sz="3600">
-                <a:solidFill>
-                  <a:srgbClr val="000000"/>
-                </a:solidFill>
-                <a:latin typeface="Calibri"/>
-              </a:rPr>
-              <a:t>Strukturiert</a:t>
-            </a:r>
-            <a:endParaRPr/>
-          </a:p>
-          <a:p>
-            <a:pPr lvl="1">
-              <a:lnSpc>
-                <a:spcPct val="100000"/>
-              </a:lnSpc>
-              <a:buSzPct val="25000"/>
-              <a:buFont typeface="StarSymbol"/>
-              <a:buChar char=""/>
-            </a:pPr>
-            <a:r>
-              <a:rPr lang="de-AT" sz="3600">
-                <a:solidFill>
-                  <a:srgbClr val="000000"/>
-                </a:solidFill>
-                <a:latin typeface="Calibri"/>
-              </a:rPr>
               <a:t>zB. Hashtables</a:t>
             </a:r>
             <a:endParaRPr/>
@@ -6246,21 +5829,21 @@
       </p:sp>
       <p:sp>
         <p:nvSpPr>
-          <p:cNvPr id="180" name="TextShape 3"/>
-          <p:cNvSpPr txBox="1"/>
+          <p:cNvPr id="173" name="CustomShape 3"/>
+          <p:cNvSpPr/>
           <p:nvPr/>
         </p:nvSpPr>
         <p:spPr>
           <a:xfrm>
             <a:off x="457200" y="6356520"/>
-            <a:ext cx="2133360" cy="364680"/>
-          </a:xfrm>
-          <a:prstGeom prst="rect">
-            <a:avLst/>
-          </a:prstGeom>
-        </p:spPr>
-        <p:txBody>
-          <a:bodyPr anchor="ctr"/>
+            <a:ext cx="2133000" cy="364320"/>
+          </a:xfrm>
+          <a:prstGeom prst="rect">
+            <a:avLst/>
+          </a:prstGeom>
+        </p:spPr>
+        <p:txBody>
+          <a:bodyPr anchor="ctr" bIns="45000" lIns="90000" rIns="90000" tIns="45000"/>
           <a:p>
             <a:pPr>
               <a:lnSpc>
@@ -6282,21 +5865,21 @@
       </p:sp>
       <p:sp>
         <p:nvSpPr>
-          <p:cNvPr id="181" name="TextShape 4"/>
-          <p:cNvSpPr txBox="1"/>
+          <p:cNvPr id="174" name="CustomShape 4"/>
+          <p:cNvSpPr/>
           <p:nvPr/>
         </p:nvSpPr>
         <p:spPr>
           <a:xfrm>
             <a:off x="3124080" y="6356520"/>
-            <a:ext cx="2895120" cy="364680"/>
-          </a:xfrm>
-          <a:prstGeom prst="rect">
-            <a:avLst/>
-          </a:prstGeom>
-        </p:spPr>
-        <p:txBody>
-          <a:bodyPr anchor="ctr"/>
+            <a:ext cx="2894760" cy="364320"/>
+          </a:xfrm>
+          <a:prstGeom prst="rect">
+            <a:avLst/>
+          </a:prstGeom>
+        </p:spPr>
+        <p:txBody>
+          <a:bodyPr anchor="ctr" bIns="45000" lIns="90000" rIns="90000" tIns="45000"/>
           <a:p>
             <a:pPr algn="ctr">
               <a:lnSpc>
@@ -6318,28 +5901,28 @@
       </p:sp>
       <p:sp>
         <p:nvSpPr>
-          <p:cNvPr id="182" name="TextShape 5"/>
-          <p:cNvSpPr txBox="1"/>
+          <p:cNvPr id="175" name="CustomShape 5"/>
+          <p:cNvSpPr/>
           <p:nvPr/>
         </p:nvSpPr>
         <p:spPr>
           <a:xfrm>
             <a:off x="6553080" y="6356520"/>
-            <a:ext cx="2133360" cy="364680"/>
-          </a:xfrm>
-          <a:prstGeom prst="rect">
-            <a:avLst/>
-          </a:prstGeom>
-        </p:spPr>
-        <p:txBody>
-          <a:bodyPr anchor="ctr"/>
+            <a:ext cx="2133000" cy="364320"/>
+          </a:xfrm>
+          <a:prstGeom prst="rect">
+            <a:avLst/>
+          </a:prstGeom>
+        </p:spPr>
+        <p:txBody>
+          <a:bodyPr anchor="ctr" bIns="45000" lIns="90000" rIns="90000" tIns="45000"/>
           <a:p>
             <a:pPr algn="r">
               <a:lnSpc>
                 <a:spcPct val="100000"/>
               </a:lnSpc>
             </a:pPr>
-            <a:fld id="{3F39AE6A-C632-49BE-A8C5-D3BF1183C82F}" type="slidenum">
+            <a:fld id="{CE879786-ADF5-4853-BB68-0C78ED45194B}" type="slidenum">
               <a:rPr lang="de-AT" sz="1200">
                 <a:solidFill>
                   <a:srgbClr val="8b8b8b"/>
@@ -6357,10 +5940,10 @@
   <p:timing>
     <p:tnLst>
       <p:par>
-        <p:cTn dur="indefinite" id="1" nodeType="tmRoot" restart="never">
+        <p:cTn dur="indefinite" id="3" nodeType="tmRoot" restart="never">
           <p:childTnLst>
             <p:seq>
-              <p:cTn id="2" nodeType="mainSeq"/>
+              <p:cTn id="4" nodeType="mainSeq"/>
               <p:prevCondLst>
                 <p:cond delay="0" evt="onPrev">
                   <p:tgtEl>
@@ -6403,21 +5986,21 @@
       </p:grpSpPr>
       <p:sp>
         <p:nvSpPr>
-          <p:cNvPr id="183" name="TextShape 1"/>
-          <p:cNvSpPr txBox="1"/>
+          <p:cNvPr id="176" name="CustomShape 1"/>
+          <p:cNvSpPr/>
           <p:nvPr/>
         </p:nvSpPr>
         <p:spPr>
           <a:xfrm>
             <a:off x="457200" y="274680"/>
-            <a:ext cx="8229240" cy="1142640"/>
-          </a:xfrm>
-          <a:prstGeom prst="rect">
-            <a:avLst/>
-          </a:prstGeom>
-        </p:spPr>
-        <p:txBody>
-          <a:bodyPr anchor="ctr"/>
+            <a:ext cx="8228880" cy="1142280"/>
+          </a:xfrm>
+          <a:prstGeom prst="rect">
+            <a:avLst/>
+          </a:prstGeom>
+        </p:spPr>
+        <p:txBody>
+          <a:bodyPr anchor="ctr" bIns="45000" lIns="90000" rIns="90000" tIns="45000"/>
           <a:p>
             <a:pPr>
               <a:lnSpc>
@@ -6439,21 +6022,21 @@
       </p:sp>
       <p:sp>
         <p:nvSpPr>
-          <p:cNvPr id="184" name="TextShape 2"/>
-          <p:cNvSpPr txBox="1"/>
+          <p:cNvPr id="177" name="CustomShape 2"/>
+          <p:cNvSpPr/>
           <p:nvPr/>
         </p:nvSpPr>
         <p:spPr>
           <a:xfrm>
             <a:off x="457200" y="1600200"/>
-            <a:ext cx="8229240" cy="4525560"/>
-          </a:xfrm>
-          <a:prstGeom prst="rect">
-            <a:avLst/>
-          </a:prstGeom>
-        </p:spPr>
-        <p:txBody>
-          <a:bodyPr/>
+            <a:ext cx="8228880" cy="4525200"/>
+          </a:xfrm>
+          <a:prstGeom prst="rect">
+            <a:avLst/>
+          </a:prstGeom>
+        </p:spPr>
+        <p:txBody>
+          <a:bodyPr bIns="45000" lIns="90000" rIns="90000" tIns="45000"/>
           <a:p>
             <a:pPr>
               <a:lnSpc>
@@ -6531,21 +6114,21 @@
       </p:sp>
       <p:sp>
         <p:nvSpPr>
-          <p:cNvPr id="185" name="TextShape 3"/>
-          <p:cNvSpPr txBox="1"/>
+          <p:cNvPr id="178" name="CustomShape 3"/>
+          <p:cNvSpPr/>
           <p:nvPr/>
         </p:nvSpPr>
         <p:spPr>
           <a:xfrm>
             <a:off x="457200" y="6356520"/>
-            <a:ext cx="2133360" cy="364680"/>
-          </a:xfrm>
-          <a:prstGeom prst="rect">
-            <a:avLst/>
-          </a:prstGeom>
-        </p:spPr>
-        <p:txBody>
-          <a:bodyPr anchor="ctr"/>
+            <a:ext cx="2133000" cy="364320"/>
+          </a:xfrm>
+          <a:prstGeom prst="rect">
+            <a:avLst/>
+          </a:prstGeom>
+        </p:spPr>
+        <p:txBody>
+          <a:bodyPr anchor="ctr" bIns="45000" lIns="90000" rIns="90000" tIns="45000"/>
           <a:p>
             <a:pPr>
               <a:lnSpc>
@@ -6567,21 +6150,21 @@
       </p:sp>
       <p:sp>
         <p:nvSpPr>
-          <p:cNvPr id="186" name="TextShape 4"/>
-          <p:cNvSpPr txBox="1"/>
+          <p:cNvPr id="179" name="CustomShape 4"/>
+          <p:cNvSpPr/>
           <p:nvPr/>
         </p:nvSpPr>
         <p:spPr>
           <a:xfrm>
             <a:off x="3124080" y="6356520"/>
-            <a:ext cx="2895120" cy="364680"/>
-          </a:xfrm>
-          <a:prstGeom prst="rect">
-            <a:avLst/>
-          </a:prstGeom>
-        </p:spPr>
-        <p:txBody>
-          <a:bodyPr anchor="ctr"/>
+            <a:ext cx="2894760" cy="364320"/>
+          </a:xfrm>
+          <a:prstGeom prst="rect">
+            <a:avLst/>
+          </a:prstGeom>
+        </p:spPr>
+        <p:txBody>
+          <a:bodyPr anchor="ctr" bIns="45000" lIns="90000" rIns="90000" tIns="45000"/>
           <a:p>
             <a:pPr algn="ctr">
               <a:lnSpc>
@@ -6603,28 +6186,28 @@
       </p:sp>
       <p:sp>
         <p:nvSpPr>
-          <p:cNvPr id="187" name="TextShape 5"/>
-          <p:cNvSpPr txBox="1"/>
+          <p:cNvPr id="180" name="CustomShape 5"/>
+          <p:cNvSpPr/>
           <p:nvPr/>
         </p:nvSpPr>
         <p:spPr>
           <a:xfrm>
             <a:off x="6553080" y="6356520"/>
-            <a:ext cx="2133360" cy="364680"/>
-          </a:xfrm>
-          <a:prstGeom prst="rect">
-            <a:avLst/>
-          </a:prstGeom>
-        </p:spPr>
-        <p:txBody>
-          <a:bodyPr anchor="ctr"/>
+            <a:ext cx="2133000" cy="364320"/>
+          </a:xfrm>
+          <a:prstGeom prst="rect">
+            <a:avLst/>
+          </a:prstGeom>
+        </p:spPr>
+        <p:txBody>
+          <a:bodyPr anchor="ctr" bIns="45000" lIns="90000" rIns="90000" tIns="45000"/>
           <a:p>
             <a:pPr algn="r">
               <a:lnSpc>
                 <a:spcPct val="100000"/>
               </a:lnSpc>
             </a:pPr>
-            <a:fld id="{E2B02B1A-1D53-49C5-B19B-B371091E139A}" type="slidenum">
+            <a:fld id="{33B6CC06-FEF2-474E-8C07-4DA6D59C67BB}" type="slidenum">
               <a:rPr lang="de-AT" sz="1200">
                 <a:solidFill>
                   <a:srgbClr val="8b8b8b"/>
@@ -6642,10 +6225,10 @@
   <p:timing>
     <p:tnLst>
       <p:par>
-        <p:cTn dur="indefinite" id="3" nodeType="tmRoot" restart="never">
+        <p:cTn dur="indefinite" id="5" nodeType="tmRoot" restart="never">
           <p:childTnLst>
             <p:seq>
-              <p:cTn id="4" nodeType="mainSeq"/>
+              <p:cTn id="6" nodeType="mainSeq"/>
               <p:prevCondLst>
                 <p:cond delay="0" evt="onPrev">
                   <p:tgtEl>
@@ -6688,21 +6271,21 @@
       </p:grpSpPr>
       <p:sp>
         <p:nvSpPr>
-          <p:cNvPr id="188" name="TextShape 1"/>
-          <p:cNvSpPr txBox="1"/>
+          <p:cNvPr id="181" name="CustomShape 1"/>
+          <p:cNvSpPr/>
           <p:nvPr/>
         </p:nvSpPr>
         <p:spPr>
           <a:xfrm>
             <a:off x="457200" y="274680"/>
-            <a:ext cx="8229240" cy="1142640"/>
-          </a:xfrm>
-          <a:prstGeom prst="rect">
-            <a:avLst/>
-          </a:prstGeom>
-        </p:spPr>
-        <p:txBody>
-          <a:bodyPr anchor="ctr"/>
+            <a:ext cx="8228880" cy="1142280"/>
+          </a:xfrm>
+          <a:prstGeom prst="rect">
+            <a:avLst/>
+          </a:prstGeom>
+        </p:spPr>
+        <p:txBody>
+          <a:bodyPr anchor="ctr" bIns="45000" lIns="90000" rIns="90000" tIns="45000"/>
           <a:p>
             <a:pPr>
               <a:lnSpc>
@@ -6724,21 +6307,21 @@
       </p:sp>
       <p:sp>
         <p:nvSpPr>
-          <p:cNvPr id="189" name="TextShape 2"/>
-          <p:cNvSpPr txBox="1"/>
+          <p:cNvPr id="182" name="CustomShape 2"/>
+          <p:cNvSpPr/>
           <p:nvPr/>
         </p:nvSpPr>
         <p:spPr>
           <a:xfrm>
             <a:off x="457200" y="1600200"/>
-            <a:ext cx="8229240" cy="4525560"/>
-          </a:xfrm>
-          <a:prstGeom prst="rect">
-            <a:avLst/>
-          </a:prstGeom>
-        </p:spPr>
-        <p:txBody>
-          <a:bodyPr/>
+            <a:ext cx="8228880" cy="4525200"/>
+          </a:xfrm>
+          <a:prstGeom prst="rect">
+            <a:avLst/>
+          </a:prstGeom>
+        </p:spPr>
+        <p:txBody>
+          <a:bodyPr bIns="45000" lIns="90000" rIns="90000" tIns="45000"/>
           <a:p>
             <a:pPr>
               <a:lnSpc>
@@ -6797,21 +6380,21 @@
       </p:sp>
       <p:sp>
         <p:nvSpPr>
-          <p:cNvPr id="190" name="TextShape 3"/>
-          <p:cNvSpPr txBox="1"/>
+          <p:cNvPr id="183" name="CustomShape 3"/>
+          <p:cNvSpPr/>
           <p:nvPr/>
         </p:nvSpPr>
         <p:spPr>
           <a:xfrm>
             <a:off x="457200" y="6356520"/>
-            <a:ext cx="2133360" cy="364680"/>
-          </a:xfrm>
-          <a:prstGeom prst="rect">
-            <a:avLst/>
-          </a:prstGeom>
-        </p:spPr>
-        <p:txBody>
-          <a:bodyPr anchor="ctr"/>
+            <a:ext cx="2133000" cy="364320"/>
+          </a:xfrm>
+          <a:prstGeom prst="rect">
+            <a:avLst/>
+          </a:prstGeom>
+        </p:spPr>
+        <p:txBody>
+          <a:bodyPr anchor="ctr" bIns="45000" lIns="90000" rIns="90000" tIns="45000"/>
           <a:p>
             <a:pPr>
               <a:lnSpc>
@@ -6833,21 +6416,21 @@
       </p:sp>
       <p:sp>
         <p:nvSpPr>
-          <p:cNvPr id="191" name="TextShape 4"/>
-          <p:cNvSpPr txBox="1"/>
+          <p:cNvPr id="184" name="CustomShape 4"/>
+          <p:cNvSpPr/>
           <p:nvPr/>
         </p:nvSpPr>
         <p:spPr>
           <a:xfrm>
             <a:off x="3124080" y="6356520"/>
-            <a:ext cx="2895120" cy="364680"/>
-          </a:xfrm>
-          <a:prstGeom prst="rect">
-            <a:avLst/>
-          </a:prstGeom>
-        </p:spPr>
-        <p:txBody>
-          <a:bodyPr anchor="ctr"/>
+            <a:ext cx="2894760" cy="364320"/>
+          </a:xfrm>
+          <a:prstGeom prst="rect">
+            <a:avLst/>
+          </a:prstGeom>
+        </p:spPr>
+        <p:txBody>
+          <a:bodyPr anchor="ctr" bIns="45000" lIns="90000" rIns="90000" tIns="45000"/>
           <a:p>
             <a:pPr algn="ctr">
               <a:lnSpc>
@@ -6869,28 +6452,28 @@
       </p:sp>
       <p:sp>
         <p:nvSpPr>
-          <p:cNvPr id="192" name="TextShape 5"/>
-          <p:cNvSpPr txBox="1"/>
+          <p:cNvPr id="185" name="CustomShape 5"/>
+          <p:cNvSpPr/>
           <p:nvPr/>
         </p:nvSpPr>
         <p:spPr>
           <a:xfrm>
             <a:off x="6553080" y="6356520"/>
-            <a:ext cx="2133360" cy="364680"/>
-          </a:xfrm>
-          <a:prstGeom prst="rect">
-            <a:avLst/>
-          </a:prstGeom>
-        </p:spPr>
-        <p:txBody>
-          <a:bodyPr anchor="ctr"/>
+            <a:ext cx="2133000" cy="364320"/>
+          </a:xfrm>
+          <a:prstGeom prst="rect">
+            <a:avLst/>
+          </a:prstGeom>
+        </p:spPr>
+        <p:txBody>
+          <a:bodyPr anchor="ctr" bIns="45000" lIns="90000" rIns="90000" tIns="45000"/>
           <a:p>
             <a:pPr algn="r">
               <a:lnSpc>
                 <a:spcPct val="100000"/>
               </a:lnSpc>
             </a:pPr>
-            <a:fld id="{D3D24786-DDD0-419C-8399-410441672F27}" type="slidenum">
+            <a:fld id="{CE2AEF1C-2EF2-45F9-B1F5-E5E6AAA2D1FD}" type="slidenum">
               <a:rPr lang="de-AT" sz="1200">
                 <a:solidFill>
                   <a:srgbClr val="8b8b8b"/>
@@ -6908,10 +6491,10 @@
   <p:timing>
     <p:tnLst>
       <p:par>
-        <p:cTn dur="indefinite" id="5" nodeType="tmRoot" restart="never">
+        <p:cTn dur="indefinite" id="7" nodeType="tmRoot" restart="never">
           <p:childTnLst>
             <p:seq>
-              <p:cTn id="6" nodeType="mainSeq"/>
+              <p:cTn id="8" nodeType="mainSeq"/>
               <p:prevCondLst>
                 <p:cond delay="0" evt="onPrev">
                   <p:tgtEl>
@@ -6954,14 +6537,14 @@
       </p:grpSpPr>
       <p:sp>
         <p:nvSpPr>
-          <p:cNvPr id="193" name="TextShape 1"/>
-          <p:cNvSpPr txBox="1"/>
+          <p:cNvPr id="186" name="CustomShape 1"/>
+          <p:cNvSpPr/>
           <p:nvPr/>
         </p:nvSpPr>
         <p:spPr>
           <a:xfrm>
             <a:off x="391680" y="587520"/>
-            <a:ext cx="6400800" cy="587880"/>
+            <a:ext cx="6400440" cy="587520"/>
           </a:xfrm>
           <a:prstGeom prst="rect">
             <a:avLst/>
@@ -6980,29 +6563,23 @@
       </p:sp>
       <p:sp>
         <p:nvSpPr>
-          <p:cNvPr id="194" name="TextShape 2"/>
-          <p:cNvSpPr txBox="1"/>
+          <p:cNvPr id="187" name="CustomShape 2"/>
+          <p:cNvSpPr/>
           <p:nvPr/>
         </p:nvSpPr>
         <p:spPr>
           <a:xfrm>
             <a:off x="457200" y="1900440"/>
-            <a:ext cx="8046360" cy="4384800"/>
-          </a:xfrm>
-          <a:prstGeom prst="rect">
-            <a:avLst/>
-          </a:prstGeom>
-        </p:spPr>
-        <p:txBody>
-          <a:bodyPr bIns="0" lIns="0" rIns="0" tIns="0" wrap="none"/>
-          <a:p>
-            <a:endParaRPr/>
-          </a:p>
-        </p:txBody>
+            <a:ext cx="8046000" cy="4384440"/>
+          </a:xfrm>
+          <a:prstGeom prst="rect">
+            <a:avLst/>
+          </a:prstGeom>
+        </p:spPr>
       </p:sp>
       <p:pic>
         <p:nvPicPr>
-          <p:cNvPr descr="" id="195" name=""/>
+          <p:cNvPr descr="" id="188" name=""/>
           <p:cNvPicPr/>
           <p:nvPr/>
         </p:nvPicPr>
@@ -7015,7 +6592,7 @@
         <p:spPr>
           <a:xfrm>
             <a:off x="288000" y="1737720"/>
-            <a:ext cx="8568000" cy="4785120"/>
+            <a:ext cx="8567640" cy="4784760"/>
           </a:xfrm>
           <a:prstGeom prst="rect">
             <a:avLst/>
@@ -7046,21 +6623,21 @@
       </p:grpSpPr>
       <p:sp>
         <p:nvSpPr>
-          <p:cNvPr id="117" name="TextShape 1"/>
-          <p:cNvSpPr txBox="1"/>
+          <p:cNvPr id="110" name="CustomShape 1"/>
+          <p:cNvSpPr/>
           <p:nvPr/>
         </p:nvSpPr>
         <p:spPr>
           <a:xfrm>
             <a:off x="457200" y="274680"/>
-            <a:ext cx="8229240" cy="1142640"/>
-          </a:xfrm>
-          <a:prstGeom prst="rect">
-            <a:avLst/>
-          </a:prstGeom>
-        </p:spPr>
-        <p:txBody>
-          <a:bodyPr anchor="ctr"/>
+            <a:ext cx="8228880" cy="1142280"/>
+          </a:xfrm>
+          <a:prstGeom prst="rect">
+            <a:avLst/>
+          </a:prstGeom>
+        </p:spPr>
+        <p:txBody>
+          <a:bodyPr anchor="ctr" bIns="45000" lIns="90000" rIns="90000" tIns="45000"/>
           <a:p>
             <a:pPr algn="ctr">
               <a:lnSpc>
@@ -7082,21 +6659,21 @@
       </p:sp>
       <p:sp>
         <p:nvSpPr>
-          <p:cNvPr id="118" name="TextShape 2"/>
-          <p:cNvSpPr txBox="1"/>
+          <p:cNvPr id="111" name="CustomShape 2"/>
+          <p:cNvSpPr/>
           <p:nvPr/>
         </p:nvSpPr>
         <p:spPr>
           <a:xfrm>
             <a:off x="457200" y="1600200"/>
-            <a:ext cx="8229240" cy="4525560"/>
-          </a:xfrm>
-          <a:prstGeom prst="rect">
-            <a:avLst/>
-          </a:prstGeom>
-        </p:spPr>
-        <p:txBody>
-          <a:bodyPr/>
+            <a:ext cx="8228880" cy="4525200"/>
+          </a:xfrm>
+          <a:prstGeom prst="rect">
+            <a:avLst/>
+          </a:prstGeom>
+        </p:spPr>
+        <p:txBody>
+          <a:bodyPr bIns="45000" lIns="90000" rIns="90000" tIns="45000"/>
           <a:p>
             <a:pPr>
               <a:lnSpc>
@@ -7196,21 +6773,21 @@
       </p:sp>
       <p:sp>
         <p:nvSpPr>
-          <p:cNvPr id="119" name="TextShape 3"/>
-          <p:cNvSpPr txBox="1"/>
+          <p:cNvPr id="112" name="CustomShape 3"/>
+          <p:cNvSpPr/>
           <p:nvPr/>
         </p:nvSpPr>
         <p:spPr>
           <a:xfrm>
             <a:off x="457200" y="6356520"/>
-            <a:ext cx="2133360" cy="364680"/>
-          </a:xfrm>
-          <a:prstGeom prst="rect">
-            <a:avLst/>
-          </a:prstGeom>
-        </p:spPr>
-        <p:txBody>
-          <a:bodyPr anchor="ctr"/>
+            <a:ext cx="2133000" cy="364320"/>
+          </a:xfrm>
+          <a:prstGeom prst="rect">
+            <a:avLst/>
+          </a:prstGeom>
+        </p:spPr>
+        <p:txBody>
+          <a:bodyPr anchor="ctr" bIns="45000" lIns="90000" rIns="90000" tIns="45000"/>
           <a:p>
             <a:pPr>
               <a:lnSpc>
@@ -7232,21 +6809,21 @@
       </p:sp>
       <p:sp>
         <p:nvSpPr>
-          <p:cNvPr id="120" name="TextShape 4"/>
-          <p:cNvSpPr txBox="1"/>
+          <p:cNvPr id="113" name="CustomShape 4"/>
+          <p:cNvSpPr/>
           <p:nvPr/>
         </p:nvSpPr>
         <p:spPr>
           <a:xfrm>
             <a:off x="3124080" y="6356520"/>
-            <a:ext cx="2895120" cy="364680"/>
-          </a:xfrm>
-          <a:prstGeom prst="rect">
-            <a:avLst/>
-          </a:prstGeom>
-        </p:spPr>
-        <p:txBody>
-          <a:bodyPr anchor="ctr"/>
+            <a:ext cx="2894760" cy="364320"/>
+          </a:xfrm>
+          <a:prstGeom prst="rect">
+            <a:avLst/>
+          </a:prstGeom>
+        </p:spPr>
+        <p:txBody>
+          <a:bodyPr anchor="ctr" bIns="45000" lIns="90000" rIns="90000" tIns="45000"/>
           <a:p>
             <a:pPr algn="ctr">
               <a:lnSpc>
@@ -7268,28 +6845,28 @@
       </p:sp>
       <p:sp>
         <p:nvSpPr>
-          <p:cNvPr id="121" name="TextShape 5"/>
-          <p:cNvSpPr txBox="1"/>
+          <p:cNvPr id="114" name="CustomShape 5"/>
+          <p:cNvSpPr/>
           <p:nvPr/>
         </p:nvSpPr>
         <p:spPr>
           <a:xfrm>
             <a:off x="6553080" y="6356520"/>
-            <a:ext cx="2133360" cy="364680"/>
-          </a:xfrm>
-          <a:prstGeom prst="rect">
-            <a:avLst/>
-          </a:prstGeom>
-        </p:spPr>
-        <p:txBody>
-          <a:bodyPr anchor="ctr"/>
+            <a:ext cx="2133000" cy="364320"/>
+          </a:xfrm>
+          <a:prstGeom prst="rect">
+            <a:avLst/>
+          </a:prstGeom>
+        </p:spPr>
+        <p:txBody>
+          <a:bodyPr anchor="ctr" bIns="45000" lIns="90000" rIns="90000" tIns="45000"/>
           <a:p>
             <a:pPr algn="r">
               <a:lnSpc>
                 <a:spcPct val="100000"/>
               </a:lnSpc>
             </a:pPr>
-            <a:fld id="{061598F0-9939-46B5-AA36-4B761181BA3C}" type="slidenum">
+            <a:fld id="{E04F564B-569D-47BF-81BE-CA88050ADFE8}" type="slidenum">
               <a:rPr lang="de-AT" sz="1200">
                 <a:solidFill>
                   <a:srgbClr val="8b8b8b"/>
@@ -7326,14 +6903,14 @@
       </p:grpSpPr>
       <p:sp>
         <p:nvSpPr>
-          <p:cNvPr id="196" name="TextShape 1"/>
-          <p:cNvSpPr txBox="1"/>
+          <p:cNvPr id="189" name="CustomShape 1"/>
+          <p:cNvSpPr/>
           <p:nvPr/>
         </p:nvSpPr>
         <p:spPr>
           <a:xfrm>
             <a:off x="391680" y="587520"/>
-            <a:ext cx="6400800" cy="587880"/>
+            <a:ext cx="6400440" cy="587520"/>
           </a:xfrm>
           <a:prstGeom prst="rect">
             <a:avLst/>
@@ -7352,29 +6929,23 @@
       </p:sp>
       <p:sp>
         <p:nvSpPr>
-          <p:cNvPr id="197" name="TextShape 2"/>
-          <p:cNvSpPr txBox="1"/>
+          <p:cNvPr id="190" name="CustomShape 2"/>
+          <p:cNvSpPr/>
           <p:nvPr/>
         </p:nvSpPr>
         <p:spPr>
           <a:xfrm>
             <a:off x="457200" y="1900440"/>
-            <a:ext cx="8046360" cy="4384800"/>
-          </a:xfrm>
-          <a:prstGeom prst="rect">
-            <a:avLst/>
-          </a:prstGeom>
-        </p:spPr>
-        <p:txBody>
-          <a:bodyPr bIns="0" lIns="0" rIns="0" tIns="0" wrap="none"/>
-          <a:p>
-            <a:endParaRPr/>
-          </a:p>
-        </p:txBody>
+            <a:ext cx="8046000" cy="4384440"/>
+          </a:xfrm>
+          <a:prstGeom prst="rect">
+            <a:avLst/>
+          </a:prstGeom>
+        </p:spPr>
       </p:sp>
       <p:pic>
         <p:nvPicPr>
-          <p:cNvPr descr="" id="198" name=""/>
+          <p:cNvPr descr="" id="191" name=""/>
           <p:cNvPicPr/>
           <p:nvPr/>
         </p:nvPicPr>
@@ -7387,7 +6958,7 @@
         <p:spPr>
           <a:xfrm>
             <a:off x="360000" y="1584000"/>
-            <a:ext cx="8352000" cy="4956480"/>
+            <a:ext cx="8351640" cy="4956120"/>
           </a:xfrm>
           <a:prstGeom prst="rect">
             <a:avLst/>
@@ -7418,14 +6989,14 @@
       </p:grpSpPr>
       <p:sp>
         <p:nvSpPr>
-          <p:cNvPr id="199" name="TextShape 1"/>
-          <p:cNvSpPr txBox="1"/>
+          <p:cNvPr id="192" name="CustomShape 1"/>
+          <p:cNvSpPr/>
           <p:nvPr/>
         </p:nvSpPr>
         <p:spPr>
           <a:xfrm>
             <a:off x="391680" y="587520"/>
-            <a:ext cx="6400800" cy="587880"/>
+            <a:ext cx="6400440" cy="587520"/>
           </a:xfrm>
           <a:prstGeom prst="rect">
             <a:avLst/>
@@ -7444,29 +7015,23 @@
       </p:sp>
       <p:sp>
         <p:nvSpPr>
-          <p:cNvPr id="200" name="TextShape 2"/>
-          <p:cNvSpPr txBox="1"/>
+          <p:cNvPr id="193" name="CustomShape 2"/>
+          <p:cNvSpPr/>
           <p:nvPr/>
         </p:nvSpPr>
         <p:spPr>
           <a:xfrm>
             <a:off x="457200" y="1900440"/>
-            <a:ext cx="8046360" cy="4384800"/>
-          </a:xfrm>
-          <a:prstGeom prst="rect">
-            <a:avLst/>
-          </a:prstGeom>
-        </p:spPr>
-        <p:txBody>
-          <a:bodyPr bIns="0" lIns="0" rIns="0" tIns="0" wrap="none"/>
-          <a:p>
-            <a:endParaRPr/>
-          </a:p>
-        </p:txBody>
+            <a:ext cx="8046000" cy="4384440"/>
+          </a:xfrm>
+          <a:prstGeom prst="rect">
+            <a:avLst/>
+          </a:prstGeom>
+        </p:spPr>
       </p:sp>
       <p:pic>
         <p:nvPicPr>
-          <p:cNvPr descr="" id="201" name=""/>
+          <p:cNvPr descr="" id="194" name=""/>
           <p:cNvPicPr/>
           <p:nvPr/>
         </p:nvPicPr>
@@ -7479,7 +7044,7 @@
         <p:spPr>
           <a:xfrm>
             <a:off x="2448000" y="1440000"/>
-            <a:ext cx="4536000" cy="4995360"/>
+            <a:ext cx="4535640" cy="4995000"/>
           </a:xfrm>
           <a:prstGeom prst="rect">
             <a:avLst/>
@@ -7510,21 +7075,21 @@
       </p:grpSpPr>
       <p:sp>
         <p:nvSpPr>
-          <p:cNvPr id="202" name="TextShape 1"/>
-          <p:cNvSpPr txBox="1"/>
+          <p:cNvPr id="195" name="CustomShape 1"/>
+          <p:cNvSpPr/>
           <p:nvPr/>
         </p:nvSpPr>
         <p:spPr>
           <a:xfrm>
             <a:off x="457200" y="274680"/>
-            <a:ext cx="8229240" cy="1142640"/>
-          </a:xfrm>
-          <a:prstGeom prst="rect">
-            <a:avLst/>
-          </a:prstGeom>
-        </p:spPr>
-        <p:txBody>
-          <a:bodyPr anchor="ctr"/>
+            <a:ext cx="8228880" cy="1142280"/>
+          </a:xfrm>
+          <a:prstGeom prst="rect">
+            <a:avLst/>
+          </a:prstGeom>
+        </p:spPr>
+        <p:txBody>
+          <a:bodyPr anchor="ctr" bIns="45000" lIns="90000" rIns="90000" tIns="45000"/>
           <a:p>
             <a:pPr algn="ctr">
               <a:lnSpc>
@@ -7546,21 +7111,21 @@
       </p:sp>
       <p:sp>
         <p:nvSpPr>
-          <p:cNvPr id="203" name="TextShape 2"/>
-          <p:cNvSpPr txBox="1"/>
+          <p:cNvPr id="196" name="CustomShape 2"/>
+          <p:cNvSpPr/>
           <p:nvPr/>
         </p:nvSpPr>
         <p:spPr>
           <a:xfrm>
             <a:off x="457200" y="1600200"/>
-            <a:ext cx="8229240" cy="4525560"/>
-          </a:xfrm>
-          <a:prstGeom prst="rect">
-            <a:avLst/>
-          </a:prstGeom>
-        </p:spPr>
-        <p:txBody>
-          <a:bodyPr/>
+            <a:ext cx="8228880" cy="4525200"/>
+          </a:xfrm>
+          <a:prstGeom prst="rect">
+            <a:avLst/>
+          </a:prstGeom>
+        </p:spPr>
+        <p:txBody>
+          <a:bodyPr bIns="45000" lIns="90000" rIns="90000" tIns="45000"/>
           <a:p>
             <a:pPr>
               <a:lnSpc>
@@ -7660,21 +7225,21 @@
       </p:sp>
       <p:sp>
         <p:nvSpPr>
-          <p:cNvPr id="204" name="TextShape 3"/>
-          <p:cNvSpPr txBox="1"/>
+          <p:cNvPr id="197" name="CustomShape 3"/>
+          <p:cNvSpPr/>
           <p:nvPr/>
         </p:nvSpPr>
         <p:spPr>
           <a:xfrm>
             <a:off x="457200" y="6356520"/>
-            <a:ext cx="2133360" cy="364680"/>
-          </a:xfrm>
-          <a:prstGeom prst="rect">
-            <a:avLst/>
-          </a:prstGeom>
-        </p:spPr>
-        <p:txBody>
-          <a:bodyPr anchor="ctr"/>
+            <a:ext cx="2133000" cy="364320"/>
+          </a:xfrm>
+          <a:prstGeom prst="rect">
+            <a:avLst/>
+          </a:prstGeom>
+        </p:spPr>
+        <p:txBody>
+          <a:bodyPr anchor="ctr" bIns="45000" lIns="90000" rIns="90000" tIns="45000"/>
           <a:p>
             <a:pPr>
               <a:lnSpc>
@@ -7696,21 +7261,21 @@
       </p:sp>
       <p:sp>
         <p:nvSpPr>
-          <p:cNvPr id="205" name="TextShape 4"/>
-          <p:cNvSpPr txBox="1"/>
+          <p:cNvPr id="198" name="CustomShape 4"/>
+          <p:cNvSpPr/>
           <p:nvPr/>
         </p:nvSpPr>
         <p:spPr>
           <a:xfrm>
             <a:off x="3124080" y="6356520"/>
-            <a:ext cx="2895120" cy="364680"/>
-          </a:xfrm>
-          <a:prstGeom prst="rect">
-            <a:avLst/>
-          </a:prstGeom>
-        </p:spPr>
-        <p:txBody>
-          <a:bodyPr anchor="ctr"/>
+            <a:ext cx="2894760" cy="364320"/>
+          </a:xfrm>
+          <a:prstGeom prst="rect">
+            <a:avLst/>
+          </a:prstGeom>
+        </p:spPr>
+        <p:txBody>
+          <a:bodyPr anchor="ctr" bIns="45000" lIns="90000" rIns="90000" tIns="45000"/>
           <a:p>
             <a:pPr algn="ctr">
               <a:lnSpc>
@@ -7732,28 +7297,28 @@
       </p:sp>
       <p:sp>
         <p:nvSpPr>
-          <p:cNvPr id="206" name="TextShape 5"/>
-          <p:cNvSpPr txBox="1"/>
+          <p:cNvPr id="199" name="CustomShape 5"/>
+          <p:cNvSpPr/>
           <p:nvPr/>
         </p:nvSpPr>
         <p:spPr>
           <a:xfrm>
             <a:off x="6553080" y="6356520"/>
-            <a:ext cx="2133360" cy="364680"/>
-          </a:xfrm>
-          <a:prstGeom prst="rect">
-            <a:avLst/>
-          </a:prstGeom>
-        </p:spPr>
-        <p:txBody>
-          <a:bodyPr anchor="ctr"/>
+            <a:ext cx="2133000" cy="364320"/>
+          </a:xfrm>
+          <a:prstGeom prst="rect">
+            <a:avLst/>
+          </a:prstGeom>
+        </p:spPr>
+        <p:txBody>
+          <a:bodyPr anchor="ctr" bIns="45000" lIns="90000" rIns="90000" tIns="45000"/>
           <a:p>
             <a:pPr algn="r">
               <a:lnSpc>
                 <a:spcPct val="100000"/>
               </a:lnSpc>
             </a:pPr>
-            <a:fld id="{0B6AB63E-3F37-43FC-87F5-95413E3BB973}" type="slidenum">
+            <a:fld id="{F8134D86-8B53-41B1-8F26-08155EBD54FA}" type="slidenum">
               <a:rPr lang="de-AT" sz="1200">
                 <a:solidFill>
                   <a:srgbClr val="8b8b8b"/>
@@ -7790,21 +7355,21 @@
       </p:grpSpPr>
       <p:sp>
         <p:nvSpPr>
-          <p:cNvPr id="207" name="TextShape 1"/>
-          <p:cNvSpPr txBox="1"/>
+          <p:cNvPr id="200" name="CustomShape 1"/>
+          <p:cNvSpPr/>
           <p:nvPr/>
         </p:nvSpPr>
         <p:spPr>
           <a:xfrm>
             <a:off x="457200" y="274680"/>
-            <a:ext cx="8229240" cy="1142640"/>
-          </a:xfrm>
-          <a:prstGeom prst="rect">
-            <a:avLst/>
-          </a:prstGeom>
-        </p:spPr>
-        <p:txBody>
-          <a:bodyPr anchor="ctr"/>
+            <a:ext cx="8228880" cy="1142280"/>
+          </a:xfrm>
+          <a:prstGeom prst="rect">
+            <a:avLst/>
+          </a:prstGeom>
+        </p:spPr>
+        <p:txBody>
+          <a:bodyPr anchor="ctr" bIns="45000" lIns="90000" rIns="90000" tIns="45000"/>
           <a:p>
             <a:pPr>
               <a:lnSpc>
@@ -7826,21 +7391,21 @@
       </p:sp>
       <p:sp>
         <p:nvSpPr>
-          <p:cNvPr id="208" name="TextShape 2"/>
-          <p:cNvSpPr txBox="1"/>
+          <p:cNvPr id="201" name="CustomShape 2"/>
+          <p:cNvSpPr/>
           <p:nvPr/>
         </p:nvSpPr>
         <p:spPr>
           <a:xfrm>
             <a:off x="457200" y="1600200"/>
-            <a:ext cx="8229240" cy="4525560"/>
-          </a:xfrm>
-          <a:prstGeom prst="rect">
-            <a:avLst/>
-          </a:prstGeom>
-        </p:spPr>
-        <p:txBody>
-          <a:bodyPr/>
+            <a:ext cx="8228880" cy="4525200"/>
+          </a:xfrm>
+          <a:prstGeom prst="rect">
+            <a:avLst/>
+          </a:prstGeom>
+        </p:spPr>
+        <p:txBody>
+          <a:bodyPr bIns="45000" lIns="90000" rIns="90000" tIns="45000"/>
           <a:p>
             <a:pPr>
               <a:lnSpc>
@@ -7880,21 +7445,21 @@
       </p:sp>
       <p:sp>
         <p:nvSpPr>
-          <p:cNvPr id="209" name="TextShape 3"/>
-          <p:cNvSpPr txBox="1"/>
+          <p:cNvPr id="202" name="CustomShape 3"/>
+          <p:cNvSpPr/>
           <p:nvPr/>
         </p:nvSpPr>
         <p:spPr>
           <a:xfrm>
             <a:off x="457200" y="6356520"/>
-            <a:ext cx="2133360" cy="364680"/>
-          </a:xfrm>
-          <a:prstGeom prst="rect">
-            <a:avLst/>
-          </a:prstGeom>
-        </p:spPr>
-        <p:txBody>
-          <a:bodyPr anchor="ctr"/>
+            <a:ext cx="2133000" cy="364320"/>
+          </a:xfrm>
+          <a:prstGeom prst="rect">
+            <a:avLst/>
+          </a:prstGeom>
+        </p:spPr>
+        <p:txBody>
+          <a:bodyPr anchor="ctr" bIns="45000" lIns="90000" rIns="90000" tIns="45000"/>
           <a:p>
             <a:pPr>
               <a:lnSpc>
@@ -7916,21 +7481,21 @@
       </p:sp>
       <p:sp>
         <p:nvSpPr>
-          <p:cNvPr id="210" name="TextShape 4"/>
-          <p:cNvSpPr txBox="1"/>
+          <p:cNvPr id="203" name="CustomShape 4"/>
+          <p:cNvSpPr/>
           <p:nvPr/>
         </p:nvSpPr>
         <p:spPr>
           <a:xfrm>
             <a:off x="3124080" y="6356520"/>
-            <a:ext cx="2895120" cy="364680"/>
-          </a:xfrm>
-          <a:prstGeom prst="rect">
-            <a:avLst/>
-          </a:prstGeom>
-        </p:spPr>
-        <p:txBody>
-          <a:bodyPr anchor="ctr"/>
+            <a:ext cx="2894760" cy="364320"/>
+          </a:xfrm>
+          <a:prstGeom prst="rect">
+            <a:avLst/>
+          </a:prstGeom>
+        </p:spPr>
+        <p:txBody>
+          <a:bodyPr anchor="ctr" bIns="45000" lIns="90000" rIns="90000" tIns="45000"/>
           <a:p>
             <a:pPr algn="ctr">
               <a:lnSpc>
@@ -7952,28 +7517,28 @@
       </p:sp>
       <p:sp>
         <p:nvSpPr>
-          <p:cNvPr id="211" name="TextShape 5"/>
-          <p:cNvSpPr txBox="1"/>
+          <p:cNvPr id="204" name="CustomShape 5"/>
+          <p:cNvSpPr/>
           <p:nvPr/>
         </p:nvSpPr>
         <p:spPr>
           <a:xfrm>
             <a:off x="6553080" y="6356520"/>
-            <a:ext cx="2133360" cy="364680"/>
-          </a:xfrm>
-          <a:prstGeom prst="rect">
-            <a:avLst/>
-          </a:prstGeom>
-        </p:spPr>
-        <p:txBody>
-          <a:bodyPr anchor="ctr"/>
+            <a:ext cx="2133000" cy="364320"/>
+          </a:xfrm>
+          <a:prstGeom prst="rect">
+            <a:avLst/>
+          </a:prstGeom>
+        </p:spPr>
+        <p:txBody>
+          <a:bodyPr anchor="ctr" bIns="45000" lIns="90000" rIns="90000" tIns="45000"/>
           <a:p>
             <a:pPr algn="r">
               <a:lnSpc>
                 <a:spcPct val="100000"/>
               </a:lnSpc>
             </a:pPr>
-            <a:fld id="{6D1D6ACC-7336-4563-A4E8-C6EDE67848EC}" type="slidenum">
+            <a:fld id="{A335301B-C1B7-43F4-8CC5-7F4CFF9B1728}" type="slidenum">
               <a:rPr lang="de-AT" sz="1200">
                 <a:solidFill>
                   <a:srgbClr val="8b8b8b"/>
@@ -8010,21 +7575,21 @@
       </p:grpSpPr>
       <p:sp>
         <p:nvSpPr>
-          <p:cNvPr id="212" name="TextShape 1"/>
-          <p:cNvSpPr txBox="1"/>
+          <p:cNvPr id="205" name="CustomShape 1"/>
+          <p:cNvSpPr/>
           <p:nvPr/>
         </p:nvSpPr>
         <p:spPr>
           <a:xfrm>
             <a:off x="457200" y="274680"/>
-            <a:ext cx="8229240" cy="1142640"/>
-          </a:xfrm>
-          <a:prstGeom prst="rect">
-            <a:avLst/>
-          </a:prstGeom>
-        </p:spPr>
-        <p:txBody>
-          <a:bodyPr anchor="ctr"/>
+            <a:ext cx="8228880" cy="1142280"/>
+          </a:xfrm>
+          <a:prstGeom prst="rect">
+            <a:avLst/>
+          </a:prstGeom>
+        </p:spPr>
+        <p:txBody>
+          <a:bodyPr anchor="ctr" bIns="45000" lIns="90000" rIns="90000" tIns="45000"/>
           <a:p>
             <a:pPr>
               <a:lnSpc>
@@ -8046,21 +7611,21 @@
       </p:sp>
       <p:sp>
         <p:nvSpPr>
-          <p:cNvPr id="213" name="TextShape 2"/>
-          <p:cNvSpPr txBox="1"/>
+          <p:cNvPr id="206" name="CustomShape 2"/>
+          <p:cNvSpPr/>
           <p:nvPr/>
         </p:nvSpPr>
         <p:spPr>
           <a:xfrm>
             <a:off x="457200" y="1600200"/>
-            <a:ext cx="8229240" cy="4525560"/>
-          </a:xfrm>
-          <a:prstGeom prst="rect">
-            <a:avLst/>
-          </a:prstGeom>
-        </p:spPr>
-        <p:txBody>
-          <a:bodyPr/>
+            <a:ext cx="8228880" cy="4525200"/>
+          </a:xfrm>
+          <a:prstGeom prst="rect">
+            <a:avLst/>
+          </a:prstGeom>
+        </p:spPr>
+        <p:txBody>
+          <a:bodyPr bIns="45000" lIns="90000" rIns="90000" tIns="45000"/>
           <a:p>
             <a:pPr>
               <a:lnSpc>
@@ -8154,21 +7719,21 @@
       </p:sp>
       <p:sp>
         <p:nvSpPr>
-          <p:cNvPr id="214" name="TextShape 3"/>
-          <p:cNvSpPr txBox="1"/>
+          <p:cNvPr id="207" name="CustomShape 3"/>
+          <p:cNvSpPr/>
           <p:nvPr/>
         </p:nvSpPr>
         <p:spPr>
           <a:xfrm>
             <a:off x="457200" y="6356520"/>
-            <a:ext cx="2133360" cy="364680"/>
-          </a:xfrm>
-          <a:prstGeom prst="rect">
-            <a:avLst/>
-          </a:prstGeom>
-        </p:spPr>
-        <p:txBody>
-          <a:bodyPr anchor="ctr"/>
+            <a:ext cx="2133000" cy="364320"/>
+          </a:xfrm>
+          <a:prstGeom prst="rect">
+            <a:avLst/>
+          </a:prstGeom>
+        </p:spPr>
+        <p:txBody>
+          <a:bodyPr anchor="ctr" bIns="45000" lIns="90000" rIns="90000" tIns="45000"/>
           <a:p>
             <a:pPr>
               <a:lnSpc>
@@ -8190,21 +7755,21 @@
       </p:sp>
       <p:sp>
         <p:nvSpPr>
-          <p:cNvPr id="215" name="TextShape 4"/>
-          <p:cNvSpPr txBox="1"/>
+          <p:cNvPr id="208" name="CustomShape 4"/>
+          <p:cNvSpPr/>
           <p:nvPr/>
         </p:nvSpPr>
         <p:spPr>
           <a:xfrm>
             <a:off x="3124080" y="6356520"/>
-            <a:ext cx="2895120" cy="364680"/>
-          </a:xfrm>
-          <a:prstGeom prst="rect">
-            <a:avLst/>
-          </a:prstGeom>
-        </p:spPr>
-        <p:txBody>
-          <a:bodyPr anchor="ctr"/>
+            <a:ext cx="2894760" cy="364320"/>
+          </a:xfrm>
+          <a:prstGeom prst="rect">
+            <a:avLst/>
+          </a:prstGeom>
+        </p:spPr>
+        <p:txBody>
+          <a:bodyPr anchor="ctr" bIns="45000" lIns="90000" rIns="90000" tIns="45000"/>
           <a:p>
             <a:pPr algn="ctr">
               <a:lnSpc>
@@ -8226,28 +7791,28 @@
       </p:sp>
       <p:sp>
         <p:nvSpPr>
-          <p:cNvPr id="216" name="TextShape 5"/>
-          <p:cNvSpPr txBox="1"/>
+          <p:cNvPr id="209" name="CustomShape 5"/>
+          <p:cNvSpPr/>
           <p:nvPr/>
         </p:nvSpPr>
         <p:spPr>
           <a:xfrm>
             <a:off x="6553080" y="6356520"/>
-            <a:ext cx="2133360" cy="364680"/>
-          </a:xfrm>
-          <a:prstGeom prst="rect">
-            <a:avLst/>
-          </a:prstGeom>
-        </p:spPr>
-        <p:txBody>
-          <a:bodyPr anchor="ctr"/>
+            <a:ext cx="2133000" cy="364320"/>
+          </a:xfrm>
+          <a:prstGeom prst="rect">
+            <a:avLst/>
+          </a:prstGeom>
+        </p:spPr>
+        <p:txBody>
+          <a:bodyPr anchor="ctr" bIns="45000" lIns="90000" rIns="90000" tIns="45000"/>
           <a:p>
             <a:pPr algn="r">
               <a:lnSpc>
                 <a:spcPct val="100000"/>
               </a:lnSpc>
             </a:pPr>
-            <a:fld id="{5D739955-5BFB-4816-ACD9-C514C923B4CE}" type="slidenum">
+            <a:fld id="{AE4C3E18-81E5-40B6-8708-1788EE4B3D66}" type="slidenum">
               <a:rPr lang="de-AT" sz="1200">
                 <a:solidFill>
                   <a:srgbClr val="8b8b8b"/>
@@ -8284,21 +7849,21 @@
       </p:grpSpPr>
       <p:sp>
         <p:nvSpPr>
-          <p:cNvPr id="217" name="TextShape 1"/>
-          <p:cNvSpPr txBox="1"/>
+          <p:cNvPr id="210" name="CustomShape 1"/>
+          <p:cNvSpPr/>
           <p:nvPr/>
         </p:nvSpPr>
         <p:spPr>
           <a:xfrm>
             <a:off x="457200" y="274680"/>
-            <a:ext cx="8229240" cy="1142640"/>
-          </a:xfrm>
-          <a:prstGeom prst="rect">
-            <a:avLst/>
-          </a:prstGeom>
-        </p:spPr>
-        <p:txBody>
-          <a:bodyPr anchor="ctr"/>
+            <a:ext cx="8228880" cy="1142280"/>
+          </a:xfrm>
+          <a:prstGeom prst="rect">
+            <a:avLst/>
+          </a:prstGeom>
+        </p:spPr>
+        <p:txBody>
+          <a:bodyPr anchor="ctr" bIns="45000" lIns="90000" rIns="90000" tIns="45000"/>
           <a:p>
             <a:pPr>
               <a:lnSpc>
@@ -8320,21 +7885,21 @@
       </p:sp>
       <p:sp>
         <p:nvSpPr>
-          <p:cNvPr id="218" name="TextShape 2"/>
-          <p:cNvSpPr txBox="1"/>
+          <p:cNvPr id="211" name="CustomShape 2"/>
+          <p:cNvSpPr/>
           <p:nvPr/>
         </p:nvSpPr>
         <p:spPr>
           <a:xfrm>
             <a:off x="457200" y="1600200"/>
-            <a:ext cx="8229240" cy="4525560"/>
-          </a:xfrm>
-          <a:prstGeom prst="rect">
-            <a:avLst/>
-          </a:prstGeom>
-        </p:spPr>
-        <p:txBody>
-          <a:bodyPr/>
+            <a:ext cx="8228880" cy="4525200"/>
+          </a:xfrm>
+          <a:prstGeom prst="rect">
+            <a:avLst/>
+          </a:prstGeom>
+        </p:spPr>
+        <p:txBody>
+          <a:bodyPr bIns="45000" lIns="90000" rIns="90000" tIns="45000"/>
           <a:p>
             <a:pPr>
               <a:lnSpc>
@@ -8367,28 +7932,26 @@
               <a:lnSpc>
                 <a:spcPct val="100000"/>
               </a:lnSpc>
+            </a:pPr>
+            <a:r>
+              <a:rPr lang="de-AT" sz="3200">
+                <a:solidFill>
+                  <a:srgbClr val="000000"/>
+                </a:solidFill>
+                <a:latin typeface="Calibri"/>
+              </a:rPr>
+              <a:t>XVSM ?</a:t>
+            </a:r>
+            <a:endParaRPr/>
+          </a:p>
+          <a:p>
+            <a:pPr>
+              <a:lnSpc>
+                <a:spcPct val="100000"/>
+              </a:lnSpc>
               <a:buFont typeface="Arial"/>
               <a:buChar char="•"/>
             </a:pPr>
-            <a:r>
-              <a:rPr lang="de-AT" sz="3200">
-                <a:solidFill>
-                  <a:srgbClr val="000000"/>
-                </a:solidFill>
-                <a:latin typeface="Calibri"/>
-              </a:rPr>
-              <a:t>XVSM ?</a:t>
-            </a:r>
-            <a:r>
-              <a:rPr lang="de-AT" sz="3200">
-                <a:solidFill>
-                  <a:srgbClr val="000000"/>
-                </a:solidFill>
-                <a:latin typeface="Calibri"/>
-              </a:rPr>
-              <a:t>
-</a:t>
-            </a:r>
             <a:endParaRPr/>
           </a:p>
           <a:p>
@@ -8465,21 +8028,21 @@
       </p:sp>
       <p:sp>
         <p:nvSpPr>
-          <p:cNvPr id="219" name="TextShape 3"/>
-          <p:cNvSpPr txBox="1"/>
+          <p:cNvPr id="212" name="CustomShape 3"/>
+          <p:cNvSpPr/>
           <p:nvPr/>
         </p:nvSpPr>
         <p:spPr>
           <a:xfrm>
             <a:off x="457200" y="6356520"/>
-            <a:ext cx="2133360" cy="364680"/>
-          </a:xfrm>
-          <a:prstGeom prst="rect">
-            <a:avLst/>
-          </a:prstGeom>
-        </p:spPr>
-        <p:txBody>
-          <a:bodyPr anchor="ctr"/>
+            <a:ext cx="2133000" cy="364320"/>
+          </a:xfrm>
+          <a:prstGeom prst="rect">
+            <a:avLst/>
+          </a:prstGeom>
+        </p:spPr>
+        <p:txBody>
+          <a:bodyPr anchor="ctr" bIns="45000" lIns="90000" rIns="90000" tIns="45000"/>
           <a:p>
             <a:pPr>
               <a:lnSpc>
@@ -8501,21 +8064,21 @@
       </p:sp>
       <p:sp>
         <p:nvSpPr>
-          <p:cNvPr id="220" name="TextShape 4"/>
-          <p:cNvSpPr txBox="1"/>
+          <p:cNvPr id="213" name="CustomShape 4"/>
+          <p:cNvSpPr/>
           <p:nvPr/>
         </p:nvSpPr>
         <p:spPr>
           <a:xfrm>
             <a:off x="3124080" y="6356520"/>
-            <a:ext cx="2895120" cy="364680"/>
-          </a:xfrm>
-          <a:prstGeom prst="rect">
-            <a:avLst/>
-          </a:prstGeom>
-        </p:spPr>
-        <p:txBody>
-          <a:bodyPr anchor="ctr"/>
+            <a:ext cx="2894760" cy="364320"/>
+          </a:xfrm>
+          <a:prstGeom prst="rect">
+            <a:avLst/>
+          </a:prstGeom>
+        </p:spPr>
+        <p:txBody>
+          <a:bodyPr anchor="ctr" bIns="45000" lIns="90000" rIns="90000" tIns="45000"/>
           <a:p>
             <a:pPr algn="ctr">
               <a:lnSpc>
@@ -8537,28 +8100,28 @@
       </p:sp>
       <p:sp>
         <p:nvSpPr>
-          <p:cNvPr id="221" name="TextShape 5"/>
-          <p:cNvSpPr txBox="1"/>
+          <p:cNvPr id="214" name="CustomShape 5"/>
+          <p:cNvSpPr/>
           <p:nvPr/>
         </p:nvSpPr>
         <p:spPr>
           <a:xfrm>
             <a:off x="6553080" y="6356520"/>
-            <a:ext cx="2133360" cy="364680"/>
-          </a:xfrm>
-          <a:prstGeom prst="rect">
-            <a:avLst/>
-          </a:prstGeom>
-        </p:spPr>
-        <p:txBody>
-          <a:bodyPr anchor="ctr"/>
+            <a:ext cx="2133000" cy="364320"/>
+          </a:xfrm>
+          <a:prstGeom prst="rect">
+            <a:avLst/>
+          </a:prstGeom>
+        </p:spPr>
+        <p:txBody>
+          <a:bodyPr anchor="ctr" bIns="45000" lIns="90000" rIns="90000" tIns="45000"/>
           <a:p>
             <a:pPr algn="r">
               <a:lnSpc>
                 <a:spcPct val="100000"/>
               </a:lnSpc>
             </a:pPr>
-            <a:fld id="{590A7A4F-F9C4-4A08-8FB2-BA9710BCC804}" type="slidenum">
+            <a:fld id="{FBA08AE1-89F5-42A0-84C8-20CC1B1DC576}" type="slidenum">
               <a:rPr lang="de-AT" sz="1200">
                 <a:solidFill>
                   <a:srgbClr val="8b8b8b"/>
@@ -8595,21 +8158,21 @@
       </p:grpSpPr>
       <p:sp>
         <p:nvSpPr>
-          <p:cNvPr id="222" name="TextShape 1"/>
-          <p:cNvSpPr txBox="1"/>
+          <p:cNvPr id="215" name="CustomShape 1"/>
+          <p:cNvSpPr/>
           <p:nvPr/>
         </p:nvSpPr>
         <p:spPr>
           <a:xfrm>
             <a:off x="457200" y="274680"/>
-            <a:ext cx="8229240" cy="1142640"/>
-          </a:xfrm>
-          <a:prstGeom prst="rect">
-            <a:avLst/>
-          </a:prstGeom>
-        </p:spPr>
-        <p:txBody>
-          <a:bodyPr anchor="ctr"/>
+            <a:ext cx="8228880" cy="1142280"/>
+          </a:xfrm>
+          <a:prstGeom prst="rect">
+            <a:avLst/>
+          </a:prstGeom>
+        </p:spPr>
+        <p:txBody>
+          <a:bodyPr anchor="ctr" bIns="45000" lIns="90000" rIns="90000" tIns="45000"/>
           <a:p>
             <a:pPr>
               <a:lnSpc>
@@ -8631,21 +8194,21 @@
       </p:sp>
       <p:sp>
         <p:nvSpPr>
-          <p:cNvPr id="223" name="TextShape 2"/>
-          <p:cNvSpPr txBox="1"/>
+          <p:cNvPr id="216" name="CustomShape 2"/>
+          <p:cNvSpPr/>
           <p:nvPr/>
         </p:nvSpPr>
         <p:spPr>
           <a:xfrm>
             <a:off x="457200" y="1600200"/>
-            <a:ext cx="8229240" cy="4525560"/>
-          </a:xfrm>
-          <a:prstGeom prst="rect">
-            <a:avLst/>
-          </a:prstGeom>
-        </p:spPr>
-        <p:txBody>
-          <a:bodyPr/>
+            <a:ext cx="8228880" cy="4525200"/>
+          </a:xfrm>
+          <a:prstGeom prst="rect">
+            <a:avLst/>
+          </a:prstGeom>
+        </p:spPr>
+        <p:txBody>
+          <a:bodyPr bIns="45000" lIns="90000" rIns="90000" tIns="45000"/>
           <a:p>
             <a:pPr>
               <a:lnSpc>
@@ -8712,21 +8275,21 @@
       </p:sp>
       <p:sp>
         <p:nvSpPr>
-          <p:cNvPr id="224" name="TextShape 3"/>
-          <p:cNvSpPr txBox="1"/>
+          <p:cNvPr id="217" name="CustomShape 3"/>
+          <p:cNvSpPr/>
           <p:nvPr/>
         </p:nvSpPr>
         <p:spPr>
           <a:xfrm>
             <a:off x="457200" y="6356520"/>
-            <a:ext cx="2133360" cy="364680"/>
-          </a:xfrm>
-          <a:prstGeom prst="rect">
-            <a:avLst/>
-          </a:prstGeom>
-        </p:spPr>
-        <p:txBody>
-          <a:bodyPr anchor="ctr"/>
+            <a:ext cx="2133000" cy="364320"/>
+          </a:xfrm>
+          <a:prstGeom prst="rect">
+            <a:avLst/>
+          </a:prstGeom>
+        </p:spPr>
+        <p:txBody>
+          <a:bodyPr anchor="ctr" bIns="45000" lIns="90000" rIns="90000" tIns="45000"/>
           <a:p>
             <a:pPr>
               <a:lnSpc>
@@ -8748,21 +8311,21 @@
       </p:sp>
       <p:sp>
         <p:nvSpPr>
-          <p:cNvPr id="225" name="TextShape 4"/>
-          <p:cNvSpPr txBox="1"/>
+          <p:cNvPr id="218" name="CustomShape 4"/>
+          <p:cNvSpPr/>
           <p:nvPr/>
         </p:nvSpPr>
         <p:spPr>
           <a:xfrm>
             <a:off x="3124080" y="6356520"/>
-            <a:ext cx="2895120" cy="364680"/>
-          </a:xfrm>
-          <a:prstGeom prst="rect">
-            <a:avLst/>
-          </a:prstGeom>
-        </p:spPr>
-        <p:txBody>
-          <a:bodyPr anchor="ctr"/>
+            <a:ext cx="2894760" cy="364320"/>
+          </a:xfrm>
+          <a:prstGeom prst="rect">
+            <a:avLst/>
+          </a:prstGeom>
+        </p:spPr>
+        <p:txBody>
+          <a:bodyPr anchor="ctr" bIns="45000" lIns="90000" rIns="90000" tIns="45000"/>
           <a:p>
             <a:pPr algn="ctr">
               <a:lnSpc>
@@ -8784,28 +8347,28 @@
       </p:sp>
       <p:sp>
         <p:nvSpPr>
-          <p:cNvPr id="226" name="TextShape 5"/>
-          <p:cNvSpPr txBox="1"/>
+          <p:cNvPr id="219" name="CustomShape 5"/>
+          <p:cNvSpPr/>
           <p:nvPr/>
         </p:nvSpPr>
         <p:spPr>
           <a:xfrm>
             <a:off x="6553080" y="6356520"/>
-            <a:ext cx="2133360" cy="364680"/>
-          </a:xfrm>
-          <a:prstGeom prst="rect">
-            <a:avLst/>
-          </a:prstGeom>
-        </p:spPr>
-        <p:txBody>
-          <a:bodyPr anchor="ctr"/>
+            <a:ext cx="2133000" cy="364320"/>
+          </a:xfrm>
+          <a:prstGeom prst="rect">
+            <a:avLst/>
+          </a:prstGeom>
+        </p:spPr>
+        <p:txBody>
+          <a:bodyPr anchor="ctr" bIns="45000" lIns="90000" rIns="90000" tIns="45000"/>
           <a:p>
             <a:pPr algn="r">
               <a:lnSpc>
                 <a:spcPct val="100000"/>
               </a:lnSpc>
             </a:pPr>
-            <a:fld id="{FF228B2E-47BB-470C-81F4-C248E6F37FA8}" type="slidenum">
+            <a:fld id="{5A8FA832-3DC7-4784-AFB5-615404497441}" type="slidenum">
               <a:rPr lang="de-AT" sz="1200">
                 <a:solidFill>
                   <a:srgbClr val="8b8b8b"/>
@@ -8842,21 +8405,21 @@
       </p:grpSpPr>
       <p:sp>
         <p:nvSpPr>
-          <p:cNvPr id="227" name="TextShape 1"/>
-          <p:cNvSpPr txBox="1"/>
+          <p:cNvPr id="220" name="CustomShape 1"/>
+          <p:cNvSpPr/>
           <p:nvPr/>
         </p:nvSpPr>
         <p:spPr>
           <a:xfrm>
             <a:off x="457200" y="274680"/>
-            <a:ext cx="8229240" cy="1142640"/>
-          </a:xfrm>
-          <a:prstGeom prst="rect">
-            <a:avLst/>
-          </a:prstGeom>
-        </p:spPr>
-        <p:txBody>
-          <a:bodyPr anchor="ctr"/>
+            <a:ext cx="8228880" cy="1142280"/>
+          </a:xfrm>
+          <a:prstGeom prst="rect">
+            <a:avLst/>
+          </a:prstGeom>
+        </p:spPr>
+        <p:txBody>
+          <a:bodyPr anchor="ctr" bIns="45000" lIns="90000" rIns="90000" tIns="45000"/>
           <a:p>
             <a:pPr>
               <a:lnSpc>
@@ -8878,21 +8441,21 @@
       </p:sp>
       <p:sp>
         <p:nvSpPr>
-          <p:cNvPr id="228" name="TextShape 2"/>
-          <p:cNvSpPr txBox="1"/>
+          <p:cNvPr id="221" name="CustomShape 2"/>
+          <p:cNvSpPr/>
           <p:nvPr/>
         </p:nvSpPr>
         <p:spPr>
           <a:xfrm>
             <a:off x="457200" y="1600200"/>
-            <a:ext cx="8229240" cy="4525560"/>
-          </a:xfrm>
-          <a:prstGeom prst="rect">
-            <a:avLst/>
-          </a:prstGeom>
-        </p:spPr>
-        <p:txBody>
-          <a:bodyPr/>
+            <a:ext cx="8228880" cy="4525200"/>
+          </a:xfrm>
+          <a:prstGeom prst="rect">
+            <a:avLst/>
+          </a:prstGeom>
+        </p:spPr>
+        <p:txBody>
+          <a:bodyPr bIns="45000" lIns="90000" rIns="90000" tIns="45000"/>
           <a:p>
             <a:pPr>
               <a:lnSpc>
@@ -8951,21 +8514,21 @@
       </p:sp>
       <p:sp>
         <p:nvSpPr>
-          <p:cNvPr id="229" name="TextShape 3"/>
-          <p:cNvSpPr txBox="1"/>
+          <p:cNvPr id="222" name="CustomShape 3"/>
+          <p:cNvSpPr/>
           <p:nvPr/>
         </p:nvSpPr>
         <p:spPr>
           <a:xfrm>
             <a:off x="457200" y="6356520"/>
-            <a:ext cx="2133360" cy="364680"/>
-          </a:xfrm>
-          <a:prstGeom prst="rect">
-            <a:avLst/>
-          </a:prstGeom>
-        </p:spPr>
-        <p:txBody>
-          <a:bodyPr anchor="ctr"/>
+            <a:ext cx="2133000" cy="364320"/>
+          </a:xfrm>
+          <a:prstGeom prst="rect">
+            <a:avLst/>
+          </a:prstGeom>
+        </p:spPr>
+        <p:txBody>
+          <a:bodyPr anchor="ctr" bIns="45000" lIns="90000" rIns="90000" tIns="45000"/>
           <a:p>
             <a:pPr>
               <a:lnSpc>
@@ -8987,21 +8550,21 @@
       </p:sp>
       <p:sp>
         <p:nvSpPr>
-          <p:cNvPr id="230" name="TextShape 4"/>
-          <p:cNvSpPr txBox="1"/>
+          <p:cNvPr id="223" name="CustomShape 4"/>
+          <p:cNvSpPr/>
           <p:nvPr/>
         </p:nvSpPr>
         <p:spPr>
           <a:xfrm>
             <a:off x="3124080" y="6356520"/>
-            <a:ext cx="2895120" cy="364680"/>
-          </a:xfrm>
-          <a:prstGeom prst="rect">
-            <a:avLst/>
-          </a:prstGeom>
-        </p:spPr>
-        <p:txBody>
-          <a:bodyPr anchor="ctr"/>
+            <a:ext cx="2894760" cy="364320"/>
+          </a:xfrm>
+          <a:prstGeom prst="rect">
+            <a:avLst/>
+          </a:prstGeom>
+        </p:spPr>
+        <p:txBody>
+          <a:bodyPr anchor="ctr" bIns="45000" lIns="90000" rIns="90000" tIns="45000"/>
           <a:p>
             <a:pPr algn="ctr">
               <a:lnSpc>
@@ -9023,28 +8586,28 @@
       </p:sp>
       <p:sp>
         <p:nvSpPr>
-          <p:cNvPr id="231" name="TextShape 5"/>
-          <p:cNvSpPr txBox="1"/>
+          <p:cNvPr id="224" name="CustomShape 5"/>
+          <p:cNvSpPr/>
           <p:nvPr/>
         </p:nvSpPr>
         <p:spPr>
           <a:xfrm>
             <a:off x="6553080" y="6356520"/>
-            <a:ext cx="2133360" cy="364680"/>
-          </a:xfrm>
-          <a:prstGeom prst="rect">
-            <a:avLst/>
-          </a:prstGeom>
-        </p:spPr>
-        <p:txBody>
-          <a:bodyPr anchor="ctr"/>
+            <a:ext cx="2133000" cy="364320"/>
+          </a:xfrm>
+          <a:prstGeom prst="rect">
+            <a:avLst/>
+          </a:prstGeom>
+        </p:spPr>
+        <p:txBody>
+          <a:bodyPr anchor="ctr" bIns="45000" lIns="90000" rIns="90000" tIns="45000"/>
           <a:p>
             <a:pPr algn="r">
               <a:lnSpc>
                 <a:spcPct val="100000"/>
               </a:lnSpc>
             </a:pPr>
-            <a:fld id="{B95F8D0D-39B1-48C2-AB0C-7A59731C0C79}" type="slidenum">
+            <a:fld id="{14CD4C53-56A9-404D-A2E6-14BCD5943239}" type="slidenum">
               <a:rPr lang="de-AT" sz="1200">
                 <a:solidFill>
                   <a:srgbClr val="8b8b8b"/>
@@ -9081,14 +8644,14 @@
       </p:grpSpPr>
       <p:sp>
         <p:nvSpPr>
-          <p:cNvPr id="232" name="TextShape 1"/>
-          <p:cNvSpPr txBox="1"/>
+          <p:cNvPr id="225" name="CustomShape 1"/>
+          <p:cNvSpPr/>
           <p:nvPr/>
         </p:nvSpPr>
         <p:spPr>
           <a:xfrm>
             <a:off x="391680" y="540000"/>
-            <a:ext cx="6400800" cy="683280"/>
+            <a:ext cx="6400440" cy="682920"/>
           </a:xfrm>
           <a:prstGeom prst="rect">
             <a:avLst/>
@@ -9139,14 +8702,14 @@
       </p:grpSpPr>
       <p:sp>
         <p:nvSpPr>
-          <p:cNvPr id="233" name="TextShape 1"/>
-          <p:cNvSpPr txBox="1"/>
+          <p:cNvPr id="226" name="CustomShape 1"/>
+          <p:cNvSpPr/>
           <p:nvPr/>
         </p:nvSpPr>
         <p:spPr>
           <a:xfrm>
             <a:off x="391680" y="540000"/>
-            <a:ext cx="6400800" cy="683280"/>
+            <a:ext cx="6400440" cy="682920"/>
           </a:xfrm>
           <a:prstGeom prst="rect">
             <a:avLst/>
@@ -9197,21 +8760,21 @@
       </p:grpSpPr>
       <p:sp>
         <p:nvSpPr>
-          <p:cNvPr id="122" name="TextShape 1"/>
-          <p:cNvSpPr txBox="1"/>
+          <p:cNvPr id="115" name="CustomShape 1"/>
+          <p:cNvSpPr/>
           <p:nvPr/>
         </p:nvSpPr>
         <p:spPr>
           <a:xfrm>
             <a:off x="457200" y="274680"/>
-            <a:ext cx="8229240" cy="1142640"/>
-          </a:xfrm>
-          <a:prstGeom prst="rect">
-            <a:avLst/>
-          </a:prstGeom>
-        </p:spPr>
-        <p:txBody>
-          <a:bodyPr anchor="ctr"/>
+            <a:ext cx="8228880" cy="1142280"/>
+          </a:xfrm>
+          <a:prstGeom prst="rect">
+            <a:avLst/>
+          </a:prstGeom>
+        </p:spPr>
+        <p:txBody>
+          <a:bodyPr anchor="ctr" bIns="45000" lIns="90000" rIns="90000" tIns="45000"/>
           <a:p>
             <a:pPr algn="ctr">
               <a:lnSpc>
@@ -9233,21 +8796,21 @@
       </p:sp>
       <p:sp>
         <p:nvSpPr>
-          <p:cNvPr id="123" name="TextShape 2"/>
-          <p:cNvSpPr txBox="1"/>
+          <p:cNvPr id="116" name="CustomShape 2"/>
+          <p:cNvSpPr/>
           <p:nvPr/>
         </p:nvSpPr>
         <p:spPr>
           <a:xfrm>
             <a:off x="457200" y="1600200"/>
-            <a:ext cx="8229240" cy="4525560"/>
-          </a:xfrm>
-          <a:prstGeom prst="rect">
-            <a:avLst/>
-          </a:prstGeom>
-        </p:spPr>
-        <p:txBody>
-          <a:bodyPr/>
+            <a:ext cx="8228880" cy="4525200"/>
+          </a:xfrm>
+          <a:prstGeom prst="rect">
+            <a:avLst/>
+          </a:prstGeom>
+        </p:spPr>
+        <p:txBody>
+          <a:bodyPr bIns="45000" lIns="90000" rIns="90000" tIns="45000"/>
           <a:p>
             <a:pPr>
               <a:lnSpc>
@@ -9309,21 +8872,21 @@
       </p:sp>
       <p:sp>
         <p:nvSpPr>
-          <p:cNvPr id="124" name="TextShape 3"/>
-          <p:cNvSpPr txBox="1"/>
+          <p:cNvPr id="117" name="CustomShape 3"/>
+          <p:cNvSpPr/>
           <p:nvPr/>
         </p:nvSpPr>
         <p:spPr>
           <a:xfrm>
             <a:off x="457200" y="6356520"/>
-            <a:ext cx="2133360" cy="364680"/>
-          </a:xfrm>
-          <a:prstGeom prst="rect">
-            <a:avLst/>
-          </a:prstGeom>
-        </p:spPr>
-        <p:txBody>
-          <a:bodyPr anchor="ctr"/>
+            <a:ext cx="2133000" cy="364320"/>
+          </a:xfrm>
+          <a:prstGeom prst="rect">
+            <a:avLst/>
+          </a:prstGeom>
+        </p:spPr>
+        <p:txBody>
+          <a:bodyPr anchor="ctr" bIns="45000" lIns="90000" rIns="90000" tIns="45000"/>
           <a:p>
             <a:pPr>
               <a:lnSpc>
@@ -9345,21 +8908,21 @@
       </p:sp>
       <p:sp>
         <p:nvSpPr>
-          <p:cNvPr id="125" name="TextShape 4"/>
-          <p:cNvSpPr txBox="1"/>
+          <p:cNvPr id="118" name="CustomShape 4"/>
+          <p:cNvSpPr/>
           <p:nvPr/>
         </p:nvSpPr>
         <p:spPr>
           <a:xfrm>
             <a:off x="3124080" y="6356520"/>
-            <a:ext cx="2895120" cy="364680"/>
-          </a:xfrm>
-          <a:prstGeom prst="rect">
-            <a:avLst/>
-          </a:prstGeom>
-        </p:spPr>
-        <p:txBody>
-          <a:bodyPr anchor="ctr"/>
+            <a:ext cx="2894760" cy="364320"/>
+          </a:xfrm>
+          <a:prstGeom prst="rect">
+            <a:avLst/>
+          </a:prstGeom>
+        </p:spPr>
+        <p:txBody>
+          <a:bodyPr anchor="ctr" bIns="45000" lIns="90000" rIns="90000" tIns="45000"/>
           <a:p>
             <a:pPr algn="ctr">
               <a:lnSpc>
@@ -9381,28 +8944,28 @@
       </p:sp>
       <p:sp>
         <p:nvSpPr>
-          <p:cNvPr id="126" name="TextShape 5"/>
-          <p:cNvSpPr txBox="1"/>
+          <p:cNvPr id="119" name="CustomShape 5"/>
+          <p:cNvSpPr/>
           <p:nvPr/>
         </p:nvSpPr>
         <p:spPr>
           <a:xfrm>
             <a:off x="6553080" y="6356520"/>
-            <a:ext cx="2133360" cy="364680"/>
-          </a:xfrm>
-          <a:prstGeom prst="rect">
-            <a:avLst/>
-          </a:prstGeom>
-        </p:spPr>
-        <p:txBody>
-          <a:bodyPr anchor="ctr"/>
+            <a:ext cx="2133000" cy="364320"/>
+          </a:xfrm>
+          <a:prstGeom prst="rect">
+            <a:avLst/>
+          </a:prstGeom>
+        </p:spPr>
+        <p:txBody>
+          <a:bodyPr anchor="ctr" bIns="45000" lIns="90000" rIns="90000" tIns="45000"/>
           <a:p>
             <a:pPr algn="r">
               <a:lnSpc>
                 <a:spcPct val="100000"/>
               </a:lnSpc>
             </a:pPr>
-            <a:fld id="{F1575055-1A5A-477C-9B11-B8C60AB32EC1}" type="slidenum">
+            <a:fld id="{BA09B5B5-020D-42B9-B141-2A63A27F32ED}" type="slidenum">
               <a:rPr lang="de-AT" sz="1200">
                 <a:solidFill>
                   <a:srgbClr val="8b8b8b"/>
@@ -9439,14 +9002,14 @@
       </p:grpSpPr>
       <p:sp>
         <p:nvSpPr>
-          <p:cNvPr id="127" name="TextShape 1"/>
-          <p:cNvSpPr txBox="1"/>
+          <p:cNvPr id="120" name="CustomShape 1"/>
+          <p:cNvSpPr/>
           <p:nvPr/>
         </p:nvSpPr>
         <p:spPr>
           <a:xfrm>
             <a:off x="391680" y="587520"/>
-            <a:ext cx="6400800" cy="587880"/>
+            <a:ext cx="6400440" cy="587520"/>
           </a:xfrm>
           <a:prstGeom prst="rect">
             <a:avLst/>
@@ -9475,14 +9038,14 @@
       </p:sp>
       <p:sp>
         <p:nvSpPr>
-          <p:cNvPr id="128" name="TextShape 2"/>
-          <p:cNvSpPr txBox="1"/>
+          <p:cNvPr id="121" name="CustomShape 2"/>
+          <p:cNvSpPr/>
           <p:nvPr/>
         </p:nvSpPr>
         <p:spPr>
           <a:xfrm>
             <a:off x="457200" y="1900440"/>
-            <a:ext cx="8046360" cy="3977640"/>
+            <a:ext cx="8046000" cy="3977280"/>
           </a:xfrm>
           <a:prstGeom prst="rect">
             <a:avLst/>
@@ -9492,23 +9055,49 @@
           <a:bodyPr anchor="ctr" bIns="0" lIns="0" rIns="0" tIns="0" wrap="none"/>
           <a:p>
             <a:pPr>
+              <a:lnSpc>
+                <a:spcPct val="100000"/>
+              </a:lnSpc>
+              <a:buSzPct val="25000"/>
+              <a:buFont typeface="StarSymbol"/>
+              <a:buChar char="l"/>
+            </a:pPr>
+            <a:r>
+              <a:rPr lang="de-AT" sz="3600">
+                <a:solidFill>
+                  <a:srgbClr val="000000"/>
+                </a:solidFill>
+                <a:latin typeface="Calibri"/>
+              </a:rPr>
+              <a:t>Modell</a:t>
+            </a:r>
+            <a:endParaRPr/>
+          </a:p>
+          <a:p>
+            <a:pPr lvl="2">
+              <a:lnSpc>
+                <a:spcPct val="100000"/>
+              </a:lnSpc>
               <a:buSzPct val="25000"/>
               <a:buFont typeface="StarSymbol"/>
               <a:buChar char=""/>
             </a:pPr>
             <a:r>
-              <a:rPr lang="de-AT" sz="3600">
+              <a:rPr lang="de-AT" sz="3200">
                 <a:solidFill>
                   <a:srgbClr val="000000"/>
                 </a:solidFill>
                 <a:latin typeface="Calibri"/>
               </a:rPr>
-              <a:t>Modell</a:t>
+              <a:t>Koordination</a:t>
             </a:r>
             <a:endParaRPr/>
           </a:p>
           <a:p>
             <a:pPr lvl="2">
+              <a:lnSpc>
+                <a:spcPct val="100000"/>
+              </a:lnSpc>
               <a:buSzPct val="25000"/>
               <a:buFont typeface="StarSymbol"/>
               <a:buChar char=""/>
@@ -9520,12 +9109,44 @@
                 </a:solidFill>
                 <a:latin typeface="Calibri"/>
               </a:rPr>
-              <a:t>Koordination</a:t>
+              <a:t>Kommunikation</a:t>
+            </a:r>
+            <a:endParaRPr/>
+          </a:p>
+          <a:p>
+            <a:pPr>
+              <a:lnSpc>
+                <a:spcPct val="100000"/>
+              </a:lnSpc>
+              <a:buSzPct val="25000"/>
+              <a:buFont typeface="StarSymbol"/>
+              <a:buChar char="l"/>
+            </a:pPr>
+            <a:r>
+              <a:rPr lang="de-AT" sz="3200">
+                <a:solidFill>
+                  <a:srgbClr val="000000"/>
+                </a:solidFill>
+                <a:latin typeface="Calibri"/>
+              </a:rPr>
+              <a:t>D</a:t>
+            </a:r>
+            <a:r>
+              <a:rPr lang="de-AT" sz="3600">
+                <a:solidFill>
+                  <a:srgbClr val="000000"/>
+                </a:solidFill>
+                <a:latin typeface="Calibri"/>
+              </a:rPr>
+              <a:t>atenorientiert</a:t>
             </a:r>
             <a:endParaRPr/>
           </a:p>
           <a:p>
             <a:pPr lvl="2">
+              <a:lnSpc>
+                <a:spcPct val="100000"/>
+              </a:lnSpc>
               <a:buSzPct val="25000"/>
               <a:buFont typeface="StarSymbol"/>
               <a:buChar char=""/>
@@ -9537,58 +9158,18 @@
                 </a:solidFill>
                 <a:latin typeface="Calibri"/>
               </a:rPr>
-              <a:t>Kommunikation</a:t>
-            </a:r>
-            <a:endParaRPr/>
-          </a:p>
-          <a:p>
-            <a:pPr>
+              <a:t>Spaces</a:t>
+            </a:r>
+            <a:endParaRPr/>
+          </a:p>
+          <a:p>
+            <a:pPr>
+              <a:lnSpc>
+                <a:spcPct val="100000"/>
+              </a:lnSpc>
               <a:buSzPct val="25000"/>
               <a:buFont typeface="StarSymbol"/>
-              <a:buChar char=""/>
-            </a:pPr>
-            <a:r>
-              <a:rPr lang="de-AT" sz="3200">
-                <a:solidFill>
-                  <a:srgbClr val="000000"/>
-                </a:solidFill>
-                <a:latin typeface="Calibri"/>
-              </a:rPr>
-              <a:t>D</a:t>
-            </a:r>
-            <a:r>
-              <a:rPr lang="de-AT" sz="3600">
-                <a:solidFill>
-                  <a:srgbClr val="000000"/>
-                </a:solidFill>
-                <a:latin typeface="Calibri"/>
-              </a:rPr>
-              <a:t>atenorientiert</a:t>
-            </a:r>
-            <a:endParaRPr/>
-          </a:p>
-          <a:p>
-            <a:pPr lvl="2">
-              <a:buSzPct val="25000"/>
-              <a:buFont typeface="StarSymbol"/>
-              <a:buChar char=""/>
-            </a:pPr>
-            <a:r>
-              <a:rPr lang="de-AT" sz="3200">
-                <a:solidFill>
-                  <a:srgbClr val="000000"/>
-                </a:solidFill>
-                <a:latin typeface="Calibri"/>
-              </a:rPr>
-              <a:t>Spaces</a:t>
-            </a:r>
-            <a:endParaRPr/>
-          </a:p>
-          <a:p>
-            <a:pPr>
-              <a:buSzPct val="25000"/>
-              <a:buFont typeface="StarSymbol"/>
-              <a:buChar char=""/>
+              <a:buChar char="l"/>
             </a:pPr>
             <a:r>
               <a:rPr lang="de-AT" sz="3600">
@@ -9627,14 +9208,14 @@
       </p:grpSpPr>
       <p:sp>
         <p:nvSpPr>
-          <p:cNvPr id="129" name="TextShape 1"/>
-          <p:cNvSpPr txBox="1"/>
+          <p:cNvPr id="122" name="CustomShape 1"/>
+          <p:cNvSpPr/>
           <p:nvPr/>
         </p:nvSpPr>
         <p:spPr>
           <a:xfrm>
             <a:off x="391680" y="587520"/>
-            <a:ext cx="6400800" cy="587880"/>
+            <a:ext cx="6400440" cy="587520"/>
           </a:xfrm>
           <a:prstGeom prst="rect">
             <a:avLst/>
@@ -9663,14 +9244,14 @@
       </p:sp>
       <p:sp>
         <p:nvSpPr>
-          <p:cNvPr id="130" name="TextShape 2"/>
-          <p:cNvSpPr txBox="1"/>
+          <p:cNvPr id="123" name="CustomShape 2"/>
+          <p:cNvSpPr/>
           <p:nvPr/>
         </p:nvSpPr>
         <p:spPr>
           <a:xfrm>
             <a:off x="457200" y="1852920"/>
-            <a:ext cx="8046360" cy="4072680"/>
+            <a:ext cx="8046000" cy="4072320"/>
           </a:xfrm>
           <a:prstGeom prst="rect">
             <a:avLst/>
@@ -9680,23 +9261,97 @@
           <a:bodyPr anchor="ctr" bIns="0" lIns="0" rIns="0" tIns="0" wrap="none"/>
           <a:p>
             <a:pPr>
+              <a:lnSpc>
+                <a:spcPct val="100000"/>
+              </a:lnSpc>
+              <a:buSzPct val="25000"/>
+              <a:buFont typeface="StarSymbol"/>
+              <a:buChar char="l"/>
+            </a:pPr>
+            <a:r>
+              <a:rPr lang="de-AT" sz="3600">
+                <a:solidFill>
+                  <a:srgbClr val="000000"/>
+                </a:solidFill>
+                <a:latin typeface="Calibri"/>
+              </a:rPr>
+              <a:t>Chaotische Kommunikation</a:t>
+            </a:r>
+            <a:endParaRPr/>
+          </a:p>
+          <a:p>
+            <a:pPr lvl="2">
+              <a:lnSpc>
+                <a:spcPct val="100000"/>
+              </a:lnSpc>
               <a:buSzPct val="25000"/>
               <a:buFont typeface="StarSymbol"/>
               <a:buChar char=""/>
             </a:pPr>
             <a:r>
+              <a:rPr lang="de-AT" sz="3200">
+                <a:solidFill>
+                  <a:srgbClr val="000000"/>
+                </a:solidFill>
+                <a:latin typeface="Calibri"/>
+              </a:rPr>
+              <a:t>Sockets, RMI etc.</a:t>
+            </a:r>
+            <a:endParaRPr/>
+          </a:p>
+          <a:p>
+            <a:pPr>
+              <a:lnSpc>
+                <a:spcPct val="100000"/>
+              </a:lnSpc>
+            </a:pPr>
+            <a:endParaRPr/>
+          </a:p>
+          <a:p>
+            <a:pPr>
+              <a:lnSpc>
+                <a:spcPct val="100000"/>
+              </a:lnSpc>
+              <a:buSzPct val="25000"/>
+              <a:buFont typeface="StarSymbol"/>
+              <a:buChar char="l"/>
+            </a:pPr>
+            <a:r>
               <a:rPr lang="de-AT" sz="3600">
                 <a:solidFill>
                   <a:srgbClr val="000000"/>
                 </a:solidFill>
                 <a:latin typeface="Calibri"/>
               </a:rPr>
-              <a:t>Chaotische Kommunikation</a:t>
+              <a:t>Enterprise Application Integration</a:t>
+            </a:r>
+            <a:endParaRPr/>
+          </a:p>
+          <a:p>
+            <a:pPr>
+              <a:lnSpc>
+                <a:spcPct val="100000"/>
+              </a:lnSpc>
+              <a:buSzPct val="25000"/>
+              <a:buFont typeface="StarSymbol"/>
+              <a:buChar char="l"/>
+            </a:pPr>
+            <a:r>
+              <a:rPr lang="de-AT" sz="3600">
+                <a:solidFill>
+                  <a:srgbClr val="000000"/>
+                </a:solidFill>
+                <a:latin typeface="Calibri"/>
+              </a:rPr>
+              <a:t>ORB, MQ, ESB...</a:t>
             </a:r>
             <a:endParaRPr/>
           </a:p>
           <a:p>
             <a:pPr lvl="2">
+              <a:lnSpc>
+                <a:spcPct val="100000"/>
+              </a:lnSpc>
               <a:buSzPct val="25000"/>
               <a:buFont typeface="StarSymbol"/>
               <a:buChar char=""/>
@@ -9708,71 +9363,15 @@
                 </a:solidFill>
                 <a:latin typeface="Calibri"/>
               </a:rPr>
-              <a:t>Sockets, RMI etc.</a:t>
-            </a:r>
-            <a:endParaRPr/>
-          </a:p>
-          <a:p>
-            <a:pPr>
-              <a:buSzPct val="25000"/>
-              <a:buFont typeface="StarSymbol"/>
-              <a:buChar char=""/>
-            </a:pPr>
-            <a:endParaRPr/>
-          </a:p>
-          <a:p>
-            <a:pPr>
-              <a:buSzPct val="25000"/>
-              <a:buFont typeface="StarSymbol"/>
-              <a:buChar char=""/>
-            </a:pPr>
-            <a:r>
-              <a:rPr lang="de-AT" sz="3600">
-                <a:solidFill>
-                  <a:srgbClr val="000000"/>
-                </a:solidFill>
-                <a:latin typeface="Calibri"/>
-              </a:rPr>
-              <a:t>Enterprise Application Integration</a:t>
-            </a:r>
-            <a:endParaRPr/>
-          </a:p>
-          <a:p>
-            <a:pPr>
-              <a:buSzPct val="25000"/>
-              <a:buFont typeface="StarSymbol"/>
-              <a:buChar char=""/>
-            </a:pPr>
-            <a:r>
-              <a:rPr lang="de-AT" sz="3600">
-                <a:solidFill>
-                  <a:srgbClr val="000000"/>
-                </a:solidFill>
-                <a:latin typeface="Calibri"/>
-              </a:rPr>
-              <a:t>ORB, MQ, ESB...</a:t>
+              <a:t>Nachrichtenorientiert</a:t>
             </a:r>
             <a:endParaRPr/>
           </a:p>
           <a:p>
             <a:pPr lvl="2">
-              <a:buSzPct val="25000"/>
-              <a:buFont typeface="StarSymbol"/>
-              <a:buChar char=""/>
-            </a:pPr>
-            <a:r>
-              <a:rPr lang="de-AT" sz="3200">
-                <a:solidFill>
-                  <a:srgbClr val="000000"/>
-                </a:solidFill>
-                <a:latin typeface="Calibri"/>
-              </a:rPr>
-              <a:t>Nachrichtenorientiert</a:t>
-            </a:r>
-            <a:endParaRPr/>
-          </a:p>
-          <a:p>
-            <a:pPr lvl="2">
+              <a:lnSpc>
+                <a:spcPct val="100000"/>
+              </a:lnSpc>
               <a:buSzPct val="25000"/>
               <a:buFont typeface="StarSymbol"/>
               <a:buChar char=""/>
@@ -9814,14 +9413,14 @@
       </p:grpSpPr>
       <p:sp>
         <p:nvSpPr>
-          <p:cNvPr id="131" name="TextShape 1"/>
-          <p:cNvSpPr txBox="1"/>
+          <p:cNvPr id="124" name="CustomShape 1"/>
+          <p:cNvSpPr/>
           <p:nvPr/>
         </p:nvSpPr>
         <p:spPr>
           <a:xfrm>
             <a:off x="391680" y="587520"/>
-            <a:ext cx="6400800" cy="587880"/>
+            <a:ext cx="6400440" cy="587520"/>
           </a:xfrm>
           <a:prstGeom prst="rect">
             <a:avLst/>
@@ -9850,14 +9449,14 @@
       </p:sp>
       <p:sp>
         <p:nvSpPr>
-          <p:cNvPr id="132" name="TextShape 2"/>
-          <p:cNvSpPr txBox="1"/>
+          <p:cNvPr id="125" name="CustomShape 2"/>
+          <p:cNvSpPr/>
           <p:nvPr/>
         </p:nvSpPr>
         <p:spPr>
           <a:xfrm>
             <a:off x="457200" y="1900440"/>
-            <a:ext cx="8046360" cy="4384800"/>
+            <a:ext cx="8046000" cy="4384440"/>
           </a:xfrm>
           <a:prstGeom prst="rect">
             <a:avLst/>
@@ -9867,23 +9466,49 @@
           <a:bodyPr anchor="ctr" bIns="0" lIns="0" rIns="0" tIns="0" wrap="none"/>
           <a:p>
             <a:pPr>
+              <a:lnSpc>
+                <a:spcPct val="100000"/>
+              </a:lnSpc>
+              <a:buSzPct val="25000"/>
+              <a:buFont typeface="StarSymbol"/>
+              <a:buChar char="l"/>
+            </a:pPr>
+            <a:r>
+              <a:rPr lang="de-AT" sz="3600">
+                <a:solidFill>
+                  <a:srgbClr val="000000"/>
+                </a:solidFill>
+                <a:latin typeface="Calibri"/>
+              </a:rPr>
+              <a:t>Kommunikation</a:t>
+            </a:r>
+            <a:endParaRPr/>
+          </a:p>
+          <a:p>
+            <a:pPr lvl="2">
+              <a:lnSpc>
+                <a:spcPct val="100000"/>
+              </a:lnSpc>
               <a:buSzPct val="25000"/>
               <a:buFont typeface="StarSymbol"/>
               <a:buChar char=""/>
             </a:pPr>
             <a:r>
-              <a:rPr lang="de-AT" sz="3600">
+              <a:rPr lang="de-AT" sz="3200">
                 <a:solidFill>
                   <a:srgbClr val="000000"/>
                 </a:solidFill>
                 <a:latin typeface="Calibri"/>
               </a:rPr>
-              <a:t>Kommunikation</a:t>
-            </a:r>
-            <a:endParaRPr/>
-          </a:p>
-          <a:p>
-            <a:pPr lvl="2">
+              <a:t>Nicht Zeitkritisch</a:t>
+            </a:r>
+            <a:endParaRPr/>
+          </a:p>
+          <a:p>
+            <a:pPr algn="just" lvl="2">
+              <a:lnSpc>
+                <a:spcPct val="100000"/>
+              </a:lnSpc>
               <a:buSzPct val="25000"/>
               <a:buFont typeface="StarSymbol"/>
               <a:buChar char=""/>
@@ -9895,12 +9520,35 @@
                 </a:solidFill>
                 <a:latin typeface="Calibri"/>
               </a:rPr>
-              <a:t>Nicht Zeitkritisch</a:t>
-            </a:r>
-            <a:endParaRPr/>
-          </a:p>
-          <a:p>
-            <a:pPr algn="just" lvl="2">
+              <a:t>Asynchron</a:t>
+            </a:r>
+            <a:endParaRPr/>
+          </a:p>
+          <a:p>
+            <a:pPr>
+              <a:lnSpc>
+                <a:spcPct val="100000"/>
+              </a:lnSpc>
+              <a:buSzPct val="25000"/>
+              <a:buFont typeface="StarSymbol"/>
+              <a:buChar char="l"/>
+            </a:pPr>
+            <a:r>
+              <a:rPr lang="de-AT" sz="3600">
+                <a:solidFill>
+                  <a:srgbClr val="000000"/>
+                </a:solidFill>
+                <a:latin typeface="Calibri"/>
+              </a:rPr>
+              <a:t>Große Systeme</a:t>
+            </a:r>
+            <a:endParaRPr/>
+          </a:p>
+          <a:p>
+            <a:pPr lvl="2">
+              <a:lnSpc>
+                <a:spcPct val="100000"/>
+              </a:lnSpc>
               <a:buSzPct val="25000"/>
               <a:buFont typeface="StarSymbol"/>
               <a:buChar char=""/>
@@ -9912,46 +9560,15 @@
                 </a:solidFill>
                 <a:latin typeface="Calibri"/>
               </a:rPr>
-              <a:t>Asynchron</a:t>
-            </a:r>
-            <a:endParaRPr/>
-          </a:p>
-          <a:p>
-            <a:pPr>
-              <a:buSzPct val="25000"/>
-              <a:buFont typeface="StarSymbol"/>
-              <a:buChar char=""/>
-            </a:pPr>
-            <a:r>
-              <a:rPr lang="de-AT" sz="3600">
-                <a:solidFill>
-                  <a:srgbClr val="000000"/>
-                </a:solidFill>
-                <a:latin typeface="Calibri"/>
-              </a:rPr>
-              <a:t>Große Systeme</a:t>
+              <a:t>Skalierbar</a:t>
             </a:r>
             <a:endParaRPr/>
           </a:p>
           <a:p>
             <a:pPr lvl="2">
-              <a:buSzPct val="25000"/>
-              <a:buFont typeface="StarSymbol"/>
-              <a:buChar char=""/>
-            </a:pPr>
-            <a:r>
-              <a:rPr lang="de-AT" sz="3200">
-                <a:solidFill>
-                  <a:srgbClr val="000000"/>
-                </a:solidFill>
-                <a:latin typeface="Calibri"/>
-              </a:rPr>
-              <a:t>Skalierbar</a:t>
-            </a:r>
-            <a:endParaRPr/>
-          </a:p>
-          <a:p>
-            <a:pPr lvl="2">
+              <a:lnSpc>
+                <a:spcPct val="100000"/>
+              </a:lnSpc>
               <a:buSzPct val="25000"/>
               <a:buFont typeface="StarSymbol"/>
               <a:buChar char=""/>
@@ -9993,21 +9610,21 @@
       </p:grpSpPr>
       <p:sp>
         <p:nvSpPr>
-          <p:cNvPr id="133" name="TextShape 1"/>
-          <p:cNvSpPr txBox="1"/>
+          <p:cNvPr id="126" name="CustomShape 1"/>
+          <p:cNvSpPr/>
           <p:nvPr/>
         </p:nvSpPr>
         <p:spPr>
           <a:xfrm>
             <a:off x="457200" y="274680"/>
-            <a:ext cx="8229240" cy="1142640"/>
-          </a:xfrm>
-          <a:prstGeom prst="rect">
-            <a:avLst/>
-          </a:prstGeom>
-        </p:spPr>
-        <p:txBody>
-          <a:bodyPr anchor="ctr"/>
+            <a:ext cx="8228880" cy="1142280"/>
+          </a:xfrm>
+          <a:prstGeom prst="rect">
+            <a:avLst/>
+          </a:prstGeom>
+        </p:spPr>
+        <p:txBody>
+          <a:bodyPr anchor="ctr" bIns="45000" lIns="90000" rIns="90000" tIns="45000"/>
           <a:p>
             <a:pPr algn="ctr">
               <a:lnSpc>
@@ -10029,21 +9646,21 @@
       </p:sp>
       <p:sp>
         <p:nvSpPr>
-          <p:cNvPr id="134" name="TextShape 2"/>
-          <p:cNvSpPr txBox="1"/>
+          <p:cNvPr id="127" name="CustomShape 2"/>
+          <p:cNvSpPr/>
           <p:nvPr/>
         </p:nvSpPr>
         <p:spPr>
           <a:xfrm>
             <a:off x="457200" y="1600200"/>
-            <a:ext cx="8229240" cy="4525560"/>
-          </a:xfrm>
-          <a:prstGeom prst="rect">
-            <a:avLst/>
-          </a:prstGeom>
-        </p:spPr>
-        <p:txBody>
-          <a:bodyPr/>
+            <a:ext cx="8228880" cy="4525200"/>
+          </a:xfrm>
+          <a:prstGeom prst="rect">
+            <a:avLst/>
+          </a:prstGeom>
+        </p:spPr>
+        <p:txBody>
+          <a:bodyPr bIns="45000" lIns="90000" rIns="90000" tIns="45000"/>
           <a:p>
             <a:pPr>
               <a:lnSpc>
@@ -10086,21 +9703,21 @@
       </p:sp>
       <p:sp>
         <p:nvSpPr>
-          <p:cNvPr id="135" name="TextShape 3"/>
-          <p:cNvSpPr txBox="1"/>
+          <p:cNvPr id="128" name="CustomShape 3"/>
+          <p:cNvSpPr/>
           <p:nvPr/>
         </p:nvSpPr>
         <p:spPr>
           <a:xfrm>
             <a:off x="457200" y="6356520"/>
-            <a:ext cx="2133360" cy="364680"/>
-          </a:xfrm>
-          <a:prstGeom prst="rect">
-            <a:avLst/>
-          </a:prstGeom>
-        </p:spPr>
-        <p:txBody>
-          <a:bodyPr anchor="ctr"/>
+            <a:ext cx="2133000" cy="364320"/>
+          </a:xfrm>
+          <a:prstGeom prst="rect">
+            <a:avLst/>
+          </a:prstGeom>
+        </p:spPr>
+        <p:txBody>
+          <a:bodyPr anchor="ctr" bIns="45000" lIns="90000" rIns="90000" tIns="45000"/>
           <a:p>
             <a:pPr>
               <a:lnSpc>
@@ -10122,21 +9739,21 @@
       </p:sp>
       <p:sp>
         <p:nvSpPr>
-          <p:cNvPr id="136" name="TextShape 4"/>
-          <p:cNvSpPr txBox="1"/>
+          <p:cNvPr id="129" name="CustomShape 4"/>
+          <p:cNvSpPr/>
           <p:nvPr/>
         </p:nvSpPr>
         <p:spPr>
           <a:xfrm>
             <a:off x="3124080" y="6356520"/>
-            <a:ext cx="2895120" cy="364680"/>
-          </a:xfrm>
-          <a:prstGeom prst="rect">
-            <a:avLst/>
-          </a:prstGeom>
-        </p:spPr>
-        <p:txBody>
-          <a:bodyPr anchor="ctr"/>
+            <a:ext cx="2894760" cy="364320"/>
+          </a:xfrm>
+          <a:prstGeom prst="rect">
+            <a:avLst/>
+          </a:prstGeom>
+        </p:spPr>
+        <p:txBody>
+          <a:bodyPr anchor="ctr" bIns="45000" lIns="90000" rIns="90000" tIns="45000"/>
           <a:p>
             <a:pPr algn="ctr">
               <a:lnSpc>
@@ -10158,28 +9775,28 @@
       </p:sp>
       <p:sp>
         <p:nvSpPr>
-          <p:cNvPr id="137" name="TextShape 5"/>
-          <p:cNvSpPr txBox="1"/>
+          <p:cNvPr id="130" name="CustomShape 5"/>
+          <p:cNvSpPr/>
           <p:nvPr/>
         </p:nvSpPr>
         <p:spPr>
           <a:xfrm>
             <a:off x="6553080" y="6356520"/>
-            <a:ext cx="2133360" cy="364680"/>
-          </a:xfrm>
-          <a:prstGeom prst="rect">
-            <a:avLst/>
-          </a:prstGeom>
-        </p:spPr>
-        <p:txBody>
-          <a:bodyPr anchor="ctr"/>
+            <a:ext cx="2133000" cy="364320"/>
+          </a:xfrm>
+          <a:prstGeom prst="rect">
+            <a:avLst/>
+          </a:prstGeom>
+        </p:spPr>
+        <p:txBody>
+          <a:bodyPr anchor="ctr" bIns="45000" lIns="90000" rIns="90000" tIns="45000"/>
           <a:p>
             <a:pPr algn="r">
               <a:lnSpc>
                 <a:spcPct val="100000"/>
               </a:lnSpc>
             </a:pPr>
-            <a:fld id="{F1B5AABD-4641-4C12-ACB7-18548D5CCCEF}" type="slidenum">
+            <a:fld id="{2863D71B-CE62-44A9-91AD-B260A48F29F1}" type="slidenum">
               <a:rPr lang="de-AT" sz="1200">
                 <a:solidFill>
                   <a:srgbClr val="8b8b8b"/>
@@ -10216,21 +9833,21 @@
       </p:grpSpPr>
       <p:sp>
         <p:nvSpPr>
-          <p:cNvPr id="138" name="TextShape 1"/>
-          <p:cNvSpPr txBox="1"/>
+          <p:cNvPr id="131" name="CustomShape 1"/>
+          <p:cNvSpPr/>
           <p:nvPr/>
         </p:nvSpPr>
         <p:spPr>
           <a:xfrm>
             <a:off x="457200" y="274680"/>
-            <a:ext cx="8229240" cy="1142640"/>
-          </a:xfrm>
-          <a:prstGeom prst="rect">
-            <a:avLst/>
-          </a:prstGeom>
-        </p:spPr>
-        <p:txBody>
-          <a:bodyPr anchor="ctr"/>
+            <a:ext cx="8228880" cy="1142280"/>
+          </a:xfrm>
+          <a:prstGeom prst="rect">
+            <a:avLst/>
+          </a:prstGeom>
+        </p:spPr>
+        <p:txBody>
+          <a:bodyPr anchor="ctr" bIns="45000" lIns="90000" rIns="90000" tIns="45000"/>
           <a:p>
             <a:pPr>
               <a:lnSpc>
@@ -10252,23 +9869,43 @@
       </p:sp>
       <p:sp>
         <p:nvSpPr>
-          <p:cNvPr id="139" name="TextShape 2"/>
-          <p:cNvSpPr txBox="1"/>
+          <p:cNvPr id="132" name="CustomShape 2"/>
+          <p:cNvSpPr/>
           <p:nvPr/>
         </p:nvSpPr>
         <p:spPr>
           <a:xfrm>
             <a:off x="457200" y="1600200"/>
-            <a:ext cx="8229240" cy="4525560"/>
-          </a:xfrm>
-          <a:prstGeom prst="rect">
-            <a:avLst/>
-          </a:prstGeom>
-        </p:spPr>
-        <p:txBody>
-          <a:bodyPr/>
-          <a:p>
-            <a:pPr>
+            <a:ext cx="8228880" cy="4525200"/>
+          </a:xfrm>
+          <a:prstGeom prst="rect">
+            <a:avLst/>
+          </a:prstGeom>
+        </p:spPr>
+        <p:txBody>
+          <a:bodyPr bIns="45000" lIns="90000" rIns="90000" tIns="45000"/>
+          <a:p>
+            <a:pPr>
+              <a:lnSpc>
+                <a:spcPct val="100000"/>
+              </a:lnSpc>
+              <a:buSzPct val="25000"/>
+              <a:buFont typeface="StarSymbol"/>
+              <a:buChar char="l"/>
+            </a:pPr>
+            <a:r>
+              <a:rPr lang="de-AT" sz="3600">
+                <a:solidFill>
+                  <a:srgbClr val="000000"/>
+                </a:solidFill>
+                <a:latin typeface="Calibri"/>
+              </a:rPr>
+              <a:t>Decoupling of Interaction</a:t>
+            </a:r>
+            <a:endParaRPr/>
+          </a:p>
+          <a:p>
+            <a:pPr lvl="1">
               <a:lnSpc>
                 <a:spcPct val="100000"/>
               </a:lnSpc>
@@ -10277,13 +9914,13 @@
               <a:buChar char=""/>
             </a:pPr>
             <a:r>
-              <a:rPr lang="de-AT" sz="3600">
+              <a:rPr lang="de-AT" sz="3200">
                 <a:solidFill>
                   <a:srgbClr val="000000"/>
                 </a:solidFill>
                 <a:latin typeface="Calibri"/>
               </a:rPr>
-              <a:t>Decoupling of Intereaction</a:t>
+              <a:t>Zeit</a:t>
             </a:r>
             <a:endParaRPr/>
           </a:p>
@@ -10303,7 +9940,7 @@
                 </a:solidFill>
                 <a:latin typeface="Calibri"/>
               </a:rPr>
-              <a:t>Zeit</a:t>
+              <a:t>Space</a:t>
             </a:r>
             <a:endParaRPr/>
           </a:p>
@@ -10323,26 +9960,6 @@
                 </a:solidFill>
                 <a:latin typeface="Calibri"/>
               </a:rPr>
-              <a:t>Space</a:t>
-            </a:r>
-            <a:endParaRPr/>
-          </a:p>
-          <a:p>
-            <a:pPr lvl="1">
-              <a:lnSpc>
-                <a:spcPct val="100000"/>
-              </a:lnSpc>
-              <a:buSzPct val="25000"/>
-              <a:buFont typeface="StarSymbol"/>
-              <a:buChar char=""/>
-            </a:pPr>
-            <a:r>
-              <a:rPr lang="de-AT" sz="3200">
-                <a:solidFill>
-                  <a:srgbClr val="000000"/>
-                </a:solidFill>
-                <a:latin typeface="Calibri"/>
-              </a:rPr>
               <a:t>Referenz</a:t>
             </a:r>
             <a:endParaRPr/>
@@ -10351,21 +9968,21 @@
       </p:sp>
       <p:sp>
         <p:nvSpPr>
-          <p:cNvPr id="140" name="TextShape 3"/>
-          <p:cNvSpPr txBox="1"/>
+          <p:cNvPr id="133" name="CustomShape 3"/>
+          <p:cNvSpPr/>
           <p:nvPr/>
         </p:nvSpPr>
         <p:spPr>
           <a:xfrm>
             <a:off x="457200" y="6356520"/>
-            <a:ext cx="2133360" cy="364680"/>
-          </a:xfrm>
-          <a:prstGeom prst="rect">
-            <a:avLst/>
-          </a:prstGeom>
-        </p:spPr>
-        <p:txBody>
-          <a:bodyPr anchor="ctr"/>
+            <a:ext cx="2133000" cy="364320"/>
+          </a:xfrm>
+          <a:prstGeom prst="rect">
+            <a:avLst/>
+          </a:prstGeom>
+        </p:spPr>
+        <p:txBody>
+          <a:bodyPr anchor="ctr" bIns="45000" lIns="90000" rIns="90000" tIns="45000"/>
           <a:p>
             <a:pPr>
               <a:lnSpc>
@@ -10387,21 +10004,21 @@
       </p:sp>
       <p:sp>
         <p:nvSpPr>
-          <p:cNvPr id="141" name="TextShape 4"/>
-          <p:cNvSpPr txBox="1"/>
+          <p:cNvPr id="134" name="CustomShape 4"/>
+          <p:cNvSpPr/>
           <p:nvPr/>
         </p:nvSpPr>
         <p:spPr>
           <a:xfrm>
             <a:off x="3124080" y="6356520"/>
-            <a:ext cx="2895120" cy="364680"/>
-          </a:xfrm>
-          <a:prstGeom prst="rect">
-            <a:avLst/>
-          </a:prstGeom>
-        </p:spPr>
-        <p:txBody>
-          <a:bodyPr anchor="ctr"/>
+            <a:ext cx="2894760" cy="364320"/>
+          </a:xfrm>
+          <a:prstGeom prst="rect">
+            <a:avLst/>
+          </a:prstGeom>
+        </p:spPr>
+        <p:txBody>
+          <a:bodyPr anchor="ctr" bIns="45000" lIns="90000" rIns="90000" tIns="45000"/>
           <a:p>
             <a:pPr algn="ctr">
               <a:lnSpc>
@@ -10423,28 +10040,28 @@
       </p:sp>
       <p:sp>
         <p:nvSpPr>
-          <p:cNvPr id="142" name="TextShape 5"/>
-          <p:cNvSpPr txBox="1"/>
+          <p:cNvPr id="135" name="CustomShape 5"/>
+          <p:cNvSpPr/>
           <p:nvPr/>
         </p:nvSpPr>
         <p:spPr>
           <a:xfrm>
             <a:off x="6553080" y="6356520"/>
-            <a:ext cx="2133360" cy="364680"/>
-          </a:xfrm>
-          <a:prstGeom prst="rect">
-            <a:avLst/>
-          </a:prstGeom>
-        </p:spPr>
-        <p:txBody>
-          <a:bodyPr anchor="ctr"/>
+            <a:ext cx="2133000" cy="364320"/>
+          </a:xfrm>
+          <a:prstGeom prst="rect">
+            <a:avLst/>
+          </a:prstGeom>
+        </p:spPr>
+        <p:txBody>
+          <a:bodyPr anchor="ctr" bIns="45000" lIns="90000" rIns="90000" tIns="45000"/>
           <a:p>
             <a:pPr algn="r">
               <a:lnSpc>
                 <a:spcPct val="100000"/>
               </a:lnSpc>
             </a:pPr>
-            <a:fld id="{241F4354-A2C9-49D3-BB8E-9618A4DA9433}" type="slidenum">
+            <a:fld id="{AAD0518E-DD47-497D-816C-C1109DE97F51}" type="slidenum">
               <a:rPr lang="de-AT" sz="1200">
                 <a:solidFill>
                   <a:srgbClr val="8b8b8b"/>
@@ -10459,6 +10076,33 @@
       </p:sp>
     </p:spTree>
   </p:cSld>
+  <p:timing>
+    <p:tnLst>
+      <p:par>
+        <p:cTn dur="indefinite" id="1" nodeType="tmRoot" restart="never">
+          <p:childTnLst>
+            <p:seq>
+              <p:cTn id="2" nodeType="mainSeq"/>
+              <p:prevCondLst>
+                <p:cond delay="0" evt="onPrev">
+                  <p:tgtEl>
+                    <p:sldTgt/>
+                  </p:tgtEl>
+                </p:cond>
+              </p:prevCondLst>
+              <p:nextCondLst>
+                <p:cond delay="0" evt="onNext">
+                  <p:tgtEl>
+                    <p:sldTgt/>
+                  </p:tgtEl>
+                </p:cond>
+              </p:nextCondLst>
+            </p:seq>
+          </p:childTnLst>
+        </p:cTn>
+      </p:par>
+    </p:tnLst>
+  </p:timing>
 </p:sld>
 </file>
 
@@ -10481,21 +10125,21 @@
       </p:grpSpPr>
       <p:sp>
         <p:nvSpPr>
-          <p:cNvPr id="143" name="TextShape 1"/>
-          <p:cNvSpPr txBox="1"/>
+          <p:cNvPr id="136" name="CustomShape 1"/>
+          <p:cNvSpPr/>
           <p:nvPr/>
         </p:nvSpPr>
         <p:spPr>
           <a:xfrm>
             <a:off x="457200" y="274680"/>
-            <a:ext cx="8229240" cy="1142640"/>
-          </a:xfrm>
-          <a:prstGeom prst="rect">
-            <a:avLst/>
-          </a:prstGeom>
-        </p:spPr>
-        <p:txBody>
-          <a:bodyPr anchor="ctr"/>
+            <a:ext cx="8228880" cy="1142280"/>
+          </a:xfrm>
+          <a:prstGeom prst="rect">
+            <a:avLst/>
+          </a:prstGeom>
+        </p:spPr>
+        <p:txBody>
+          <a:bodyPr anchor="ctr" bIns="45000" lIns="90000" rIns="90000" tIns="45000"/>
           <a:p>
             <a:pPr>
               <a:lnSpc>
@@ -10517,23 +10161,43 @@
       </p:sp>
       <p:sp>
         <p:nvSpPr>
-          <p:cNvPr id="144" name="TextShape 2"/>
-          <p:cNvSpPr txBox="1"/>
+          <p:cNvPr id="137" name="CustomShape 2"/>
+          <p:cNvSpPr/>
           <p:nvPr/>
         </p:nvSpPr>
         <p:spPr>
           <a:xfrm>
             <a:off x="457200" y="1600200"/>
-            <a:ext cx="8229240" cy="4525560"/>
-          </a:xfrm>
-          <a:prstGeom prst="rect">
-            <a:avLst/>
-          </a:prstGeom>
-        </p:spPr>
-        <p:txBody>
-          <a:bodyPr/>
-          <a:p>
-            <a:pPr>
+            <a:ext cx="8228880" cy="4525200"/>
+          </a:xfrm>
+          <a:prstGeom prst="rect">
+            <a:avLst/>
+          </a:prstGeom>
+        </p:spPr>
+        <p:txBody>
+          <a:bodyPr bIns="45000" lIns="90000" rIns="90000" tIns="45000"/>
+          <a:p>
+            <a:pPr>
+              <a:lnSpc>
+                <a:spcPct val="100000"/>
+              </a:lnSpc>
+              <a:buSzPct val="25000"/>
+              <a:buFont typeface="StarSymbol"/>
+              <a:buChar char="l"/>
+            </a:pPr>
+            <a:r>
+              <a:rPr lang="de-AT" sz="3600">
+                <a:solidFill>
+                  <a:srgbClr val="000000"/>
+                </a:solidFill>
+                <a:latin typeface="Calibri"/>
+              </a:rPr>
+              <a:t>Zugriffskonzept</a:t>
+            </a:r>
+            <a:endParaRPr/>
+          </a:p>
+          <a:p>
+            <a:pPr lvl="1">
               <a:lnSpc>
                 <a:spcPct val="100000"/>
               </a:lnSpc>
@@ -10542,13 +10206,13 @@
               <a:buChar char=""/>
             </a:pPr>
             <a:r>
-              <a:rPr lang="de-AT" sz="3600">
+              <a:rPr lang="de-AT" sz="3200">
                 <a:solidFill>
                   <a:srgbClr val="000000"/>
                 </a:solidFill>
                 <a:latin typeface="Calibri"/>
               </a:rPr>
-              <a:t>Zugriffskonzept</a:t>
+              <a:t>Load Balancing</a:t>
             </a:r>
             <a:endParaRPr/>
           </a:p>
@@ -10568,7 +10232,7 @@
                 </a:solidFill>
                 <a:latin typeface="Calibri"/>
               </a:rPr>
-              <a:t>Load Balancing</a:t>
+              <a:t>Ausfallsicherheit</a:t>
             </a:r>
             <a:endParaRPr/>
           </a:p>
@@ -10588,46 +10252,26 @@
                 </a:solidFill>
                 <a:latin typeface="Calibri"/>
               </a:rPr>
-              <a:t>Ausfallsicherheit</a:t>
-            </a:r>
-            <a:endParaRPr/>
-          </a:p>
-          <a:p>
-            <a:pPr lvl="1">
+              <a:t>Zugriffszeiten</a:t>
+            </a:r>
+            <a:endParaRPr/>
+          </a:p>
+          <a:p>
+            <a:pPr>
               <a:lnSpc>
                 <a:spcPct val="100000"/>
               </a:lnSpc>
               <a:buSzPct val="25000"/>
               <a:buFont typeface="StarSymbol"/>
-              <a:buChar char=""/>
-            </a:pPr>
-            <a:r>
-              <a:rPr lang="de-AT" sz="3200">
+              <a:buChar char="l"/>
+            </a:pPr>
+            <a:r>
+              <a:rPr lang="de-AT" sz="3600">
                 <a:solidFill>
                   <a:srgbClr val="000000"/>
                 </a:solidFill>
                 <a:latin typeface="Calibri"/>
               </a:rPr>
-              <a:t>Zugriffszeiten</a:t>
-            </a:r>
-            <a:endParaRPr/>
-          </a:p>
-          <a:p>
-            <a:pPr>
-              <a:lnSpc>
-                <a:spcPct val="100000"/>
-              </a:lnSpc>
-              <a:buSzPct val="25000"/>
-              <a:buFont typeface="StarSymbol"/>
-              <a:buChar char=""/>
-            </a:pPr>
-            <a:r>
-              <a:rPr lang="de-AT" sz="3600">
-                <a:solidFill>
-                  <a:srgbClr val="000000"/>
-                </a:solidFill>
-                <a:latin typeface="Calibri"/>
-              </a:rPr>
               <a:t>Daten-Speichersturktur</a:t>
             </a:r>
             <a:endParaRPr/>
@@ -10636,21 +10280,21 @@
       </p:sp>
       <p:sp>
         <p:nvSpPr>
-          <p:cNvPr id="145" name="TextShape 3"/>
-          <p:cNvSpPr txBox="1"/>
+          <p:cNvPr id="138" name="CustomShape 3"/>
+          <p:cNvSpPr/>
           <p:nvPr/>
         </p:nvSpPr>
         <p:spPr>
           <a:xfrm>
             <a:off x="457200" y="6356520"/>
-            <a:ext cx="2133360" cy="364680"/>
-          </a:xfrm>
-          <a:prstGeom prst="rect">
-            <a:avLst/>
-          </a:prstGeom>
-        </p:spPr>
-        <p:txBody>
-          <a:bodyPr anchor="ctr"/>
+            <a:ext cx="2133000" cy="364320"/>
+          </a:xfrm>
+          <a:prstGeom prst="rect">
+            <a:avLst/>
+          </a:prstGeom>
+        </p:spPr>
+        <p:txBody>
+          <a:bodyPr anchor="ctr" bIns="45000" lIns="90000" rIns="90000" tIns="45000"/>
           <a:p>
             <a:pPr>
               <a:lnSpc>
@@ -10672,21 +10316,21 @@
       </p:sp>
       <p:sp>
         <p:nvSpPr>
-          <p:cNvPr id="146" name="TextShape 4"/>
-          <p:cNvSpPr txBox="1"/>
+          <p:cNvPr id="139" name="CustomShape 4"/>
+          <p:cNvSpPr/>
           <p:nvPr/>
         </p:nvSpPr>
         <p:spPr>
           <a:xfrm>
             <a:off x="3124080" y="6356520"/>
-            <a:ext cx="2895120" cy="364680"/>
-          </a:xfrm>
-          <a:prstGeom prst="rect">
-            <a:avLst/>
-          </a:prstGeom>
-        </p:spPr>
-        <p:txBody>
-          <a:bodyPr anchor="ctr"/>
+            <a:ext cx="2894760" cy="364320"/>
+          </a:xfrm>
+          <a:prstGeom prst="rect">
+            <a:avLst/>
+          </a:prstGeom>
+        </p:spPr>
+        <p:txBody>
+          <a:bodyPr anchor="ctr" bIns="45000" lIns="90000" rIns="90000" tIns="45000"/>
           <a:p>
             <a:pPr algn="ctr">
               <a:lnSpc>
@@ -10708,28 +10352,28 @@
       </p:sp>
       <p:sp>
         <p:nvSpPr>
-          <p:cNvPr id="147" name="TextShape 5"/>
-          <p:cNvSpPr txBox="1"/>
+          <p:cNvPr id="140" name="CustomShape 5"/>
+          <p:cNvSpPr/>
           <p:nvPr/>
         </p:nvSpPr>
         <p:spPr>
           <a:xfrm>
             <a:off x="6553080" y="6356520"/>
-            <a:ext cx="2133360" cy="364680"/>
-          </a:xfrm>
-          <a:prstGeom prst="rect">
-            <a:avLst/>
-          </a:prstGeom>
-        </p:spPr>
-        <p:txBody>
-          <a:bodyPr anchor="ctr"/>
+            <a:ext cx="2133000" cy="364320"/>
+          </a:xfrm>
+          <a:prstGeom prst="rect">
+            <a:avLst/>
+          </a:prstGeom>
+        </p:spPr>
+        <p:txBody>
+          <a:bodyPr anchor="ctr" bIns="45000" lIns="90000" rIns="90000" tIns="45000"/>
           <a:p>
             <a:pPr algn="r">
               <a:lnSpc>
                 <a:spcPct val="100000"/>
               </a:lnSpc>
             </a:pPr>
-            <a:fld id="{BCCED406-DE4E-43F7-BC9B-9953D9B4EC7F}" type="slidenum">
+            <a:fld id="{D0D3A6A3-213B-4201-BDCA-D9FE69F070FA}" type="slidenum">
               <a:rPr lang="de-AT" sz="1200">
                 <a:solidFill>
                   <a:srgbClr val="8b8b8b"/>
